--- a/Presentation v0.2.pptx
+++ b/Presentation v0.2.pptx
@@ -5,7 +5,7 @@
     <p:sldMasterId id="2147483648" r:id="rId1"/>
   </p:sldMasterIdLst>
   <p:notesMasterIdLst>
-    <p:notesMasterId r:id="rId20"/>
+    <p:notesMasterId r:id="rId26"/>
   </p:notesMasterIdLst>
   <p:sldIdLst>
     <p:sldId id="256" r:id="rId2"/>
@@ -21,11 +21,17 @@
     <p:sldId id="265" r:id="rId12"/>
     <p:sldId id="267" r:id="rId13"/>
     <p:sldId id="270" r:id="rId14"/>
-    <p:sldId id="271" r:id="rId15"/>
-    <p:sldId id="272" r:id="rId16"/>
-    <p:sldId id="263" r:id="rId17"/>
-    <p:sldId id="268" r:id="rId18"/>
-    <p:sldId id="269" r:id="rId19"/>
+    <p:sldId id="274" r:id="rId15"/>
+    <p:sldId id="275" r:id="rId16"/>
+    <p:sldId id="276" r:id="rId17"/>
+    <p:sldId id="277" r:id="rId18"/>
+    <p:sldId id="278" r:id="rId19"/>
+    <p:sldId id="279" r:id="rId20"/>
+    <p:sldId id="280" r:id="rId21"/>
+    <p:sldId id="281" r:id="rId22"/>
+    <p:sldId id="263" r:id="rId23"/>
+    <p:sldId id="268" r:id="rId24"/>
+    <p:sldId id="269" r:id="rId25"/>
   </p:sldIdLst>
   <p:sldSz cx="9144000" cy="5143500" type="screen16x9"/>
   <p:notesSz cx="6858000" cy="9144000"/>
@@ -3828,6 +3834,13 @@
   <p:clrMapOvr>
     <a:masterClrMapping/>
   </p:clrMapOvr>
+  <p:timing>
+    <p:tnLst>
+      <p:par>
+        <p:cTn id="1" dur="indefinite" restart="never" nodeType="tmRoot"/>
+      </p:par>
+    </p:tnLst>
+  </p:timing>
 </p:sld>
 </file>
 
@@ -3986,14 +3999,14 @@
           <p:nvPr>
             <p:extLst>
               <p:ext uri="{D42A27DB-BD31-4B8C-83A1-F6EECF244321}">
-                <p14:modId xmlns:p14="http://schemas.microsoft.com/office/powerpoint/2010/main" val="911963193"/>
+                <p14:modId xmlns:p14="http://schemas.microsoft.com/office/powerpoint/2010/main" val="2136023945"/>
               </p:ext>
             </p:extLst>
           </p:nvPr>
         </p:nvGraphicFramePr>
         <p:xfrm>
-          <a:off x="177089" y="3831141"/>
-          <a:ext cx="3053259" cy="1112520"/>
+          <a:off x="177089" y="3817454"/>
+          <a:ext cx="2522424" cy="1168400"/>
         </p:xfrm>
         <a:graphic>
           <a:graphicData uri="http://schemas.openxmlformats.org/drawingml/2006/table">
@@ -4002,9 +4015,9 @@
                 <a:tableStyleId>{5C22544A-7EE6-4342-B048-85BDC9FD1C3A}</a:tableStyleId>
               </a:tblPr>
               <a:tblGrid>
-                <a:gridCol w="1017753"/>
-                <a:gridCol w="1017753"/>
-                <a:gridCol w="1017753"/>
+                <a:gridCol w="840808"/>
+                <a:gridCol w="840808"/>
+                <a:gridCol w="840808"/>
               </a:tblGrid>
               <a:tr h="370840">
                 <a:tc>
@@ -4081,7 +4094,7 @@
                       <a:pPr algn="ctr"/>
                       <a:r>
                         <a:rPr lang="fr-FR" sz="1100" dirty="0" smtClean="0"/>
-                        <a:t>509</a:t>
+                        <a:t>533</a:t>
                       </a:r>
                       <a:endParaRPr lang="en-US" sz="1100" dirty="0"/>
                     </a:p>
@@ -4143,8 +4156,9 @@
                       <a:pPr algn="ctr"/>
                       <a:r>
                         <a:rPr lang="fr-FR" sz="1100" dirty="0" smtClean="0"/>
-                        <a:t>3223</a:t>
+                        <a:t>3199</a:t>
                       </a:r>
+                      <a:endParaRPr lang="fr-FR" sz="1100" dirty="0" smtClean="0"/>
                     </a:p>
                   </a:txBody>
                   <a:tcPr anchor="ctr"/>
@@ -4163,14 +4177,14 @@
           <p:nvPr>
             <p:extLst>
               <p:ext uri="{D42A27DB-BD31-4B8C-83A1-F6EECF244321}">
-                <p14:modId xmlns:p14="http://schemas.microsoft.com/office/powerpoint/2010/main" val="475531419"/>
+                <p14:modId xmlns:p14="http://schemas.microsoft.com/office/powerpoint/2010/main" val="4019997569"/>
               </p:ext>
             </p:extLst>
           </p:nvPr>
         </p:nvGraphicFramePr>
         <p:xfrm>
-          <a:off x="3275856" y="3835494"/>
-          <a:ext cx="3053259" cy="1112520"/>
+          <a:off x="2771800" y="3817454"/>
+          <a:ext cx="2447712" cy="1168400"/>
         </p:xfrm>
         <a:graphic>
           <a:graphicData uri="http://schemas.openxmlformats.org/drawingml/2006/table">
@@ -4179,9 +4193,9 @@
                 <a:tableStyleId>{5C22544A-7EE6-4342-B048-85BDC9FD1C3A}</a:tableStyleId>
               </a:tblPr>
               <a:tblGrid>
-                <a:gridCol w="1017753"/>
-                <a:gridCol w="1017753"/>
-                <a:gridCol w="1017753"/>
+                <a:gridCol w="815904"/>
+                <a:gridCol w="815904"/>
+                <a:gridCol w="815904"/>
               </a:tblGrid>
               <a:tr h="370840">
                 <a:tc>
@@ -4258,7 +4272,7 @@
                       <a:pPr algn="ctr"/>
                       <a:r>
                         <a:rPr lang="fr-FR" sz="1100" dirty="0" smtClean="0"/>
-                        <a:t>464</a:t>
+                        <a:t>456</a:t>
                       </a:r>
                       <a:endParaRPr lang="en-US" sz="1100" dirty="0"/>
                     </a:p>
@@ -4273,7 +4287,7 @@
                       <a:pPr algn="ctr"/>
                       <a:r>
                         <a:rPr lang="fr-FR" sz="1100" dirty="0" smtClean="0"/>
-                        <a:t>58</a:t>
+                        <a:t>42</a:t>
                       </a:r>
                       <a:endParaRPr lang="en-US" sz="1100" dirty="0"/>
                     </a:p>
@@ -4305,7 +4319,7 @@
                       <a:pPr algn="ctr"/>
                       <a:r>
                         <a:rPr lang="fr-FR" sz="1100" dirty="0" smtClean="0"/>
-                        <a:t>7</a:t>
+                        <a:t>15</a:t>
                       </a:r>
                       <a:endParaRPr lang="en-US" sz="1100" dirty="0"/>
                     </a:p>
@@ -4320,8 +4334,9 @@
                       <a:pPr algn="ctr"/>
                       <a:r>
                         <a:rPr lang="fr-FR" sz="1100" dirty="0" smtClean="0"/>
-                        <a:t>3203</a:t>
+                        <a:t>3219</a:t>
                       </a:r>
+                      <a:endParaRPr lang="fr-FR" sz="1100" dirty="0" smtClean="0"/>
                     </a:p>
                   </a:txBody>
                   <a:tcPr anchor="ctr"/>
@@ -4333,7 +4348,7 @@
       </p:graphicFrame>
       <p:pic>
         <p:nvPicPr>
-          <p:cNvPr id="2051" name="Picture 3"/>
+          <p:cNvPr id="3" name="Picture 2"/>
           <p:cNvPicPr>
             <a:picLocks noChangeAspect="1" noChangeArrowheads="1"/>
           </p:cNvPicPr>
@@ -4354,8 +4369,62 @@
         </p:blipFill>
         <p:spPr bwMode="auto">
           <a:xfrm>
-            <a:off x="6444208" y="2211710"/>
-            <a:ext cx="2543014" cy="2520000"/>
+            <a:off x="179512" y="1275606"/>
+            <a:ext cx="5570840" cy="663699"/>
+          </a:xfrm>
+          <a:prstGeom prst="rect">
+            <a:avLst/>
+          </a:prstGeom>
+          <a:noFill/>
+          <a:ln>
+            <a:noFill/>
+          </a:ln>
+          <a:extLst>
+            <a:ext uri="{909E8E84-426E-40DD-AFC4-6F175D3DCCD1}">
+              <a14:hiddenFill xmlns:a14="http://schemas.microsoft.com/office/drawing/2010/main">
+                <a:solidFill>
+                  <a:schemeClr val="accent1"/>
+                </a:solidFill>
+              </a14:hiddenFill>
+            </a:ext>
+            <a:ext uri="{91240B29-F687-4F45-9708-019B960494DF}">
+              <a14:hiddenLine xmlns:a14="http://schemas.microsoft.com/office/drawing/2010/main" w="9525">
+                <a:solidFill>
+                  <a:schemeClr val="tx1"/>
+                </a:solidFill>
+                <a:miter lim="800000"/>
+                <a:headEnd/>
+                <a:tailEnd/>
+              </a14:hiddenLine>
+            </a:ext>
+          </a:extLst>
+        </p:spPr>
+      </p:pic>
+      <p:pic>
+        <p:nvPicPr>
+          <p:cNvPr id="6" name="Picture 3"/>
+          <p:cNvPicPr>
+            <a:picLocks noChangeAspect="1" noChangeArrowheads="1"/>
+          </p:cNvPicPr>
+          <p:nvPr/>
+        </p:nvPicPr>
+        <p:blipFill>
+          <a:blip r:embed="rId4" cstate="print">
+            <a:extLst>
+              <a:ext uri="{28A0092B-C50C-407E-A947-70E740481C1C}">
+                <a14:useLocalDpi xmlns:a14="http://schemas.microsoft.com/office/drawing/2010/main" val="0"/>
+              </a:ext>
+            </a:extLst>
+          </a:blip>
+          <a:srcRect/>
+          <a:stretch>
+            <a:fillRect/>
+          </a:stretch>
+        </p:blipFill>
+        <p:spPr bwMode="auto">
+          <a:xfrm>
+            <a:off x="5364088" y="2031983"/>
+            <a:ext cx="3647862" cy="2844023"/>
           </a:xfrm>
           <a:prstGeom prst="rect">
             <a:avLst/>
@@ -4395,6 +4464,218 @@
   <p:clrMapOvr>
     <a:masterClrMapping/>
   </p:clrMapOvr>
+  <p:timing>
+    <p:tnLst>
+      <p:par>
+        <p:cTn id="1" dur="indefinite" restart="never" nodeType="tmRoot">
+          <p:childTnLst>
+            <p:seq concurrent="1" nextAc="seek">
+              <p:cTn id="2" dur="indefinite" nodeType="mainSeq">
+                <p:childTnLst>
+                  <p:par>
+                    <p:cTn id="3" fill="hold">
+                      <p:stCondLst>
+                        <p:cond delay="indefinite"/>
+                      </p:stCondLst>
+                      <p:childTnLst>
+                        <p:par>
+                          <p:cTn id="4" fill="hold">
+                            <p:stCondLst>
+                              <p:cond delay="0"/>
+                            </p:stCondLst>
+                            <p:childTnLst>
+                              <p:par>
+                                <p:cTn id="5" presetID="2" presetClass="entr" presetSubtype="8" fill="hold" nodeType="clickEffect">
+                                  <p:stCondLst>
+                                    <p:cond delay="0"/>
+                                  </p:stCondLst>
+                                  <p:childTnLst>
+                                    <p:set>
+                                      <p:cBhvr>
+                                        <p:cTn id="6" dur="1" fill="hold">
+                                          <p:stCondLst>
+                                            <p:cond delay="0"/>
+                                          </p:stCondLst>
+                                        </p:cTn>
+                                        <p:tgtEl>
+                                          <p:spTgt spid="3"/>
+                                        </p:tgtEl>
+                                        <p:attrNameLst>
+                                          <p:attrName>style.visibility</p:attrName>
+                                        </p:attrNameLst>
+                                      </p:cBhvr>
+                                      <p:to>
+                                        <p:strVal val="visible"/>
+                                      </p:to>
+                                    </p:set>
+                                    <p:anim calcmode="lin" valueType="num">
+                                      <p:cBhvr additive="base">
+                                        <p:cTn id="7" dur="500" fill="hold"/>
+                                        <p:tgtEl>
+                                          <p:spTgt spid="3"/>
+                                        </p:tgtEl>
+                                        <p:attrNameLst>
+                                          <p:attrName>ppt_x</p:attrName>
+                                        </p:attrNameLst>
+                                      </p:cBhvr>
+                                      <p:tavLst>
+                                        <p:tav tm="0">
+                                          <p:val>
+                                            <p:strVal val="0-#ppt_w/2"/>
+                                          </p:val>
+                                        </p:tav>
+                                        <p:tav tm="100000">
+                                          <p:val>
+                                            <p:strVal val="#ppt_x"/>
+                                          </p:val>
+                                        </p:tav>
+                                      </p:tavLst>
+                                    </p:anim>
+                                    <p:anim calcmode="lin" valueType="num">
+                                      <p:cBhvr additive="base">
+                                        <p:cTn id="8" dur="500" fill="hold"/>
+                                        <p:tgtEl>
+                                          <p:spTgt spid="3"/>
+                                        </p:tgtEl>
+                                        <p:attrNameLst>
+                                          <p:attrName>ppt_y</p:attrName>
+                                        </p:attrNameLst>
+                                      </p:cBhvr>
+                                      <p:tavLst>
+                                        <p:tav tm="0">
+                                          <p:val>
+                                            <p:strVal val="#ppt_y"/>
+                                          </p:val>
+                                        </p:tav>
+                                        <p:tav tm="100000">
+                                          <p:val>
+                                            <p:strVal val="#ppt_y"/>
+                                          </p:val>
+                                        </p:tav>
+                                      </p:tavLst>
+                                    </p:anim>
+                                  </p:childTnLst>
+                                </p:cTn>
+                              </p:par>
+                            </p:childTnLst>
+                          </p:cTn>
+                        </p:par>
+                      </p:childTnLst>
+                    </p:cTn>
+                  </p:par>
+                  <p:par>
+                    <p:cTn id="9" fill="hold">
+                      <p:stCondLst>
+                        <p:cond delay="indefinite"/>
+                      </p:stCondLst>
+                      <p:childTnLst>
+                        <p:par>
+                          <p:cTn id="10" fill="hold">
+                            <p:stCondLst>
+                              <p:cond delay="0"/>
+                            </p:stCondLst>
+                            <p:childTnLst>
+                              <p:par>
+                                <p:cTn id="11" presetID="2" presetClass="exit" presetSubtype="8" fill="hold" nodeType="clickEffect">
+                                  <p:stCondLst>
+                                    <p:cond delay="0"/>
+                                  </p:stCondLst>
+                                  <p:childTnLst>
+                                    <p:anim calcmode="lin" valueType="num">
+                                      <p:cBhvr additive="base">
+                                        <p:cTn id="12" dur="500"/>
+                                        <p:tgtEl>
+                                          <p:spTgt spid="3"/>
+                                        </p:tgtEl>
+                                        <p:attrNameLst>
+                                          <p:attrName>ppt_x</p:attrName>
+                                        </p:attrNameLst>
+                                      </p:cBhvr>
+                                      <p:tavLst>
+                                        <p:tav tm="0">
+                                          <p:val>
+                                            <p:strVal val="ppt_x"/>
+                                          </p:val>
+                                        </p:tav>
+                                        <p:tav tm="100000">
+                                          <p:val>
+                                            <p:strVal val="0-ppt_w/2"/>
+                                          </p:val>
+                                        </p:tav>
+                                      </p:tavLst>
+                                    </p:anim>
+                                    <p:anim calcmode="lin" valueType="num">
+                                      <p:cBhvr additive="base">
+                                        <p:cTn id="13" dur="500"/>
+                                        <p:tgtEl>
+                                          <p:spTgt spid="3"/>
+                                        </p:tgtEl>
+                                        <p:attrNameLst>
+                                          <p:attrName>ppt_y</p:attrName>
+                                        </p:attrNameLst>
+                                      </p:cBhvr>
+                                      <p:tavLst>
+                                        <p:tav tm="0">
+                                          <p:val>
+                                            <p:strVal val="ppt_y"/>
+                                          </p:val>
+                                        </p:tav>
+                                        <p:tav tm="100000">
+                                          <p:val>
+                                            <p:strVal val="ppt_y"/>
+                                          </p:val>
+                                        </p:tav>
+                                      </p:tavLst>
+                                    </p:anim>
+                                    <p:set>
+                                      <p:cBhvr>
+                                        <p:cTn id="14" dur="1" fill="hold">
+                                          <p:stCondLst>
+                                            <p:cond delay="499"/>
+                                          </p:stCondLst>
+                                        </p:cTn>
+                                        <p:tgtEl>
+                                          <p:spTgt spid="3"/>
+                                        </p:tgtEl>
+                                        <p:attrNameLst>
+                                          <p:attrName>style.visibility</p:attrName>
+                                        </p:attrNameLst>
+                                      </p:cBhvr>
+                                      <p:to>
+                                        <p:strVal val="hidden"/>
+                                      </p:to>
+                                    </p:set>
+                                  </p:childTnLst>
+                                </p:cTn>
+                              </p:par>
+                            </p:childTnLst>
+                          </p:cTn>
+                        </p:par>
+                      </p:childTnLst>
+                    </p:cTn>
+                  </p:par>
+                </p:childTnLst>
+              </p:cTn>
+              <p:prevCondLst>
+                <p:cond evt="onPrev" delay="0">
+                  <p:tgtEl>
+                    <p:sldTgt/>
+                  </p:tgtEl>
+                </p:cond>
+              </p:prevCondLst>
+              <p:nextCondLst>
+                <p:cond evt="onNext" delay="0">
+                  <p:tgtEl>
+                    <p:sldTgt/>
+                  </p:tgtEl>
+                </p:cond>
+              </p:nextCondLst>
+            </p:seq>
+          </p:childTnLst>
+        </p:cTn>
+      </p:par>
+    </p:tnLst>
+  </p:timing>
 </p:sld>
 </file>
 
@@ -4442,42 +4723,15 @@
           </a:p>
         </p:txBody>
       </p:sp>
-      <p:sp>
-        <p:nvSpPr>
-          <p:cNvPr id="3" name="Content Placeholder 2"/>
-          <p:cNvSpPr>
-            <a:spLocks noGrp="1"/>
-          </p:cNvSpPr>
-          <p:nvPr>
-            <p:ph idx="1"/>
-          </p:nvPr>
-        </p:nvSpPr>
-        <p:spPr/>
-        <p:txBody>
-          <a:bodyPr/>
-          <a:lstStyle/>
-          <a:p>
-            <a:r>
-              <a:rPr lang="fr-FR" dirty="0"/>
-              <a:t>I</a:t>
-            </a:r>
-            <a:r>
-              <a:rPr lang="fr-FR" dirty="0" smtClean="0"/>
-              <a:t>mportance relative des variables explicatives</a:t>
-            </a:r>
-            <a:endParaRPr lang="en-US" dirty="0"/>
-          </a:p>
-        </p:txBody>
-      </p:sp>
       <p:pic>
         <p:nvPicPr>
-          <p:cNvPr id="3074" name="Picture 2"/>
+          <p:cNvPr id="5122" name="Picture 2"/>
           <p:cNvPicPr>
             <a:picLocks noChangeAspect="1" noChangeArrowheads="1"/>
           </p:cNvPicPr>
           <p:nvPr/>
         </p:nvPicPr>
-        <p:blipFill>
+        <p:blipFill rotWithShape="1">
           <a:blip r:embed="rId2">
             <a:extLst>
               <a:ext uri="{28A0092B-C50C-407E-A947-70E740481C1C}">
@@ -4485,15 +4739,13 @@
               </a:ext>
             </a:extLst>
           </a:blip>
-          <a:srcRect/>
-          <a:stretch>
-            <a:fillRect/>
-          </a:stretch>
+          <a:srcRect t="11087"/>
+          <a:stretch/>
         </p:blipFill>
         <p:spPr bwMode="auto">
           <a:xfrm>
-            <a:off x="971600" y="1923678"/>
-            <a:ext cx="7200000" cy="2630192"/>
+            <a:off x="1331640" y="1034472"/>
+            <a:ext cx="5541011" cy="3841053"/>
           </a:xfrm>
           <a:prstGeom prst="rect">
             <a:avLst/>
@@ -4533,6 +4785,13 @@
   <p:clrMapOvr>
     <a:masterClrMapping/>
   </p:clrMapOvr>
+  <p:timing>
+    <p:tnLst>
+      <p:par>
+        <p:cTn id="1" dur="indefinite" restart="never" nodeType="tmRoot"/>
+      </p:par>
+    </p:tnLst>
+  </p:timing>
 </p:sld>
 </file>
 
@@ -4584,7 +4843,7 @@
       </p:sp>
       <p:sp>
         <p:nvSpPr>
-          <p:cNvPr id="3" name="Content Placeholder 2"/>
+          <p:cNvPr id="5" name="Content Placeholder 2"/>
           <p:cNvSpPr>
             <a:spLocks noGrp="1"/>
           </p:cNvSpPr>
@@ -4592,15 +4851,187 @@
             <p:ph idx="1"/>
           </p:nvPr>
         </p:nvSpPr>
-        <p:spPr/>
+        <p:spPr>
+          <a:xfrm>
+            <a:off x="457200" y="1200151"/>
+            <a:ext cx="8229600" cy="3394472"/>
+          </a:xfrm>
+        </p:spPr>
         <p:txBody>
-          <a:bodyPr/>
+          <a:bodyPr>
+            <a:normAutofit/>
+          </a:bodyPr>
           <a:lstStyle/>
           <a:p>
-            <a:endParaRPr lang="en-US"/>
+            <a:r>
+              <a:rPr lang="fr-FR" sz="2000" dirty="0" smtClean="0"/>
+              <a:t>X:</a:t>
+            </a:r>
+            <a:r>
+              <a:rPr lang="fr-FR" sz="2000" dirty="0"/>
+              <a:t> </a:t>
+            </a:r>
+            <a:r>
+              <a:rPr lang="fr-FR" sz="2000" dirty="0" err="1"/>
+              <a:t>available_bikes</a:t>
+            </a:r>
+            <a:r>
+              <a:rPr lang="fr-FR" sz="2000" dirty="0"/>
+              <a:t> </a:t>
+            </a:r>
+            <a:r>
+              <a:rPr lang="fr-FR" sz="2000" dirty="0" smtClean="0"/>
+              <a:t>, seuil=5, prédiction à 3 heures (X=3)</a:t>
+            </a:r>
+          </a:p>
+          <a:p>
+            <a:r>
+              <a:rPr lang="fr-FR" sz="2000" dirty="0" smtClean="0"/>
+              <a:t>Adresse: 8, boulevard Saint Michel (5 stations à moins de 200m)</a:t>
+            </a:r>
+            <a:endParaRPr lang="en-US" sz="1800" dirty="0"/>
           </a:p>
         </p:txBody>
       </p:sp>
+      <p:pic>
+        <p:nvPicPr>
+          <p:cNvPr id="3074" name="Picture 2"/>
+          <p:cNvPicPr>
+            <a:picLocks noChangeAspect="1" noChangeArrowheads="1"/>
+          </p:cNvPicPr>
+          <p:nvPr/>
+        </p:nvPicPr>
+        <p:blipFill>
+          <a:blip r:embed="rId2">
+            <a:extLst>
+              <a:ext uri="{28A0092B-C50C-407E-A947-70E740481C1C}">
+                <a14:useLocalDpi xmlns:a14="http://schemas.microsoft.com/office/drawing/2010/main" val="0"/>
+              </a:ext>
+            </a:extLst>
+          </a:blip>
+          <a:srcRect/>
+          <a:stretch>
+            <a:fillRect/>
+          </a:stretch>
+        </p:blipFill>
+        <p:spPr bwMode="auto">
+          <a:xfrm>
+            <a:off x="179512" y="2139702"/>
+            <a:ext cx="5693008" cy="2592288"/>
+          </a:xfrm>
+          <a:prstGeom prst="rect">
+            <a:avLst/>
+          </a:prstGeom>
+          <a:noFill/>
+          <a:ln>
+            <a:noFill/>
+          </a:ln>
+          <a:extLst>
+            <a:ext uri="{909E8E84-426E-40DD-AFC4-6F175D3DCCD1}">
+              <a14:hiddenFill xmlns:a14="http://schemas.microsoft.com/office/drawing/2010/main">
+                <a:solidFill>
+                  <a:schemeClr val="accent1"/>
+                </a:solidFill>
+              </a14:hiddenFill>
+            </a:ext>
+            <a:ext uri="{91240B29-F687-4F45-9708-019B960494DF}">
+              <a14:hiddenLine xmlns:a14="http://schemas.microsoft.com/office/drawing/2010/main" w="9525">
+                <a:solidFill>
+                  <a:schemeClr val="tx1"/>
+                </a:solidFill>
+                <a:miter lim="800000"/>
+                <a:headEnd/>
+                <a:tailEnd/>
+              </a14:hiddenLine>
+            </a:ext>
+          </a:extLst>
+        </p:spPr>
+      </p:pic>
+      <p:sp>
+        <p:nvSpPr>
+          <p:cNvPr id="9" name="TextBox 8"/>
+          <p:cNvSpPr txBox="1"/>
+          <p:nvPr/>
+        </p:nvSpPr>
+        <p:spPr>
+          <a:xfrm>
+            <a:off x="6084168" y="2441721"/>
+            <a:ext cx="2797304" cy="369332"/>
+          </a:xfrm>
+          <a:prstGeom prst="rect">
+            <a:avLst/>
+          </a:prstGeom>
+          <a:noFill/>
+          <a:ln>
+            <a:solidFill>
+              <a:srgbClr val="FF0000"/>
+            </a:solidFill>
+          </a:ln>
+        </p:spPr>
+        <p:txBody>
+          <a:bodyPr wrap="none" rtlCol="0">
+            <a:spAutoFit/>
+          </a:bodyPr>
+          <a:lstStyle/>
+          <a:p>
+            <a:r>
+              <a:rPr lang="fr-FR" dirty="0" smtClean="0"/>
+              <a:t>choix </a:t>
+            </a:r>
+            <a:r>
+              <a:rPr lang="fr-FR" dirty="0" err="1" smtClean="0"/>
+              <a:t>ridge</a:t>
+            </a:r>
+            <a:r>
+              <a:rPr lang="fr-FR" dirty="0" smtClean="0"/>
+              <a:t>, lasso, </a:t>
+            </a:r>
+            <a:r>
+              <a:rPr lang="fr-FR" dirty="0" err="1" smtClean="0"/>
+              <a:t>elasticnet</a:t>
+            </a:r>
+            <a:endParaRPr lang="en-US" dirty="0"/>
+          </a:p>
+        </p:txBody>
+      </p:sp>
+      <p:cxnSp>
+        <p:nvCxnSpPr>
+          <p:cNvPr id="11" name="Straight Arrow Connector 10"/>
+          <p:cNvCxnSpPr>
+            <a:stCxn id="9" idx="1"/>
+          </p:cNvCxnSpPr>
+          <p:nvPr/>
+        </p:nvCxnSpPr>
+        <p:spPr>
+          <a:xfrm flipH="1">
+            <a:off x="4139952" y="2626387"/>
+            <a:ext cx="1944216" cy="449419"/>
+          </a:xfrm>
+          <a:prstGeom prst="straightConnector1">
+            <a:avLst/>
+          </a:prstGeom>
+          <a:ln>
+            <a:solidFill>
+              <a:srgbClr val="FF0000"/>
+            </a:solidFill>
+            <a:tailEnd type="arrow"/>
+          </a:ln>
+        </p:spPr>
+        <p:style>
+          <a:lnRef idx="1">
+            <a:schemeClr val="accent1"/>
+          </a:lnRef>
+          <a:fillRef idx="0">
+            <a:schemeClr val="accent1"/>
+          </a:fillRef>
+          <a:effectRef idx="0">
+            <a:schemeClr val="accent1"/>
+          </a:effectRef>
+          <a:fontRef idx="minor">
+            <a:schemeClr val="tx1"/>
+          </a:fontRef>
+        </p:style>
+      </p:cxnSp>
     </p:spTree>
     <p:extLst>
       <p:ext uri="{BB962C8B-B14F-4D97-AF65-F5344CB8AC3E}">
@@ -4611,6 +5042,13 @@
   <p:clrMapOvr>
     <a:masterClrMapping/>
   </p:clrMapOvr>
+  <p:timing>
+    <p:tnLst>
+      <p:par>
+        <p:cTn id="1" dur="indefinite" restart="never" nodeType="tmRoot"/>
+      </p:par>
+    </p:tnLst>
+  </p:timing>
 </p:sld>
 </file>
 
@@ -4631,6 +5069,60 @@
           <a:chExt cx="0" cy="0"/>
         </a:xfrm>
       </p:grpSpPr>
+      <p:pic>
+        <p:nvPicPr>
+          <p:cNvPr id="4100" name="Picture 4"/>
+          <p:cNvPicPr>
+            <a:picLocks noChangeAspect="1" noChangeArrowheads="1"/>
+          </p:cNvPicPr>
+          <p:nvPr/>
+        </p:nvPicPr>
+        <p:blipFill>
+          <a:blip r:embed="rId2" cstate="print">
+            <a:extLst>
+              <a:ext uri="{28A0092B-C50C-407E-A947-70E740481C1C}">
+                <a14:useLocalDpi xmlns:a14="http://schemas.microsoft.com/office/drawing/2010/main" val="0"/>
+              </a:ext>
+            </a:extLst>
+          </a:blip>
+          <a:srcRect/>
+          <a:stretch>
+            <a:fillRect/>
+          </a:stretch>
+        </p:blipFill>
+        <p:spPr bwMode="auto">
+          <a:xfrm>
+            <a:off x="5399430" y="2067694"/>
+            <a:ext cx="3647832" cy="2844000"/>
+          </a:xfrm>
+          <a:prstGeom prst="rect">
+            <a:avLst/>
+          </a:prstGeom>
+          <a:noFill/>
+          <a:ln>
+            <a:noFill/>
+          </a:ln>
+          <a:extLst>
+            <a:ext uri="{909E8E84-426E-40DD-AFC4-6F175D3DCCD1}">
+              <a14:hiddenFill xmlns:a14="http://schemas.microsoft.com/office/drawing/2010/main">
+                <a:solidFill>
+                  <a:schemeClr val="accent1"/>
+                </a:solidFill>
+              </a14:hiddenFill>
+            </a:ext>
+            <a:ext uri="{91240B29-F687-4F45-9708-019B960494DF}">
+              <a14:hiddenLine xmlns:a14="http://schemas.microsoft.com/office/drawing/2010/main" w="9525">
+                <a:solidFill>
+                  <a:schemeClr val="tx1"/>
+                </a:solidFill>
+                <a:miter lim="800000"/>
+                <a:headEnd/>
+                <a:tailEnd/>
+              </a14:hiddenLine>
+            </a:ext>
+          </a:extLst>
+        </p:spPr>
+      </p:pic>
       <p:sp>
         <p:nvSpPr>
           <p:cNvPr id="2" name="Title 1"/>
@@ -4643,12 +5135,18 @@
         </p:nvSpPr>
         <p:spPr/>
         <p:txBody>
-          <a:bodyPr/>
+          <a:bodyPr>
+            <a:normAutofit fontScale="90000"/>
+          </a:bodyPr>
           <a:lstStyle/>
           <a:p>
             <a:r>
+              <a:rPr lang="fr-FR" dirty="0"/>
+              <a:t>Modélisation – </a:t>
+            </a:r>
+            <a:r>
               <a:rPr lang="fr-FR" dirty="0" smtClean="0"/>
-              <a:t>Modélisation - SVM </a:t>
+              <a:t>Régressions Pénalisées</a:t>
             </a:r>
             <a:endParaRPr lang="en-US" dirty="0"/>
           </a:p>
@@ -4656,7 +5154,7 @@
       </p:sp>
       <p:sp>
         <p:nvSpPr>
-          <p:cNvPr id="3" name="Content Placeholder 2"/>
+          <p:cNvPr id="5" name="Content Placeholder 2"/>
           <p:cNvSpPr>
             <a:spLocks noGrp="1"/>
           </p:cNvSpPr>
@@ -4664,25 +5162,631 @@
             <p:ph idx="1"/>
           </p:nvPr>
         </p:nvSpPr>
-        <p:spPr/>
+        <p:spPr>
+          <a:xfrm>
+            <a:off x="457200" y="1200151"/>
+            <a:ext cx="8229600" cy="3394472"/>
+          </a:xfrm>
+        </p:spPr>
         <p:txBody>
-          <a:bodyPr/>
+          <a:bodyPr>
+            <a:normAutofit/>
+          </a:bodyPr>
           <a:lstStyle/>
           <a:p>
-            <a:endParaRPr lang="en-US"/>
+            <a:r>
+              <a:rPr lang="fr-FR" sz="2000" dirty="0" smtClean="0"/>
+              <a:t>X:</a:t>
+            </a:r>
+            <a:r>
+              <a:rPr lang="fr-FR" sz="2000" dirty="0"/>
+              <a:t> </a:t>
+            </a:r>
+            <a:r>
+              <a:rPr lang="fr-FR" sz="2000" dirty="0" err="1"/>
+              <a:t>available_bikes</a:t>
+            </a:r>
+            <a:r>
+              <a:rPr lang="fr-FR" sz="2000" dirty="0"/>
+              <a:t> </a:t>
+            </a:r>
+            <a:r>
+              <a:rPr lang="fr-FR" sz="2000" dirty="0" smtClean="0"/>
+              <a:t>, seuil=5, prédiction à 3 heures (X=3)</a:t>
+            </a:r>
+          </a:p>
+          <a:p>
+            <a:r>
+              <a:rPr lang="fr-FR" sz="2000" dirty="0" smtClean="0"/>
+              <a:t>Adresse: 8, boulevard Saint Michel (5 stations à moins de 200m)</a:t>
+            </a:r>
+            <a:endParaRPr lang="en-US" sz="1800" dirty="0"/>
           </a:p>
         </p:txBody>
       </p:sp>
+      <p:pic>
+        <p:nvPicPr>
+          <p:cNvPr id="4098" name="Picture 2"/>
+          <p:cNvPicPr>
+            <a:picLocks noChangeAspect="1" noChangeArrowheads="1"/>
+          </p:cNvPicPr>
+          <p:nvPr/>
+        </p:nvPicPr>
+        <p:blipFill>
+          <a:blip r:embed="rId3">
+            <a:extLst>
+              <a:ext uri="{28A0092B-C50C-407E-A947-70E740481C1C}">
+                <a14:useLocalDpi xmlns:a14="http://schemas.microsoft.com/office/drawing/2010/main" val="0"/>
+              </a:ext>
+            </a:extLst>
+          </a:blip>
+          <a:srcRect/>
+          <a:stretch>
+            <a:fillRect/>
+          </a:stretch>
+        </p:blipFill>
+        <p:spPr bwMode="auto">
+          <a:xfrm>
+            <a:off x="177486" y="2355726"/>
+            <a:ext cx="5042586" cy="524071"/>
+          </a:xfrm>
+          <a:prstGeom prst="rect">
+            <a:avLst/>
+          </a:prstGeom>
+          <a:noFill/>
+          <a:ln>
+            <a:noFill/>
+          </a:ln>
+          <a:extLst>
+            <a:ext uri="{909E8E84-426E-40DD-AFC4-6F175D3DCCD1}">
+              <a14:hiddenFill xmlns:a14="http://schemas.microsoft.com/office/drawing/2010/main">
+                <a:solidFill>
+                  <a:schemeClr val="accent1"/>
+                </a:solidFill>
+              </a14:hiddenFill>
+            </a:ext>
+            <a:ext uri="{91240B29-F687-4F45-9708-019B960494DF}">
+              <a14:hiddenLine xmlns:a14="http://schemas.microsoft.com/office/drawing/2010/main" w="9525">
+                <a:solidFill>
+                  <a:schemeClr val="tx1"/>
+                </a:solidFill>
+                <a:miter lim="800000"/>
+                <a:headEnd/>
+                <a:tailEnd/>
+              </a14:hiddenLine>
+            </a:ext>
+          </a:extLst>
+        </p:spPr>
+      </p:pic>
+      <p:sp>
+        <p:nvSpPr>
+          <p:cNvPr id="3" name="TextBox 2"/>
+          <p:cNvSpPr txBox="1"/>
+          <p:nvPr/>
+        </p:nvSpPr>
+        <p:spPr>
+          <a:xfrm>
+            <a:off x="174174" y="1986394"/>
+            <a:ext cx="1651093" cy="369332"/>
+          </a:xfrm>
+          <a:prstGeom prst="rect">
+            <a:avLst/>
+          </a:prstGeom>
+          <a:noFill/>
+        </p:spPr>
+        <p:txBody>
+          <a:bodyPr wrap="none" rtlCol="0">
+            <a:spAutoFit/>
+          </a:bodyPr>
+          <a:lstStyle/>
+          <a:p>
+            <a:r>
+              <a:rPr lang="fr-FR" dirty="0" err="1" smtClean="0"/>
+              <a:t>Ridge</a:t>
+            </a:r>
+            <a:r>
+              <a:rPr lang="fr-FR" dirty="0" smtClean="0"/>
+              <a:t> (alpha=0)</a:t>
+            </a:r>
+            <a:endParaRPr lang="en-US" dirty="0"/>
+          </a:p>
+        </p:txBody>
+      </p:sp>
+      <p:graphicFrame>
+        <p:nvGraphicFramePr>
+          <p:cNvPr id="10" name="Table 9"/>
+          <p:cNvGraphicFramePr>
+            <a:graphicFrameLocks noGrp="1"/>
+          </p:cNvGraphicFramePr>
+          <p:nvPr>
+            <p:extLst>
+              <p:ext uri="{D42A27DB-BD31-4B8C-83A1-F6EECF244321}">
+                <p14:modId xmlns:p14="http://schemas.microsoft.com/office/powerpoint/2010/main" val="2425464154"/>
+              </p:ext>
+            </p:extLst>
+          </p:nvPr>
+        </p:nvGraphicFramePr>
+        <p:xfrm>
+          <a:off x="177089" y="3817454"/>
+          <a:ext cx="2522424" cy="1168400"/>
+        </p:xfrm>
+        <a:graphic>
+          <a:graphicData uri="http://schemas.openxmlformats.org/drawingml/2006/table">
+            <a:tbl>
+              <a:tblPr firstRow="1" bandRow="1">
+                <a:tableStyleId>{5C22544A-7EE6-4342-B048-85BDC9FD1C3A}</a:tableStyleId>
+              </a:tblPr>
+              <a:tblGrid>
+                <a:gridCol w="840808"/>
+                <a:gridCol w="840808"/>
+                <a:gridCol w="840808"/>
+              </a:tblGrid>
+              <a:tr h="370840">
+                <a:tc>
+                  <a:txBody>
+                    <a:bodyPr/>
+                    <a:lstStyle/>
+                    <a:p>
+                      <a:pPr algn="ctr"/>
+                      <a:r>
+                        <a:rPr lang="fr-FR" sz="1100" dirty="0" smtClean="0"/>
+                        <a:t>apprentissage</a:t>
+                      </a:r>
+                      <a:endParaRPr lang="en-US" sz="1100" dirty="0"/>
+                    </a:p>
+                  </a:txBody>
+                  <a:tcPr anchor="ctr"/>
+                </a:tc>
+                <a:tc>
+                  <a:txBody>
+                    <a:bodyPr/>
+                    <a:lstStyle/>
+                    <a:p>
+                      <a:pPr algn="ctr"/>
+                      <a:r>
+                        <a:rPr lang="fr-FR" sz="1100" dirty="0" smtClean="0"/>
+                        <a:t>Prédiction 0</a:t>
+                      </a:r>
+                      <a:endParaRPr lang="en-US" sz="1100" dirty="0"/>
+                    </a:p>
+                  </a:txBody>
+                  <a:tcPr anchor="ctr"/>
+                </a:tc>
+                <a:tc>
+                  <a:txBody>
+                    <a:bodyPr/>
+                    <a:lstStyle/>
+                    <a:p>
+                      <a:pPr algn="ctr"/>
+                      <a:r>
+                        <a:rPr lang="fr-FR" sz="1100" dirty="0" smtClean="0"/>
+                        <a:t>Prédiction 1</a:t>
+                      </a:r>
+                      <a:endParaRPr lang="en-US" sz="1100" dirty="0"/>
+                    </a:p>
+                  </a:txBody>
+                  <a:tcPr anchor="ctr"/>
+                </a:tc>
+              </a:tr>
+              <a:tr h="370840">
+                <a:tc>
+                  <a:txBody>
+                    <a:bodyPr/>
+                    <a:lstStyle/>
+                    <a:p>
+                      <a:pPr algn="ctr"/>
+                      <a:r>
+                        <a:rPr lang="fr-FR" sz="1100" dirty="0" smtClean="0"/>
+                        <a:t>Vrai</a:t>
+                      </a:r>
+                      <a:r>
+                        <a:rPr lang="fr-FR" sz="1100" baseline="0" dirty="0" smtClean="0"/>
+                        <a:t> 0</a:t>
+                      </a:r>
+                      <a:endParaRPr lang="en-US" sz="1100" dirty="0"/>
+                    </a:p>
+                  </a:txBody>
+                  <a:tcPr anchor="ctr"/>
+                </a:tc>
+                <a:tc>
+                  <a:txBody>
+                    <a:bodyPr/>
+                    <a:lstStyle/>
+                    <a:p>
+                      <a:pPr algn="ctr"/>
+                      <a:r>
+                        <a:rPr lang="fr-FR" sz="1100" dirty="0" smtClean="0"/>
+                        <a:t>359</a:t>
+                      </a:r>
+                      <a:endParaRPr lang="en-US" sz="1100" dirty="0"/>
+                    </a:p>
+                  </a:txBody>
+                  <a:tcPr anchor="ctr"/>
+                </a:tc>
+                <a:tc>
+                  <a:txBody>
+                    <a:bodyPr/>
+                    <a:lstStyle/>
+                    <a:p>
+                      <a:pPr algn="ctr"/>
+                      <a:r>
+                        <a:rPr lang="fr-FR" sz="1100" dirty="0" smtClean="0"/>
+                        <a:t>174</a:t>
+                      </a:r>
+                      <a:endParaRPr lang="en-US" sz="1100" dirty="0"/>
+                    </a:p>
+                  </a:txBody>
+                  <a:tcPr anchor="ctr"/>
+                </a:tc>
+              </a:tr>
+              <a:tr h="370840">
+                <a:tc>
+                  <a:txBody>
+                    <a:bodyPr/>
+                    <a:lstStyle/>
+                    <a:p>
+                      <a:pPr algn="ctr"/>
+                      <a:r>
+                        <a:rPr lang="fr-FR" sz="1100" dirty="0" smtClean="0"/>
+                        <a:t>Vrai 1</a:t>
+                      </a:r>
+                      <a:endParaRPr lang="en-US" sz="1100" dirty="0"/>
+                    </a:p>
+                  </a:txBody>
+                  <a:tcPr anchor="ctr"/>
+                </a:tc>
+                <a:tc>
+                  <a:txBody>
+                    <a:bodyPr/>
+                    <a:lstStyle/>
+                    <a:p>
+                      <a:pPr algn="ctr"/>
+                      <a:r>
+                        <a:rPr lang="fr-FR" sz="1100" dirty="0" smtClean="0"/>
+                        <a:t>76</a:t>
+                      </a:r>
+                      <a:endParaRPr lang="en-US" sz="1100" dirty="0"/>
+                    </a:p>
+                  </a:txBody>
+                  <a:tcPr anchor="ctr"/>
+                </a:tc>
+                <a:tc>
+                  <a:txBody>
+                    <a:bodyPr/>
+                    <a:lstStyle/>
+                    <a:p>
+                      <a:pPr algn="ctr"/>
+                      <a:r>
+                        <a:rPr lang="fr-FR" sz="1100" dirty="0" smtClean="0"/>
+                        <a:t>3123</a:t>
+                      </a:r>
+                      <a:endParaRPr lang="fr-FR" sz="1100" dirty="0" smtClean="0"/>
+                    </a:p>
+                  </a:txBody>
+                  <a:tcPr anchor="ctr"/>
+                </a:tc>
+              </a:tr>
+            </a:tbl>
+          </a:graphicData>
+        </a:graphic>
+      </p:graphicFrame>
+      <p:graphicFrame>
+        <p:nvGraphicFramePr>
+          <p:cNvPr id="11" name="Table 10"/>
+          <p:cNvGraphicFramePr>
+            <a:graphicFrameLocks noGrp="1"/>
+          </p:cNvGraphicFramePr>
+          <p:nvPr>
+            <p:extLst>
+              <p:ext uri="{D42A27DB-BD31-4B8C-83A1-F6EECF244321}">
+                <p14:modId xmlns:p14="http://schemas.microsoft.com/office/powerpoint/2010/main" val="3317260209"/>
+              </p:ext>
+            </p:extLst>
+          </p:nvPr>
+        </p:nvGraphicFramePr>
+        <p:xfrm>
+          <a:off x="2771800" y="3817454"/>
+          <a:ext cx="2447712" cy="1168400"/>
+        </p:xfrm>
+        <a:graphic>
+          <a:graphicData uri="http://schemas.openxmlformats.org/drawingml/2006/table">
+            <a:tbl>
+              <a:tblPr firstRow="1" bandRow="1">
+                <a:tableStyleId>{5C22544A-7EE6-4342-B048-85BDC9FD1C3A}</a:tableStyleId>
+              </a:tblPr>
+              <a:tblGrid>
+                <a:gridCol w="815904"/>
+                <a:gridCol w="815904"/>
+                <a:gridCol w="815904"/>
+              </a:tblGrid>
+              <a:tr h="370840">
+                <a:tc>
+                  <a:txBody>
+                    <a:bodyPr/>
+                    <a:lstStyle/>
+                    <a:p>
+                      <a:pPr algn="ctr"/>
+                      <a:r>
+                        <a:rPr lang="fr-FR" sz="1100" dirty="0" smtClean="0"/>
+                        <a:t>test</a:t>
+                      </a:r>
+                      <a:endParaRPr lang="en-US" sz="1100" dirty="0"/>
+                    </a:p>
+                  </a:txBody>
+                  <a:tcPr anchor="ctr"/>
+                </a:tc>
+                <a:tc>
+                  <a:txBody>
+                    <a:bodyPr/>
+                    <a:lstStyle/>
+                    <a:p>
+                      <a:pPr algn="ctr"/>
+                      <a:r>
+                        <a:rPr lang="fr-FR" sz="1100" dirty="0" smtClean="0"/>
+                        <a:t>Prédiction 0</a:t>
+                      </a:r>
+                      <a:endParaRPr lang="en-US" sz="1100" dirty="0"/>
+                    </a:p>
+                  </a:txBody>
+                  <a:tcPr anchor="ctr"/>
+                </a:tc>
+                <a:tc>
+                  <a:txBody>
+                    <a:bodyPr/>
+                    <a:lstStyle/>
+                    <a:p>
+                      <a:pPr algn="ctr"/>
+                      <a:r>
+                        <a:rPr lang="fr-FR" sz="1100" dirty="0" smtClean="0"/>
+                        <a:t>Prédiction 1</a:t>
+                      </a:r>
+                      <a:endParaRPr lang="en-US" sz="1100" dirty="0"/>
+                    </a:p>
+                  </a:txBody>
+                  <a:tcPr anchor="ctr"/>
+                </a:tc>
+              </a:tr>
+              <a:tr h="370840">
+                <a:tc>
+                  <a:txBody>
+                    <a:bodyPr/>
+                    <a:lstStyle/>
+                    <a:p>
+                      <a:pPr algn="ctr"/>
+                      <a:r>
+                        <a:rPr lang="fr-FR" sz="1100" dirty="0" smtClean="0"/>
+                        <a:t>Vrai</a:t>
+                      </a:r>
+                      <a:r>
+                        <a:rPr lang="fr-FR" sz="1100" baseline="0" dirty="0" smtClean="0"/>
+                        <a:t> 0</a:t>
+                      </a:r>
+                      <a:endParaRPr lang="en-US" sz="1100" dirty="0"/>
+                    </a:p>
+                  </a:txBody>
+                  <a:tcPr anchor="ctr"/>
+                </a:tc>
+                <a:tc>
+                  <a:txBody>
+                    <a:bodyPr/>
+                    <a:lstStyle/>
+                    <a:p>
+                      <a:pPr algn="ctr"/>
+                      <a:r>
+                        <a:rPr lang="fr-FR" sz="1100" dirty="0" smtClean="0"/>
+                        <a:t>333</a:t>
+                      </a:r>
+                      <a:endParaRPr lang="en-US" sz="1100" dirty="0"/>
+                    </a:p>
+                  </a:txBody>
+                  <a:tcPr anchor="ctr"/>
+                </a:tc>
+                <a:tc>
+                  <a:txBody>
+                    <a:bodyPr/>
+                    <a:lstStyle/>
+                    <a:p>
+                      <a:pPr algn="ctr"/>
+                      <a:r>
+                        <a:rPr lang="fr-FR" sz="1100" dirty="0" smtClean="0"/>
+                        <a:t>165</a:t>
+                      </a:r>
+                      <a:endParaRPr lang="en-US" sz="1100" dirty="0"/>
+                    </a:p>
+                  </a:txBody>
+                  <a:tcPr anchor="ctr"/>
+                </a:tc>
+              </a:tr>
+              <a:tr h="370840">
+                <a:tc>
+                  <a:txBody>
+                    <a:bodyPr/>
+                    <a:lstStyle/>
+                    <a:p>
+                      <a:pPr algn="ctr"/>
+                      <a:r>
+                        <a:rPr lang="fr-FR" sz="1100" dirty="0" smtClean="0"/>
+                        <a:t>Vrai 1</a:t>
+                      </a:r>
+                      <a:endParaRPr lang="en-US" sz="1100" dirty="0"/>
+                    </a:p>
+                  </a:txBody>
+                  <a:tcPr anchor="ctr"/>
+                </a:tc>
+                <a:tc>
+                  <a:txBody>
+                    <a:bodyPr/>
+                    <a:lstStyle/>
+                    <a:p>
+                      <a:pPr algn="ctr"/>
+                      <a:r>
+                        <a:rPr lang="fr-FR" sz="1100" dirty="0" smtClean="0"/>
+                        <a:t>93</a:t>
+                      </a:r>
+                      <a:endParaRPr lang="en-US" sz="1100" dirty="0"/>
+                    </a:p>
+                  </a:txBody>
+                  <a:tcPr anchor="ctr"/>
+                </a:tc>
+                <a:tc>
+                  <a:txBody>
+                    <a:bodyPr/>
+                    <a:lstStyle/>
+                    <a:p>
+                      <a:pPr algn="ctr"/>
+                      <a:r>
+                        <a:rPr lang="fr-FR" sz="1100" dirty="0" smtClean="0"/>
+                        <a:t>3141</a:t>
+                      </a:r>
+                      <a:endParaRPr lang="fr-FR" sz="1100" dirty="0" smtClean="0"/>
+                    </a:p>
+                  </a:txBody>
+                  <a:tcPr anchor="ctr"/>
+                </a:tc>
+              </a:tr>
+            </a:tbl>
+          </a:graphicData>
+        </a:graphic>
+      </p:graphicFrame>
+      <p:pic>
+        <p:nvPicPr>
+          <p:cNvPr id="4099" name="Picture 3"/>
+          <p:cNvPicPr>
+            <a:picLocks noChangeAspect="1" noChangeArrowheads="1"/>
+          </p:cNvPicPr>
+          <p:nvPr/>
+        </p:nvPicPr>
+        <p:blipFill>
+          <a:blip r:embed="rId4" cstate="print">
+            <a:extLst>
+              <a:ext uri="{28A0092B-C50C-407E-A947-70E740481C1C}">
+                <a14:useLocalDpi xmlns:a14="http://schemas.microsoft.com/office/drawing/2010/main" val="0"/>
+              </a:ext>
+            </a:extLst>
+          </a:blip>
+          <a:srcRect/>
+          <a:stretch>
+            <a:fillRect/>
+          </a:stretch>
+        </p:blipFill>
+        <p:spPr bwMode="auto">
+          <a:xfrm>
+            <a:off x="5399430" y="2211710"/>
+            <a:ext cx="3647832" cy="2844000"/>
+          </a:xfrm>
+          <a:prstGeom prst="rect">
+            <a:avLst/>
+          </a:prstGeom>
+          <a:noFill/>
+          <a:ln>
+            <a:noFill/>
+          </a:ln>
+          <a:extLst>
+            <a:ext uri="{909E8E84-426E-40DD-AFC4-6F175D3DCCD1}">
+              <a14:hiddenFill xmlns:a14="http://schemas.microsoft.com/office/drawing/2010/main">
+                <a:solidFill>
+                  <a:schemeClr val="accent1"/>
+                </a:solidFill>
+              </a14:hiddenFill>
+            </a:ext>
+            <a:ext uri="{91240B29-F687-4F45-9708-019B960494DF}">
+              <a14:hiddenLine xmlns:a14="http://schemas.microsoft.com/office/drawing/2010/main" w="9525">
+                <a:solidFill>
+                  <a:schemeClr val="tx1"/>
+                </a:solidFill>
+                <a:miter lim="800000"/>
+                <a:headEnd/>
+                <a:tailEnd/>
+              </a14:hiddenLine>
+            </a:ext>
+          </a:extLst>
+        </p:spPr>
+      </p:pic>
     </p:spTree>
     <p:extLst>
       <p:ext uri="{BB962C8B-B14F-4D97-AF65-F5344CB8AC3E}">
-        <p14:creationId xmlns:p14="http://schemas.microsoft.com/office/powerpoint/2010/main" val="2311047668"/>
+        <p14:creationId xmlns:p14="http://schemas.microsoft.com/office/powerpoint/2010/main" val="378801470"/>
       </p:ext>
     </p:extLst>
   </p:cSld>
   <p:clrMapOvr>
     <a:masterClrMapping/>
   </p:clrMapOvr>
+  <p:timing>
+    <p:tnLst>
+      <p:par>
+        <p:cTn id="1" dur="indefinite" restart="never" nodeType="tmRoot">
+          <p:childTnLst>
+            <p:seq concurrent="1" nextAc="seek">
+              <p:cTn id="2" dur="indefinite" nodeType="mainSeq">
+                <p:childTnLst>
+                  <p:par>
+                    <p:cTn id="3" fill="hold">
+                      <p:stCondLst>
+                        <p:cond delay="indefinite"/>
+                      </p:stCondLst>
+                      <p:childTnLst>
+                        <p:par>
+                          <p:cTn id="4" fill="hold">
+                            <p:stCondLst>
+                              <p:cond delay="0"/>
+                            </p:stCondLst>
+                            <p:childTnLst>
+                              <p:par>
+                                <p:cTn id="5" presetID="1" presetClass="entr" presetSubtype="0" fill="hold" nodeType="clickEffect">
+                                  <p:stCondLst>
+                                    <p:cond delay="0"/>
+                                  </p:stCondLst>
+                                  <p:childTnLst>
+                                    <p:set>
+                                      <p:cBhvr>
+                                        <p:cTn id="6" dur="1" fill="hold">
+                                          <p:stCondLst>
+                                            <p:cond delay="0"/>
+                                          </p:stCondLst>
+                                        </p:cTn>
+                                        <p:tgtEl>
+                                          <p:spTgt spid="4099"/>
+                                        </p:tgtEl>
+                                        <p:attrNameLst>
+                                          <p:attrName>style.visibility</p:attrName>
+                                        </p:attrNameLst>
+                                      </p:cBhvr>
+                                      <p:to>
+                                        <p:strVal val="visible"/>
+                                      </p:to>
+                                    </p:set>
+                                  </p:childTnLst>
+                                </p:cTn>
+                              </p:par>
+                            </p:childTnLst>
+                          </p:cTn>
+                        </p:par>
+                      </p:childTnLst>
+                    </p:cTn>
+                  </p:par>
+                </p:childTnLst>
+              </p:cTn>
+              <p:prevCondLst>
+                <p:cond evt="onPrev" delay="0">
+                  <p:tgtEl>
+                    <p:sldTgt/>
+                  </p:tgtEl>
+                </p:cond>
+              </p:prevCondLst>
+              <p:nextCondLst>
+                <p:cond evt="onNext" delay="0">
+                  <p:tgtEl>
+                    <p:sldTgt/>
+                  </p:tgtEl>
+                </p:cond>
+              </p:nextCondLst>
+            </p:seq>
+          </p:childTnLst>
+        </p:cTn>
+      </p:par>
+    </p:tnLst>
+  </p:timing>
 </p:sld>
 </file>
 
@@ -4703,6 +5807,60 @@
           <a:chExt cx="0" cy="0"/>
         </a:xfrm>
       </p:grpSpPr>
+      <p:pic>
+        <p:nvPicPr>
+          <p:cNvPr id="6148" name="Picture 4"/>
+          <p:cNvPicPr>
+            <a:picLocks noChangeAspect="1" noChangeArrowheads="1"/>
+          </p:cNvPicPr>
+          <p:nvPr/>
+        </p:nvPicPr>
+        <p:blipFill>
+          <a:blip r:embed="rId2" cstate="print">
+            <a:extLst>
+              <a:ext uri="{28A0092B-C50C-407E-A947-70E740481C1C}">
+                <a14:useLocalDpi xmlns:a14="http://schemas.microsoft.com/office/drawing/2010/main" val="0"/>
+              </a:ext>
+            </a:extLst>
+          </a:blip>
+          <a:srcRect/>
+          <a:stretch>
+            <a:fillRect/>
+          </a:stretch>
+        </p:blipFill>
+        <p:spPr bwMode="auto">
+          <a:xfrm>
+            <a:off x="5436096" y="2067694"/>
+            <a:ext cx="3647832" cy="2844000"/>
+          </a:xfrm>
+          <a:prstGeom prst="rect">
+            <a:avLst/>
+          </a:prstGeom>
+          <a:noFill/>
+          <a:ln>
+            <a:noFill/>
+          </a:ln>
+          <a:extLst>
+            <a:ext uri="{909E8E84-426E-40DD-AFC4-6F175D3DCCD1}">
+              <a14:hiddenFill xmlns:a14="http://schemas.microsoft.com/office/drawing/2010/main">
+                <a:solidFill>
+                  <a:schemeClr val="accent1"/>
+                </a:solidFill>
+              </a14:hiddenFill>
+            </a:ext>
+            <a:ext uri="{91240B29-F687-4F45-9708-019B960494DF}">
+              <a14:hiddenLine xmlns:a14="http://schemas.microsoft.com/office/drawing/2010/main" w="9525">
+                <a:solidFill>
+                  <a:schemeClr val="tx1"/>
+                </a:solidFill>
+                <a:miter lim="800000"/>
+                <a:headEnd/>
+                <a:tailEnd/>
+              </a14:hiddenLine>
+            </a:ext>
+          </a:extLst>
+        </p:spPr>
+      </p:pic>
       <p:sp>
         <p:nvSpPr>
           <p:cNvPr id="2" name="Title 1"/>
@@ -4721,32 +5879,20 @@
           <a:lstStyle/>
           <a:p>
             <a:r>
+              <a:rPr lang="fr-FR" dirty="0"/>
+              <a:t>Modélisation – </a:t>
+            </a:r>
+            <a:r>
               <a:rPr lang="fr-FR" dirty="0" smtClean="0"/>
-              <a:t>Modélisation – </a:t>
-            </a:r>
-            <a:r>
-              <a:rPr lang="fr-FR" i="1" dirty="0" smtClean="0"/>
-              <a:t>Gradient </a:t>
-            </a:r>
-            <a:r>
-              <a:rPr lang="fr-FR" i="1" dirty="0" err="1" smtClean="0"/>
-              <a:t>Boosted</a:t>
-            </a:r>
-            <a:r>
-              <a:rPr lang="fr-FR" i="1" dirty="0" smtClean="0"/>
-              <a:t> </a:t>
-            </a:r>
-            <a:r>
-              <a:rPr lang="fr-FR" i="1" dirty="0" err="1" smtClean="0"/>
-              <a:t>Trees</a:t>
-            </a:r>
-            <a:endParaRPr lang="en-US" i="1" dirty="0"/>
+              <a:t>Régressions Pénalisées</a:t>
+            </a:r>
+            <a:endParaRPr lang="en-US" dirty="0"/>
           </a:p>
         </p:txBody>
       </p:sp>
       <p:sp>
         <p:nvSpPr>
-          <p:cNvPr id="3" name="Content Placeholder 2"/>
+          <p:cNvPr id="5" name="Content Placeholder 2"/>
           <p:cNvSpPr>
             <a:spLocks noGrp="1"/>
           </p:cNvSpPr>
@@ -4754,25 +5900,627 @@
             <p:ph idx="1"/>
           </p:nvPr>
         </p:nvSpPr>
-        <p:spPr/>
+        <p:spPr>
+          <a:xfrm>
+            <a:off x="457200" y="1200151"/>
+            <a:ext cx="8229600" cy="3394472"/>
+          </a:xfrm>
+        </p:spPr>
         <p:txBody>
-          <a:bodyPr/>
+          <a:bodyPr>
+            <a:normAutofit/>
+          </a:bodyPr>
           <a:lstStyle/>
           <a:p>
-            <a:endParaRPr lang="en-US"/>
+            <a:r>
+              <a:rPr lang="fr-FR" sz="2000" dirty="0" smtClean="0"/>
+              <a:t>X:</a:t>
+            </a:r>
+            <a:r>
+              <a:rPr lang="fr-FR" sz="2000" dirty="0"/>
+              <a:t> </a:t>
+            </a:r>
+            <a:r>
+              <a:rPr lang="fr-FR" sz="2000" dirty="0" err="1"/>
+              <a:t>available_bikes</a:t>
+            </a:r>
+            <a:r>
+              <a:rPr lang="fr-FR" sz="2000" dirty="0"/>
+              <a:t> </a:t>
+            </a:r>
+            <a:r>
+              <a:rPr lang="fr-FR" sz="2000" dirty="0" smtClean="0"/>
+              <a:t>, seuil=5, prédiction à 3 heures (X=3)</a:t>
+            </a:r>
+          </a:p>
+          <a:p>
+            <a:r>
+              <a:rPr lang="fr-FR" sz="2000" dirty="0" smtClean="0"/>
+              <a:t>Adresse: 8, boulevard Saint Michel (5 stations à moins de 200m)</a:t>
+            </a:r>
+            <a:endParaRPr lang="en-US" sz="1800" dirty="0"/>
           </a:p>
         </p:txBody>
       </p:sp>
+      <p:sp>
+        <p:nvSpPr>
+          <p:cNvPr id="3" name="TextBox 2"/>
+          <p:cNvSpPr txBox="1"/>
+          <p:nvPr/>
+        </p:nvSpPr>
+        <p:spPr>
+          <a:xfrm>
+            <a:off x="174174" y="1986394"/>
+            <a:ext cx="1638590" cy="369332"/>
+          </a:xfrm>
+          <a:prstGeom prst="rect">
+            <a:avLst/>
+          </a:prstGeom>
+          <a:noFill/>
+        </p:spPr>
+        <p:txBody>
+          <a:bodyPr wrap="none" rtlCol="0">
+            <a:spAutoFit/>
+          </a:bodyPr>
+          <a:lstStyle/>
+          <a:p>
+            <a:r>
+              <a:rPr lang="fr-FR" dirty="0" smtClean="0"/>
+              <a:t>Lasso (alpha=1)</a:t>
+            </a:r>
+            <a:endParaRPr lang="en-US" dirty="0"/>
+          </a:p>
+        </p:txBody>
+      </p:sp>
+      <p:graphicFrame>
+        <p:nvGraphicFramePr>
+          <p:cNvPr id="10" name="Table 9"/>
+          <p:cNvGraphicFramePr>
+            <a:graphicFrameLocks noGrp="1"/>
+          </p:cNvGraphicFramePr>
+          <p:nvPr>
+            <p:extLst>
+              <p:ext uri="{D42A27DB-BD31-4B8C-83A1-F6EECF244321}">
+                <p14:modId xmlns:p14="http://schemas.microsoft.com/office/powerpoint/2010/main" val="1959101314"/>
+              </p:ext>
+            </p:extLst>
+          </p:nvPr>
+        </p:nvGraphicFramePr>
+        <p:xfrm>
+          <a:off x="177089" y="3817454"/>
+          <a:ext cx="2522424" cy="1168400"/>
+        </p:xfrm>
+        <a:graphic>
+          <a:graphicData uri="http://schemas.openxmlformats.org/drawingml/2006/table">
+            <a:tbl>
+              <a:tblPr firstRow="1" bandRow="1">
+                <a:tableStyleId>{5C22544A-7EE6-4342-B048-85BDC9FD1C3A}</a:tableStyleId>
+              </a:tblPr>
+              <a:tblGrid>
+                <a:gridCol w="840808"/>
+                <a:gridCol w="840808"/>
+                <a:gridCol w="840808"/>
+              </a:tblGrid>
+              <a:tr h="370840">
+                <a:tc>
+                  <a:txBody>
+                    <a:bodyPr/>
+                    <a:lstStyle/>
+                    <a:p>
+                      <a:pPr algn="ctr"/>
+                      <a:r>
+                        <a:rPr lang="fr-FR" sz="1100" dirty="0" smtClean="0"/>
+                        <a:t>apprentissage</a:t>
+                      </a:r>
+                      <a:endParaRPr lang="en-US" sz="1100" dirty="0"/>
+                    </a:p>
+                  </a:txBody>
+                  <a:tcPr anchor="ctr"/>
+                </a:tc>
+                <a:tc>
+                  <a:txBody>
+                    <a:bodyPr/>
+                    <a:lstStyle/>
+                    <a:p>
+                      <a:pPr algn="ctr"/>
+                      <a:r>
+                        <a:rPr lang="fr-FR" sz="1100" dirty="0" smtClean="0"/>
+                        <a:t>Prédiction 0</a:t>
+                      </a:r>
+                      <a:endParaRPr lang="en-US" sz="1100" dirty="0"/>
+                    </a:p>
+                  </a:txBody>
+                  <a:tcPr anchor="ctr"/>
+                </a:tc>
+                <a:tc>
+                  <a:txBody>
+                    <a:bodyPr/>
+                    <a:lstStyle/>
+                    <a:p>
+                      <a:pPr algn="ctr"/>
+                      <a:r>
+                        <a:rPr lang="fr-FR" sz="1100" dirty="0" smtClean="0"/>
+                        <a:t>Prédiction 1</a:t>
+                      </a:r>
+                      <a:endParaRPr lang="en-US" sz="1100" dirty="0"/>
+                    </a:p>
+                  </a:txBody>
+                  <a:tcPr anchor="ctr"/>
+                </a:tc>
+              </a:tr>
+              <a:tr h="370840">
+                <a:tc>
+                  <a:txBody>
+                    <a:bodyPr/>
+                    <a:lstStyle/>
+                    <a:p>
+                      <a:pPr algn="ctr"/>
+                      <a:r>
+                        <a:rPr lang="fr-FR" sz="1100" dirty="0" smtClean="0"/>
+                        <a:t>Vrai</a:t>
+                      </a:r>
+                      <a:r>
+                        <a:rPr lang="fr-FR" sz="1100" baseline="0" dirty="0" smtClean="0"/>
+                        <a:t> 0</a:t>
+                      </a:r>
+                      <a:endParaRPr lang="en-US" sz="1100" dirty="0"/>
+                    </a:p>
+                  </a:txBody>
+                  <a:tcPr anchor="ctr"/>
+                </a:tc>
+                <a:tc>
+                  <a:txBody>
+                    <a:bodyPr/>
+                    <a:lstStyle/>
+                    <a:p>
+                      <a:pPr algn="ctr"/>
+                      <a:r>
+                        <a:rPr lang="fr-FR" sz="1100" dirty="0" smtClean="0"/>
+                        <a:t>363</a:t>
+                      </a:r>
+                      <a:endParaRPr lang="en-US" sz="1100" dirty="0"/>
+                    </a:p>
+                  </a:txBody>
+                  <a:tcPr anchor="ctr"/>
+                </a:tc>
+                <a:tc>
+                  <a:txBody>
+                    <a:bodyPr/>
+                    <a:lstStyle/>
+                    <a:p>
+                      <a:pPr algn="ctr"/>
+                      <a:r>
+                        <a:rPr lang="fr-FR" sz="1100" dirty="0" smtClean="0"/>
+                        <a:t>170</a:t>
+                      </a:r>
+                      <a:endParaRPr lang="en-US" sz="1100" dirty="0"/>
+                    </a:p>
+                  </a:txBody>
+                  <a:tcPr anchor="ctr"/>
+                </a:tc>
+              </a:tr>
+              <a:tr h="370840">
+                <a:tc>
+                  <a:txBody>
+                    <a:bodyPr/>
+                    <a:lstStyle/>
+                    <a:p>
+                      <a:pPr algn="ctr"/>
+                      <a:r>
+                        <a:rPr lang="fr-FR" sz="1100" dirty="0" smtClean="0"/>
+                        <a:t>Vrai 1</a:t>
+                      </a:r>
+                      <a:endParaRPr lang="en-US" sz="1100" dirty="0"/>
+                    </a:p>
+                  </a:txBody>
+                  <a:tcPr anchor="ctr"/>
+                </a:tc>
+                <a:tc>
+                  <a:txBody>
+                    <a:bodyPr/>
+                    <a:lstStyle/>
+                    <a:p>
+                      <a:pPr algn="ctr"/>
+                      <a:r>
+                        <a:rPr lang="fr-FR" sz="1100" dirty="0" smtClean="0"/>
+                        <a:t>78</a:t>
+                      </a:r>
+                      <a:endParaRPr lang="en-US" sz="1100" dirty="0"/>
+                    </a:p>
+                  </a:txBody>
+                  <a:tcPr anchor="ctr"/>
+                </a:tc>
+                <a:tc>
+                  <a:txBody>
+                    <a:bodyPr/>
+                    <a:lstStyle/>
+                    <a:p>
+                      <a:pPr algn="ctr"/>
+                      <a:r>
+                        <a:rPr lang="fr-FR" sz="1100" dirty="0" smtClean="0"/>
+                        <a:t>3121</a:t>
+                      </a:r>
+                      <a:endParaRPr lang="fr-FR" sz="1100" dirty="0" smtClean="0"/>
+                    </a:p>
+                  </a:txBody>
+                  <a:tcPr anchor="ctr"/>
+                </a:tc>
+              </a:tr>
+            </a:tbl>
+          </a:graphicData>
+        </a:graphic>
+      </p:graphicFrame>
+      <p:graphicFrame>
+        <p:nvGraphicFramePr>
+          <p:cNvPr id="11" name="Table 10"/>
+          <p:cNvGraphicFramePr>
+            <a:graphicFrameLocks noGrp="1"/>
+          </p:cNvGraphicFramePr>
+          <p:nvPr>
+            <p:extLst>
+              <p:ext uri="{D42A27DB-BD31-4B8C-83A1-F6EECF244321}">
+                <p14:modId xmlns:p14="http://schemas.microsoft.com/office/powerpoint/2010/main" val="177619654"/>
+              </p:ext>
+            </p:extLst>
+          </p:nvPr>
+        </p:nvGraphicFramePr>
+        <p:xfrm>
+          <a:off x="2771800" y="3817454"/>
+          <a:ext cx="2447712" cy="1168400"/>
+        </p:xfrm>
+        <a:graphic>
+          <a:graphicData uri="http://schemas.openxmlformats.org/drawingml/2006/table">
+            <a:tbl>
+              <a:tblPr firstRow="1" bandRow="1">
+                <a:tableStyleId>{5C22544A-7EE6-4342-B048-85BDC9FD1C3A}</a:tableStyleId>
+              </a:tblPr>
+              <a:tblGrid>
+                <a:gridCol w="815904"/>
+                <a:gridCol w="815904"/>
+                <a:gridCol w="815904"/>
+              </a:tblGrid>
+              <a:tr h="370840">
+                <a:tc>
+                  <a:txBody>
+                    <a:bodyPr/>
+                    <a:lstStyle/>
+                    <a:p>
+                      <a:pPr algn="ctr"/>
+                      <a:r>
+                        <a:rPr lang="fr-FR" sz="1100" dirty="0" smtClean="0"/>
+                        <a:t>test</a:t>
+                      </a:r>
+                      <a:endParaRPr lang="en-US" sz="1100" dirty="0"/>
+                    </a:p>
+                  </a:txBody>
+                  <a:tcPr anchor="ctr"/>
+                </a:tc>
+                <a:tc>
+                  <a:txBody>
+                    <a:bodyPr/>
+                    <a:lstStyle/>
+                    <a:p>
+                      <a:pPr algn="ctr"/>
+                      <a:r>
+                        <a:rPr lang="fr-FR" sz="1100" dirty="0" smtClean="0"/>
+                        <a:t>Prédiction 0</a:t>
+                      </a:r>
+                      <a:endParaRPr lang="en-US" sz="1100" dirty="0"/>
+                    </a:p>
+                  </a:txBody>
+                  <a:tcPr anchor="ctr"/>
+                </a:tc>
+                <a:tc>
+                  <a:txBody>
+                    <a:bodyPr/>
+                    <a:lstStyle/>
+                    <a:p>
+                      <a:pPr algn="ctr"/>
+                      <a:r>
+                        <a:rPr lang="fr-FR" sz="1100" dirty="0" smtClean="0"/>
+                        <a:t>Prédiction 1</a:t>
+                      </a:r>
+                      <a:endParaRPr lang="en-US" sz="1100" dirty="0"/>
+                    </a:p>
+                  </a:txBody>
+                  <a:tcPr anchor="ctr"/>
+                </a:tc>
+              </a:tr>
+              <a:tr h="370840">
+                <a:tc>
+                  <a:txBody>
+                    <a:bodyPr/>
+                    <a:lstStyle/>
+                    <a:p>
+                      <a:pPr algn="ctr"/>
+                      <a:r>
+                        <a:rPr lang="fr-FR" sz="1100" dirty="0" smtClean="0"/>
+                        <a:t>Vrai</a:t>
+                      </a:r>
+                      <a:r>
+                        <a:rPr lang="fr-FR" sz="1100" baseline="0" dirty="0" smtClean="0"/>
+                        <a:t> 0</a:t>
+                      </a:r>
+                      <a:endParaRPr lang="en-US" sz="1100" dirty="0"/>
+                    </a:p>
+                  </a:txBody>
+                  <a:tcPr anchor="ctr"/>
+                </a:tc>
+                <a:tc>
+                  <a:txBody>
+                    <a:bodyPr/>
+                    <a:lstStyle/>
+                    <a:p>
+                      <a:pPr algn="ctr"/>
+                      <a:r>
+                        <a:rPr lang="fr-FR" sz="1100" dirty="0" smtClean="0"/>
+                        <a:t>333</a:t>
+                      </a:r>
+                      <a:endParaRPr lang="en-US" sz="1100" dirty="0"/>
+                    </a:p>
+                  </a:txBody>
+                  <a:tcPr anchor="ctr"/>
+                </a:tc>
+                <a:tc>
+                  <a:txBody>
+                    <a:bodyPr/>
+                    <a:lstStyle/>
+                    <a:p>
+                      <a:pPr algn="ctr"/>
+                      <a:r>
+                        <a:rPr lang="fr-FR" sz="1100" dirty="0" smtClean="0"/>
+                        <a:t>165</a:t>
+                      </a:r>
+                      <a:endParaRPr lang="en-US" sz="1100" dirty="0"/>
+                    </a:p>
+                  </a:txBody>
+                  <a:tcPr anchor="ctr"/>
+                </a:tc>
+              </a:tr>
+              <a:tr h="370840">
+                <a:tc>
+                  <a:txBody>
+                    <a:bodyPr/>
+                    <a:lstStyle/>
+                    <a:p>
+                      <a:pPr algn="ctr"/>
+                      <a:r>
+                        <a:rPr lang="fr-FR" sz="1100" dirty="0" smtClean="0"/>
+                        <a:t>Vrai 1</a:t>
+                      </a:r>
+                      <a:endParaRPr lang="en-US" sz="1100" dirty="0"/>
+                    </a:p>
+                  </a:txBody>
+                  <a:tcPr anchor="ctr"/>
+                </a:tc>
+                <a:tc>
+                  <a:txBody>
+                    <a:bodyPr/>
+                    <a:lstStyle/>
+                    <a:p>
+                      <a:pPr algn="ctr"/>
+                      <a:r>
+                        <a:rPr lang="fr-FR" sz="1100" dirty="0" smtClean="0"/>
+                        <a:t>96</a:t>
+                      </a:r>
+                      <a:endParaRPr lang="en-US" sz="1100" dirty="0"/>
+                    </a:p>
+                  </a:txBody>
+                  <a:tcPr anchor="ctr"/>
+                </a:tc>
+                <a:tc>
+                  <a:txBody>
+                    <a:bodyPr/>
+                    <a:lstStyle/>
+                    <a:p>
+                      <a:pPr algn="ctr"/>
+                      <a:r>
+                        <a:rPr lang="fr-FR" sz="1100" dirty="0" smtClean="0"/>
+                        <a:t>3138</a:t>
+                      </a:r>
+                      <a:endParaRPr lang="fr-FR" sz="1100" dirty="0" smtClean="0"/>
+                    </a:p>
+                  </a:txBody>
+                  <a:tcPr anchor="ctr"/>
+                </a:tc>
+              </a:tr>
+            </a:tbl>
+          </a:graphicData>
+        </a:graphic>
+      </p:graphicFrame>
+      <p:pic>
+        <p:nvPicPr>
+          <p:cNvPr id="6146" name="Picture 2"/>
+          <p:cNvPicPr>
+            <a:picLocks noChangeAspect="1" noChangeArrowheads="1"/>
+          </p:cNvPicPr>
+          <p:nvPr/>
+        </p:nvPicPr>
+        <p:blipFill>
+          <a:blip r:embed="rId3">
+            <a:extLst>
+              <a:ext uri="{28A0092B-C50C-407E-A947-70E740481C1C}">
+                <a14:useLocalDpi xmlns:a14="http://schemas.microsoft.com/office/drawing/2010/main" val="0"/>
+              </a:ext>
+            </a:extLst>
+          </a:blip>
+          <a:srcRect/>
+          <a:stretch>
+            <a:fillRect/>
+          </a:stretch>
+        </p:blipFill>
+        <p:spPr bwMode="auto">
+          <a:xfrm>
+            <a:off x="174174" y="2355727"/>
+            <a:ext cx="5078843" cy="504056"/>
+          </a:xfrm>
+          <a:prstGeom prst="rect">
+            <a:avLst/>
+          </a:prstGeom>
+          <a:noFill/>
+          <a:ln>
+            <a:noFill/>
+          </a:ln>
+          <a:extLst>
+            <a:ext uri="{909E8E84-426E-40DD-AFC4-6F175D3DCCD1}">
+              <a14:hiddenFill xmlns:a14="http://schemas.microsoft.com/office/drawing/2010/main">
+                <a:solidFill>
+                  <a:schemeClr val="accent1"/>
+                </a:solidFill>
+              </a14:hiddenFill>
+            </a:ext>
+            <a:ext uri="{91240B29-F687-4F45-9708-019B960494DF}">
+              <a14:hiddenLine xmlns:a14="http://schemas.microsoft.com/office/drawing/2010/main" w="9525">
+                <a:solidFill>
+                  <a:schemeClr val="tx1"/>
+                </a:solidFill>
+                <a:miter lim="800000"/>
+                <a:headEnd/>
+                <a:tailEnd/>
+              </a14:hiddenLine>
+            </a:ext>
+          </a:extLst>
+        </p:spPr>
+      </p:pic>
+      <p:pic>
+        <p:nvPicPr>
+          <p:cNvPr id="6147" name="Picture 3"/>
+          <p:cNvPicPr>
+            <a:picLocks noChangeAspect="1" noChangeArrowheads="1"/>
+          </p:cNvPicPr>
+          <p:nvPr/>
+        </p:nvPicPr>
+        <p:blipFill>
+          <a:blip r:embed="rId4" cstate="print">
+            <a:extLst>
+              <a:ext uri="{28A0092B-C50C-407E-A947-70E740481C1C}">
+                <a14:useLocalDpi xmlns:a14="http://schemas.microsoft.com/office/drawing/2010/main" val="0"/>
+              </a:ext>
+            </a:extLst>
+          </a:blip>
+          <a:srcRect/>
+          <a:stretch>
+            <a:fillRect/>
+          </a:stretch>
+        </p:blipFill>
+        <p:spPr bwMode="auto">
+          <a:xfrm>
+            <a:off x="5436096" y="2211710"/>
+            <a:ext cx="3647832" cy="2844000"/>
+          </a:xfrm>
+          <a:prstGeom prst="rect">
+            <a:avLst/>
+          </a:prstGeom>
+          <a:noFill/>
+          <a:ln>
+            <a:noFill/>
+          </a:ln>
+          <a:extLst>
+            <a:ext uri="{909E8E84-426E-40DD-AFC4-6F175D3DCCD1}">
+              <a14:hiddenFill xmlns:a14="http://schemas.microsoft.com/office/drawing/2010/main">
+                <a:solidFill>
+                  <a:schemeClr val="accent1"/>
+                </a:solidFill>
+              </a14:hiddenFill>
+            </a:ext>
+            <a:ext uri="{91240B29-F687-4F45-9708-019B960494DF}">
+              <a14:hiddenLine xmlns:a14="http://schemas.microsoft.com/office/drawing/2010/main" w="9525">
+                <a:solidFill>
+                  <a:schemeClr val="tx1"/>
+                </a:solidFill>
+                <a:miter lim="800000"/>
+                <a:headEnd/>
+                <a:tailEnd/>
+              </a14:hiddenLine>
+            </a:ext>
+          </a:extLst>
+        </p:spPr>
+      </p:pic>
     </p:spTree>
     <p:extLst>
       <p:ext uri="{BB962C8B-B14F-4D97-AF65-F5344CB8AC3E}">
-        <p14:creationId xmlns:p14="http://schemas.microsoft.com/office/powerpoint/2010/main" val="1417676413"/>
+        <p14:creationId xmlns:p14="http://schemas.microsoft.com/office/powerpoint/2010/main" val="2997336564"/>
       </p:ext>
     </p:extLst>
   </p:cSld>
   <p:clrMapOvr>
     <a:masterClrMapping/>
   </p:clrMapOvr>
+  <p:timing>
+    <p:tnLst>
+      <p:par>
+        <p:cTn id="1" dur="indefinite" restart="never" nodeType="tmRoot">
+          <p:childTnLst>
+            <p:seq concurrent="1" nextAc="seek">
+              <p:cTn id="2" dur="indefinite" nodeType="mainSeq">
+                <p:childTnLst>
+                  <p:par>
+                    <p:cTn id="3" fill="hold">
+                      <p:stCondLst>
+                        <p:cond delay="indefinite"/>
+                      </p:stCondLst>
+                      <p:childTnLst>
+                        <p:par>
+                          <p:cTn id="4" fill="hold">
+                            <p:stCondLst>
+                              <p:cond delay="0"/>
+                            </p:stCondLst>
+                            <p:childTnLst>
+                              <p:par>
+                                <p:cTn id="5" presetID="1" presetClass="entr" presetSubtype="0" fill="hold" nodeType="clickEffect">
+                                  <p:stCondLst>
+                                    <p:cond delay="0"/>
+                                  </p:stCondLst>
+                                  <p:childTnLst>
+                                    <p:set>
+                                      <p:cBhvr>
+                                        <p:cTn id="6" dur="1" fill="hold">
+                                          <p:stCondLst>
+                                            <p:cond delay="0"/>
+                                          </p:stCondLst>
+                                        </p:cTn>
+                                        <p:tgtEl>
+                                          <p:spTgt spid="6147"/>
+                                        </p:tgtEl>
+                                        <p:attrNameLst>
+                                          <p:attrName>style.visibility</p:attrName>
+                                        </p:attrNameLst>
+                                      </p:cBhvr>
+                                      <p:to>
+                                        <p:strVal val="visible"/>
+                                      </p:to>
+                                    </p:set>
+                                  </p:childTnLst>
+                                </p:cTn>
+                              </p:par>
+                            </p:childTnLst>
+                          </p:cTn>
+                        </p:par>
+                      </p:childTnLst>
+                    </p:cTn>
+                  </p:par>
+                </p:childTnLst>
+              </p:cTn>
+              <p:prevCondLst>
+                <p:cond evt="onPrev" delay="0">
+                  <p:tgtEl>
+                    <p:sldTgt/>
+                  </p:tgtEl>
+                </p:cond>
+              </p:prevCondLst>
+              <p:nextCondLst>
+                <p:cond evt="onNext" delay="0">
+                  <p:tgtEl>
+                    <p:sldTgt/>
+                  </p:tgtEl>
+                </p:cond>
+              </p:nextCondLst>
+            </p:seq>
+          </p:childTnLst>
+        </p:cTn>
+      </p:par>
+    </p:tnLst>
+  </p:timing>
 </p:sld>
 </file>
 
@@ -4793,6 +6541,60 @@
           <a:chExt cx="0" cy="0"/>
         </a:xfrm>
       </p:grpSpPr>
+      <p:pic>
+        <p:nvPicPr>
+          <p:cNvPr id="7173" name="Picture 5"/>
+          <p:cNvPicPr>
+            <a:picLocks noChangeAspect="1" noChangeArrowheads="1"/>
+          </p:cNvPicPr>
+          <p:nvPr/>
+        </p:nvPicPr>
+        <p:blipFill>
+          <a:blip r:embed="rId2" cstate="print">
+            <a:extLst>
+              <a:ext uri="{28A0092B-C50C-407E-A947-70E740481C1C}">
+                <a14:useLocalDpi xmlns:a14="http://schemas.microsoft.com/office/drawing/2010/main" val="0"/>
+              </a:ext>
+            </a:extLst>
+          </a:blip>
+          <a:srcRect/>
+          <a:stretch>
+            <a:fillRect/>
+          </a:stretch>
+        </p:blipFill>
+        <p:spPr bwMode="auto">
+          <a:xfrm>
+            <a:off x="5436096" y="2067694"/>
+            <a:ext cx="3647832" cy="2844000"/>
+          </a:xfrm>
+          <a:prstGeom prst="rect">
+            <a:avLst/>
+          </a:prstGeom>
+          <a:noFill/>
+          <a:ln>
+            <a:noFill/>
+          </a:ln>
+          <a:extLst>
+            <a:ext uri="{909E8E84-426E-40DD-AFC4-6F175D3DCCD1}">
+              <a14:hiddenFill xmlns:a14="http://schemas.microsoft.com/office/drawing/2010/main">
+                <a:solidFill>
+                  <a:schemeClr val="accent1"/>
+                </a:solidFill>
+              </a14:hiddenFill>
+            </a:ext>
+            <a:ext uri="{91240B29-F687-4F45-9708-019B960494DF}">
+              <a14:hiddenLine xmlns:a14="http://schemas.microsoft.com/office/drawing/2010/main" w="9525">
+                <a:solidFill>
+                  <a:schemeClr val="tx1"/>
+                </a:solidFill>
+                <a:miter lim="800000"/>
+                <a:headEnd/>
+                <a:tailEnd/>
+              </a14:hiddenLine>
+            </a:ext>
+          </a:extLst>
+        </p:spPr>
+      </p:pic>
       <p:sp>
         <p:nvSpPr>
           <p:cNvPr id="2" name="Title 1"/>
@@ -4805,198 +6607,85 @@
         </p:nvSpPr>
         <p:spPr/>
         <p:txBody>
-          <a:bodyPr/>
+          <a:bodyPr>
+            <a:normAutofit fontScale="90000"/>
+          </a:bodyPr>
           <a:lstStyle/>
           <a:p>
             <a:r>
+              <a:rPr lang="fr-FR" dirty="0"/>
+              <a:t>Modélisation – </a:t>
+            </a:r>
+            <a:r>
               <a:rPr lang="fr-FR" dirty="0" smtClean="0"/>
-              <a:t>Stations étudiées</a:t>
+              <a:t>Régressions Pénalisées</a:t>
             </a:r>
             <a:endParaRPr lang="en-US" dirty="0"/>
           </a:p>
         </p:txBody>
       </p:sp>
-      <p:graphicFrame>
-        <p:nvGraphicFramePr>
-          <p:cNvPr id="6" name="Object 5"/>
-          <p:cNvGraphicFramePr>
-            <a:graphicFrameLocks noChangeAspect="1"/>
-          </p:cNvGraphicFramePr>
-          <p:nvPr>
-            <p:extLst>
-              <p:ext uri="{D42A27DB-BD31-4B8C-83A1-F6EECF244321}">
-                <p14:modId xmlns:p14="http://schemas.microsoft.com/office/powerpoint/2010/main" val="1483928682"/>
-              </p:ext>
-            </p:extLst>
-          </p:nvPr>
-        </p:nvGraphicFramePr>
-        <p:xfrm>
-          <a:off x="539552" y="1851670"/>
-          <a:ext cx="2447925" cy="1152525"/>
-        </p:xfrm>
-        <a:graphic>
-          <a:graphicData uri="http://schemas.openxmlformats.org/presentationml/2006/ole">
-            <mc:AlternateContent xmlns:mc="http://schemas.openxmlformats.org/markup-compatibility/2006">
-              <mc:Choice xmlns:v="urn:schemas-microsoft-com:vml" Requires="v">
-                <p:oleObj spid="_x0000_s1142" name="Worksheet" r:id="rId4" imgW="2447851" imgH="1152630" progId="Excel.Sheet.12">
-                  <p:embed/>
-                </p:oleObj>
-              </mc:Choice>
-              <mc:Fallback>
-                <p:oleObj name="Worksheet" r:id="rId4" imgW="2447851" imgH="1152630" progId="Excel.Sheet.12">
-                  <p:embed/>
-                  <p:pic>
-                    <p:nvPicPr>
-                      <p:cNvPr id="0" name=""/>
-                      <p:cNvPicPr/>
-                      <p:nvPr/>
-                    </p:nvPicPr>
-                    <p:blipFill>
-                      <a:blip r:embed="rId5"/>
-                      <a:stretch>
-                        <a:fillRect/>
-                      </a:stretch>
-                    </p:blipFill>
-                    <p:spPr>
-                      <a:xfrm>
-                        <a:off x="539552" y="1851670"/>
-                        <a:ext cx="2447925" cy="1152525"/>
-                      </a:xfrm>
-                      <a:prstGeom prst="rect">
-                        <a:avLst/>
-                      </a:prstGeom>
-                    </p:spPr>
-                  </p:pic>
-                </p:oleObj>
-              </mc:Fallback>
-            </mc:AlternateContent>
-          </a:graphicData>
-        </a:graphic>
-      </p:graphicFrame>
-      <p:graphicFrame>
-        <p:nvGraphicFramePr>
-          <p:cNvPr id="7" name="Object 6"/>
-          <p:cNvGraphicFramePr>
-            <a:graphicFrameLocks noChangeAspect="1"/>
-          </p:cNvGraphicFramePr>
-          <p:nvPr>
-            <p:extLst>
-              <p:ext uri="{D42A27DB-BD31-4B8C-83A1-F6EECF244321}">
-                <p14:modId xmlns:p14="http://schemas.microsoft.com/office/powerpoint/2010/main" val="3900466050"/>
-              </p:ext>
-            </p:extLst>
-          </p:nvPr>
-        </p:nvGraphicFramePr>
-        <p:xfrm>
-          <a:off x="3348038" y="2376488"/>
-          <a:ext cx="2447925" cy="390525"/>
-        </p:xfrm>
-        <a:graphic>
-          <a:graphicData uri="http://schemas.openxmlformats.org/presentationml/2006/ole">
-            <mc:AlternateContent xmlns:mc="http://schemas.openxmlformats.org/markup-compatibility/2006">
-              <mc:Choice xmlns:v="urn:schemas-microsoft-com:vml" Requires="v">
-                <p:oleObj spid="_x0000_s1143" name="Worksheet" r:id="rId7" imgW="2447851" imgH="390420" progId="Excel.Sheet.12">
-                  <p:embed/>
-                </p:oleObj>
-              </mc:Choice>
-              <mc:Fallback>
-                <p:oleObj name="Worksheet" r:id="rId7" imgW="2447851" imgH="390420" progId="Excel.Sheet.12">
-                  <p:embed/>
-                  <p:pic>
-                    <p:nvPicPr>
-                      <p:cNvPr id="0" name=""/>
-                      <p:cNvPicPr/>
-                      <p:nvPr/>
-                    </p:nvPicPr>
-                    <p:blipFill>
-                      <a:blip r:embed="rId8"/>
-                      <a:stretch>
-                        <a:fillRect/>
-                      </a:stretch>
-                    </p:blipFill>
-                    <p:spPr>
-                      <a:xfrm>
-                        <a:off x="3348038" y="2376488"/>
-                        <a:ext cx="2447925" cy="390525"/>
-                      </a:xfrm>
-                      <a:prstGeom prst="rect">
-                        <a:avLst/>
-                      </a:prstGeom>
-                    </p:spPr>
-                  </p:pic>
-                </p:oleObj>
-              </mc:Fallback>
-            </mc:AlternateContent>
-          </a:graphicData>
-        </a:graphic>
-      </p:graphicFrame>
-      <p:graphicFrame>
-        <p:nvGraphicFramePr>
-          <p:cNvPr id="8" name="Object 7"/>
-          <p:cNvGraphicFramePr>
-            <a:graphicFrameLocks noChangeAspect="1"/>
-          </p:cNvGraphicFramePr>
-          <p:nvPr>
-            <p:extLst>
-              <p:ext uri="{D42A27DB-BD31-4B8C-83A1-F6EECF244321}">
-                <p14:modId xmlns:p14="http://schemas.microsoft.com/office/powerpoint/2010/main" val="3024608846"/>
-              </p:ext>
-            </p:extLst>
-          </p:nvPr>
-        </p:nvGraphicFramePr>
-        <p:xfrm>
-          <a:off x="6084168" y="2355726"/>
-          <a:ext cx="2447925" cy="390525"/>
-        </p:xfrm>
-        <a:graphic>
-          <a:graphicData uri="http://schemas.openxmlformats.org/presentationml/2006/ole">
-            <mc:AlternateContent xmlns:mc="http://schemas.openxmlformats.org/markup-compatibility/2006">
-              <mc:Choice xmlns:v="urn:schemas-microsoft-com:vml" Requires="v">
-                <p:oleObj spid="_x0000_s1144" name="Worksheet" r:id="rId10" imgW="2447851" imgH="390420" progId="Excel.Sheet.12">
-                  <p:embed/>
-                </p:oleObj>
-              </mc:Choice>
-              <mc:Fallback>
-                <p:oleObj name="Worksheet" r:id="rId10" imgW="2447851" imgH="390420" progId="Excel.Sheet.12">
-                  <p:embed/>
-                  <p:pic>
-                    <p:nvPicPr>
-                      <p:cNvPr id="0" name=""/>
-                      <p:cNvPicPr/>
-                      <p:nvPr/>
-                    </p:nvPicPr>
-                    <p:blipFill>
-                      <a:blip r:embed="rId11"/>
-                      <a:stretch>
-                        <a:fillRect/>
-                      </a:stretch>
-                    </p:blipFill>
-                    <p:spPr>
-                      <a:xfrm>
-                        <a:off x="6084168" y="2355726"/>
-                        <a:ext cx="2447925" cy="390525"/>
-                      </a:xfrm>
-                      <a:prstGeom prst="rect">
-                        <a:avLst/>
-                      </a:prstGeom>
-                    </p:spPr>
-                  </p:pic>
-                </p:oleObj>
-              </mc:Fallback>
-            </mc:AlternateContent>
-          </a:graphicData>
-        </a:graphic>
-      </p:graphicFrame>
       <p:sp>
         <p:nvSpPr>
-          <p:cNvPr id="9" name="TextBox 8"/>
+          <p:cNvPr id="5" name="Content Placeholder 2"/>
+          <p:cNvSpPr>
+            <a:spLocks noGrp="1"/>
+          </p:cNvSpPr>
+          <p:nvPr>
+            <p:ph idx="1"/>
+          </p:nvPr>
+        </p:nvSpPr>
+        <p:spPr>
+          <a:xfrm>
+            <a:off x="457200" y="1200151"/>
+            <a:ext cx="8229600" cy="3394472"/>
+          </a:xfrm>
+        </p:spPr>
+        <p:txBody>
+          <a:bodyPr>
+            <a:normAutofit/>
+          </a:bodyPr>
+          <a:lstStyle/>
+          <a:p>
+            <a:r>
+              <a:rPr lang="fr-FR" sz="2000" dirty="0" smtClean="0"/>
+              <a:t>X:</a:t>
+            </a:r>
+            <a:r>
+              <a:rPr lang="fr-FR" sz="2000" dirty="0"/>
+              <a:t> </a:t>
+            </a:r>
+            <a:r>
+              <a:rPr lang="fr-FR" sz="2000" dirty="0" err="1"/>
+              <a:t>available_bikes</a:t>
+            </a:r>
+            <a:r>
+              <a:rPr lang="fr-FR" sz="2000" dirty="0"/>
+              <a:t> </a:t>
+            </a:r>
+            <a:r>
+              <a:rPr lang="fr-FR" sz="2000" dirty="0" smtClean="0"/>
+              <a:t>, seuil=5, prédiction à 3 heures (X=3)</a:t>
+            </a:r>
+          </a:p>
+          <a:p>
+            <a:r>
+              <a:rPr lang="fr-FR" sz="2000" dirty="0" smtClean="0"/>
+              <a:t>Adresse: 8, boulevard Saint Michel (5 stations à moins de 200m)</a:t>
+            </a:r>
+            <a:endParaRPr lang="en-US" sz="1800" dirty="0"/>
+          </a:p>
+        </p:txBody>
+      </p:sp>
+      <p:sp>
+        <p:nvSpPr>
+          <p:cNvPr id="3" name="TextBox 2"/>
           <p:cNvSpPr txBox="1"/>
           <p:nvPr/>
         </p:nvSpPr>
         <p:spPr>
           <a:xfrm>
-            <a:off x="519673" y="1059582"/>
-            <a:ext cx="1618264" cy="369332"/>
+            <a:off x="174174" y="1986394"/>
+            <a:ext cx="2207079" cy="369332"/>
           </a:xfrm>
           <a:prstGeom prst="rect">
             <a:avLst/>
@@ -5010,198 +6699,431 @@
           <a:lstStyle/>
           <a:p>
             <a:r>
+              <a:rPr lang="fr-FR" dirty="0" err="1" smtClean="0"/>
+              <a:t>Elasticnet</a:t>
+            </a:r>
+            <a:r>
               <a:rPr lang="fr-FR" dirty="0" smtClean="0"/>
-              <a:t>À proximité de:</a:t>
+              <a:t> (alpha=0.5)</a:t>
             </a:r>
             <a:endParaRPr lang="en-US" dirty="0"/>
           </a:p>
         </p:txBody>
       </p:sp>
-      <p:sp>
-        <p:nvSpPr>
-          <p:cNvPr id="10" name="TextBox 9"/>
-          <p:cNvSpPr txBox="1"/>
+      <p:graphicFrame>
+        <p:nvGraphicFramePr>
+          <p:cNvPr id="10" name="Table 9"/>
+          <p:cNvGraphicFramePr>
+            <a:graphicFrameLocks noGrp="1"/>
+          </p:cNvGraphicFramePr>
+          <p:nvPr>
+            <p:extLst>
+              <p:ext uri="{D42A27DB-BD31-4B8C-83A1-F6EECF244321}">
+                <p14:modId xmlns:p14="http://schemas.microsoft.com/office/powerpoint/2010/main" val="2624121090"/>
+              </p:ext>
+            </p:extLst>
+          </p:nvPr>
+        </p:nvGraphicFramePr>
+        <p:xfrm>
+          <a:off x="177089" y="3817454"/>
+          <a:ext cx="2522424" cy="1168400"/>
+        </p:xfrm>
+        <a:graphic>
+          <a:graphicData uri="http://schemas.openxmlformats.org/drawingml/2006/table">
+            <a:tbl>
+              <a:tblPr firstRow="1" bandRow="1">
+                <a:tableStyleId>{5C22544A-7EE6-4342-B048-85BDC9FD1C3A}</a:tableStyleId>
+              </a:tblPr>
+              <a:tblGrid>
+                <a:gridCol w="840808"/>
+                <a:gridCol w="840808"/>
+                <a:gridCol w="840808"/>
+              </a:tblGrid>
+              <a:tr h="370840">
+                <a:tc>
+                  <a:txBody>
+                    <a:bodyPr/>
+                    <a:lstStyle/>
+                    <a:p>
+                      <a:pPr algn="ctr"/>
+                      <a:r>
+                        <a:rPr lang="fr-FR" sz="1100" dirty="0" smtClean="0"/>
+                        <a:t>apprentissage</a:t>
+                      </a:r>
+                      <a:endParaRPr lang="en-US" sz="1100" dirty="0"/>
+                    </a:p>
+                  </a:txBody>
+                  <a:tcPr anchor="ctr"/>
+                </a:tc>
+                <a:tc>
+                  <a:txBody>
+                    <a:bodyPr/>
+                    <a:lstStyle/>
+                    <a:p>
+                      <a:pPr algn="ctr"/>
+                      <a:r>
+                        <a:rPr lang="fr-FR" sz="1100" dirty="0" smtClean="0"/>
+                        <a:t>Prédiction 0</a:t>
+                      </a:r>
+                      <a:endParaRPr lang="en-US" sz="1100" dirty="0"/>
+                    </a:p>
+                  </a:txBody>
+                  <a:tcPr anchor="ctr"/>
+                </a:tc>
+                <a:tc>
+                  <a:txBody>
+                    <a:bodyPr/>
+                    <a:lstStyle/>
+                    <a:p>
+                      <a:pPr algn="ctr"/>
+                      <a:r>
+                        <a:rPr lang="fr-FR" sz="1100" dirty="0" smtClean="0"/>
+                        <a:t>Prédiction 1</a:t>
+                      </a:r>
+                      <a:endParaRPr lang="en-US" sz="1100" dirty="0"/>
+                    </a:p>
+                  </a:txBody>
+                  <a:tcPr anchor="ctr"/>
+                </a:tc>
+              </a:tr>
+              <a:tr h="370840">
+                <a:tc>
+                  <a:txBody>
+                    <a:bodyPr/>
+                    <a:lstStyle/>
+                    <a:p>
+                      <a:pPr algn="ctr"/>
+                      <a:r>
+                        <a:rPr lang="fr-FR" sz="1100" dirty="0" smtClean="0"/>
+                        <a:t>Vrai</a:t>
+                      </a:r>
+                      <a:r>
+                        <a:rPr lang="fr-FR" sz="1100" baseline="0" dirty="0" smtClean="0"/>
+                        <a:t> 0</a:t>
+                      </a:r>
+                      <a:endParaRPr lang="en-US" sz="1100" dirty="0"/>
+                    </a:p>
+                  </a:txBody>
+                  <a:tcPr anchor="ctr"/>
+                </a:tc>
+                <a:tc>
+                  <a:txBody>
+                    <a:bodyPr/>
+                    <a:lstStyle/>
+                    <a:p>
+                      <a:pPr algn="ctr"/>
+                      <a:r>
+                        <a:rPr lang="fr-FR" sz="1100" dirty="0" smtClean="0"/>
+                        <a:t>334</a:t>
+                      </a:r>
+                      <a:endParaRPr lang="en-US" sz="1100" dirty="0"/>
+                    </a:p>
+                  </a:txBody>
+                  <a:tcPr anchor="ctr"/>
+                </a:tc>
+                <a:tc>
+                  <a:txBody>
+                    <a:bodyPr/>
+                    <a:lstStyle/>
+                    <a:p>
+                      <a:pPr algn="ctr"/>
+                      <a:r>
+                        <a:rPr lang="fr-FR" sz="1100" dirty="0" smtClean="0"/>
+                        <a:t>173</a:t>
+                      </a:r>
+                      <a:endParaRPr lang="en-US" sz="1100" dirty="0"/>
+                    </a:p>
+                  </a:txBody>
+                  <a:tcPr anchor="ctr"/>
+                </a:tc>
+              </a:tr>
+              <a:tr h="370840">
+                <a:tc>
+                  <a:txBody>
+                    <a:bodyPr/>
+                    <a:lstStyle/>
+                    <a:p>
+                      <a:pPr algn="ctr"/>
+                      <a:r>
+                        <a:rPr lang="fr-FR" sz="1100" dirty="0" smtClean="0"/>
+                        <a:t>Vrai 1</a:t>
+                      </a:r>
+                      <a:endParaRPr lang="en-US" sz="1100" dirty="0"/>
+                    </a:p>
+                  </a:txBody>
+                  <a:tcPr anchor="ctr"/>
+                </a:tc>
+                <a:tc>
+                  <a:txBody>
+                    <a:bodyPr/>
+                    <a:lstStyle/>
+                    <a:p>
+                      <a:pPr algn="ctr"/>
+                      <a:r>
+                        <a:rPr lang="fr-FR" sz="1100" dirty="0" smtClean="0"/>
+                        <a:t>74</a:t>
+                      </a:r>
+                      <a:endParaRPr lang="en-US" sz="1100" dirty="0"/>
+                    </a:p>
+                  </a:txBody>
+                  <a:tcPr anchor="ctr"/>
+                </a:tc>
+                <a:tc>
+                  <a:txBody>
+                    <a:bodyPr/>
+                    <a:lstStyle/>
+                    <a:p>
+                      <a:pPr algn="ctr"/>
+                      <a:r>
+                        <a:rPr lang="fr-FR" sz="1100" dirty="0" smtClean="0"/>
+                        <a:t>3151</a:t>
+                      </a:r>
+                      <a:endParaRPr lang="fr-FR" sz="1100" dirty="0" smtClean="0"/>
+                    </a:p>
+                  </a:txBody>
+                  <a:tcPr anchor="ctr"/>
+                </a:tc>
+              </a:tr>
+            </a:tbl>
+          </a:graphicData>
+        </a:graphic>
+      </p:graphicFrame>
+      <p:graphicFrame>
+        <p:nvGraphicFramePr>
+          <p:cNvPr id="11" name="Table 10"/>
+          <p:cNvGraphicFramePr>
+            <a:graphicFrameLocks noGrp="1"/>
+          </p:cNvGraphicFramePr>
+          <p:nvPr>
+            <p:extLst>
+              <p:ext uri="{D42A27DB-BD31-4B8C-83A1-F6EECF244321}">
+                <p14:modId xmlns:p14="http://schemas.microsoft.com/office/powerpoint/2010/main" val="3533143503"/>
+              </p:ext>
+            </p:extLst>
+          </p:nvPr>
+        </p:nvGraphicFramePr>
+        <p:xfrm>
+          <a:off x="2771800" y="3817454"/>
+          <a:ext cx="2447712" cy="1168400"/>
+        </p:xfrm>
+        <a:graphic>
+          <a:graphicData uri="http://schemas.openxmlformats.org/drawingml/2006/table">
+            <a:tbl>
+              <a:tblPr firstRow="1" bandRow="1">
+                <a:tableStyleId>{5C22544A-7EE6-4342-B048-85BDC9FD1C3A}</a:tableStyleId>
+              </a:tblPr>
+              <a:tblGrid>
+                <a:gridCol w="815904"/>
+                <a:gridCol w="815904"/>
+                <a:gridCol w="815904"/>
+              </a:tblGrid>
+              <a:tr h="370840">
+                <a:tc>
+                  <a:txBody>
+                    <a:bodyPr/>
+                    <a:lstStyle/>
+                    <a:p>
+                      <a:pPr algn="ctr"/>
+                      <a:r>
+                        <a:rPr lang="fr-FR" sz="1100" dirty="0" smtClean="0"/>
+                        <a:t>test</a:t>
+                      </a:r>
+                      <a:endParaRPr lang="en-US" sz="1100" dirty="0"/>
+                    </a:p>
+                  </a:txBody>
+                  <a:tcPr anchor="ctr"/>
+                </a:tc>
+                <a:tc>
+                  <a:txBody>
+                    <a:bodyPr/>
+                    <a:lstStyle/>
+                    <a:p>
+                      <a:pPr algn="ctr"/>
+                      <a:r>
+                        <a:rPr lang="fr-FR" sz="1100" dirty="0" smtClean="0"/>
+                        <a:t>Prédiction 0</a:t>
+                      </a:r>
+                      <a:endParaRPr lang="en-US" sz="1100" dirty="0"/>
+                    </a:p>
+                  </a:txBody>
+                  <a:tcPr anchor="ctr"/>
+                </a:tc>
+                <a:tc>
+                  <a:txBody>
+                    <a:bodyPr/>
+                    <a:lstStyle/>
+                    <a:p>
+                      <a:pPr algn="ctr"/>
+                      <a:r>
+                        <a:rPr lang="fr-FR" sz="1100" dirty="0" smtClean="0"/>
+                        <a:t>Prédiction 1</a:t>
+                      </a:r>
+                      <a:endParaRPr lang="en-US" sz="1100" dirty="0"/>
+                    </a:p>
+                  </a:txBody>
+                  <a:tcPr anchor="ctr"/>
+                </a:tc>
+              </a:tr>
+              <a:tr h="370840">
+                <a:tc>
+                  <a:txBody>
+                    <a:bodyPr/>
+                    <a:lstStyle/>
+                    <a:p>
+                      <a:pPr algn="ctr"/>
+                      <a:r>
+                        <a:rPr lang="fr-FR" sz="1100" dirty="0" smtClean="0"/>
+                        <a:t>Vrai</a:t>
+                      </a:r>
+                      <a:r>
+                        <a:rPr lang="fr-FR" sz="1100" baseline="0" dirty="0" smtClean="0"/>
+                        <a:t> 0</a:t>
+                      </a:r>
+                      <a:endParaRPr lang="en-US" sz="1100" dirty="0"/>
+                    </a:p>
+                  </a:txBody>
+                  <a:tcPr anchor="ctr"/>
+                </a:tc>
+                <a:tc>
+                  <a:txBody>
+                    <a:bodyPr/>
+                    <a:lstStyle/>
+                    <a:p>
+                      <a:pPr algn="ctr"/>
+                      <a:r>
+                        <a:rPr lang="fr-FR" sz="1100" dirty="0" smtClean="0"/>
+                        <a:t>343</a:t>
+                      </a:r>
+                      <a:endParaRPr lang="en-US" sz="1100" dirty="0"/>
+                    </a:p>
+                  </a:txBody>
+                  <a:tcPr anchor="ctr"/>
+                </a:tc>
+                <a:tc>
+                  <a:txBody>
+                    <a:bodyPr/>
+                    <a:lstStyle/>
+                    <a:p>
+                      <a:pPr algn="ctr"/>
+                      <a:r>
+                        <a:rPr lang="fr-FR" sz="1100" dirty="0" smtClean="0"/>
+                        <a:t>181</a:t>
+                      </a:r>
+                      <a:endParaRPr lang="en-US" sz="1100" dirty="0"/>
+                    </a:p>
+                  </a:txBody>
+                  <a:tcPr anchor="ctr"/>
+                </a:tc>
+              </a:tr>
+              <a:tr h="370840">
+                <a:tc>
+                  <a:txBody>
+                    <a:bodyPr/>
+                    <a:lstStyle/>
+                    <a:p>
+                      <a:pPr algn="ctr"/>
+                      <a:r>
+                        <a:rPr lang="fr-FR" sz="1100" dirty="0" smtClean="0"/>
+                        <a:t>Vrai 1</a:t>
+                      </a:r>
+                      <a:endParaRPr lang="en-US" sz="1100" dirty="0"/>
+                    </a:p>
+                  </a:txBody>
+                  <a:tcPr anchor="ctr"/>
+                </a:tc>
+                <a:tc>
+                  <a:txBody>
+                    <a:bodyPr/>
+                    <a:lstStyle/>
+                    <a:p>
+                      <a:pPr algn="ctr"/>
+                      <a:r>
+                        <a:rPr lang="fr-FR" sz="1100" dirty="0" smtClean="0"/>
+                        <a:t>73</a:t>
+                      </a:r>
+                      <a:endParaRPr lang="en-US" sz="1100" dirty="0"/>
+                    </a:p>
+                  </a:txBody>
+                  <a:tcPr anchor="ctr"/>
+                </a:tc>
+                <a:tc>
+                  <a:txBody>
+                    <a:bodyPr/>
+                    <a:lstStyle/>
+                    <a:p>
+                      <a:pPr algn="ctr"/>
+                      <a:r>
+                        <a:rPr lang="fr-FR" sz="1100" dirty="0" smtClean="0"/>
+                        <a:t>3135</a:t>
+                      </a:r>
+                      <a:endParaRPr lang="fr-FR" sz="1100" dirty="0" smtClean="0"/>
+                    </a:p>
+                  </a:txBody>
+                  <a:tcPr anchor="ctr"/>
+                </a:tc>
+              </a:tr>
+            </a:tbl>
+          </a:graphicData>
+        </a:graphic>
+      </p:graphicFrame>
+      <p:pic>
+        <p:nvPicPr>
+          <p:cNvPr id="7170" name="Picture 2"/>
+          <p:cNvPicPr>
+            <a:picLocks noChangeAspect="1" noChangeArrowheads="1"/>
+          </p:cNvPicPr>
           <p:nvPr/>
-        </p:nvSpPr>
-        <p:spPr>
+        </p:nvPicPr>
+        <p:blipFill>
+          <a:blip r:embed="rId3">
+            <a:extLst>
+              <a:ext uri="{28A0092B-C50C-407E-A947-70E740481C1C}">
+                <a14:useLocalDpi xmlns:a14="http://schemas.microsoft.com/office/drawing/2010/main" val="0"/>
+              </a:ext>
+            </a:extLst>
+          </a:blip>
+          <a:srcRect/>
+          <a:stretch>
+            <a:fillRect/>
+          </a:stretch>
+        </p:blipFill>
+        <p:spPr bwMode="auto">
           <a:xfrm>
-            <a:off x="827584" y="1441282"/>
-            <a:ext cx="1865704" cy="369332"/>
+            <a:off x="184123" y="2381827"/>
+            <a:ext cx="5035949" cy="552873"/>
           </a:xfrm>
           <a:prstGeom prst="rect">
             <a:avLst/>
           </a:prstGeom>
           <a:noFill/>
+          <a:ln>
+            <a:noFill/>
+          </a:ln>
+          <a:extLst>
+            <a:ext uri="{909E8E84-426E-40DD-AFC4-6F175D3DCCD1}">
+              <a14:hiddenFill xmlns:a14="http://schemas.microsoft.com/office/drawing/2010/main">
+                <a:solidFill>
+                  <a:schemeClr val="accent1"/>
+                </a:solidFill>
+              </a14:hiddenFill>
+            </a:ext>
+            <a:ext uri="{91240B29-F687-4F45-9708-019B960494DF}">
+              <a14:hiddenLine xmlns:a14="http://schemas.microsoft.com/office/drawing/2010/main" w="9525">
+                <a:solidFill>
+                  <a:schemeClr val="tx1"/>
+                </a:solidFill>
+                <a:miter lim="800000"/>
+                <a:headEnd/>
+                <a:tailEnd/>
+              </a14:hiddenLine>
+            </a:ext>
+          </a:extLst>
         </p:spPr>
-        <p:txBody>
-          <a:bodyPr wrap="none" rtlCol="0">
-            <a:spAutoFit/>
-          </a:bodyPr>
-          <a:lstStyle/>
-          <a:p>
-            <a:r>
-              <a:rPr lang="fr-FR" dirty="0" smtClean="0"/>
-              <a:t>8, bd Saint Michel</a:t>
-            </a:r>
-            <a:endParaRPr lang="en-US" dirty="0"/>
-          </a:p>
-        </p:txBody>
-      </p:sp>
-      <p:sp>
-        <p:nvSpPr>
-          <p:cNvPr id="11" name="TextBox 10"/>
-          <p:cNvSpPr txBox="1"/>
-          <p:nvPr/>
-        </p:nvSpPr>
-        <p:spPr>
-          <a:xfrm>
-            <a:off x="3563888" y="1441282"/>
-            <a:ext cx="2021131" cy="369332"/>
-          </a:xfrm>
-          <a:prstGeom prst="rect">
-            <a:avLst/>
-          </a:prstGeom>
-          <a:noFill/>
-        </p:spPr>
-        <p:txBody>
-          <a:bodyPr wrap="none" rtlCol="0">
-            <a:spAutoFit/>
-          </a:bodyPr>
-          <a:lstStyle/>
-          <a:p>
-            <a:r>
-              <a:rPr lang="fr-FR" dirty="0" smtClean="0"/>
-              <a:t>88, rue de la </a:t>
-            </a:r>
-            <a:r>
-              <a:rPr lang="fr-FR" dirty="0" err="1" smtClean="0"/>
-              <a:t>Vilette</a:t>
-            </a:r>
-            <a:endParaRPr lang="en-US" dirty="0"/>
-          </a:p>
-        </p:txBody>
-      </p:sp>
-      <p:sp>
-        <p:nvSpPr>
-          <p:cNvPr id="12" name="TextBox 11"/>
-          <p:cNvSpPr txBox="1"/>
-          <p:nvPr/>
-        </p:nvSpPr>
-        <p:spPr>
-          <a:xfrm>
-            <a:off x="6310600" y="1410330"/>
-            <a:ext cx="1357744" cy="369332"/>
-          </a:xfrm>
-          <a:prstGeom prst="rect">
-            <a:avLst/>
-          </a:prstGeom>
-          <a:noFill/>
-        </p:spPr>
-        <p:txBody>
-          <a:bodyPr wrap="none" rtlCol="0">
-            <a:spAutoFit/>
-          </a:bodyPr>
-          <a:lstStyle/>
-          <a:p>
-            <a:r>
-              <a:rPr lang="fr-FR" dirty="0" err="1" smtClean="0"/>
-              <a:t>MontMartre</a:t>
-            </a:r>
-            <a:endParaRPr lang="en-US" dirty="0"/>
-          </a:p>
-        </p:txBody>
-      </p:sp>
-      <p:graphicFrame>
-        <p:nvGraphicFramePr>
-          <p:cNvPr id="13" name="Object 12"/>
-          <p:cNvGraphicFramePr>
-            <a:graphicFrameLocks noChangeAspect="1"/>
-          </p:cNvGraphicFramePr>
-          <p:nvPr>
-            <p:extLst>
-              <p:ext uri="{D42A27DB-BD31-4B8C-83A1-F6EECF244321}">
-                <p14:modId xmlns:p14="http://schemas.microsoft.com/office/powerpoint/2010/main" val="2074598280"/>
-              </p:ext>
-            </p:extLst>
-          </p:nvPr>
-        </p:nvGraphicFramePr>
-        <p:xfrm>
-          <a:off x="536473" y="3723878"/>
-          <a:ext cx="2447925" cy="771525"/>
-        </p:xfrm>
-        <a:graphic>
-          <a:graphicData uri="http://schemas.openxmlformats.org/presentationml/2006/ole">
-            <mc:AlternateContent xmlns:mc="http://schemas.openxmlformats.org/markup-compatibility/2006">
-              <mc:Choice xmlns:v="urn:schemas-microsoft-com:vml" Requires="v">
-                <p:oleObj spid="_x0000_s1145" name="Worksheet" r:id="rId13" imgW="2447851" imgH="771660" progId="Excel.Sheet.12">
-                  <p:embed/>
-                </p:oleObj>
-              </mc:Choice>
-              <mc:Fallback>
-                <p:oleObj name="Worksheet" r:id="rId13" imgW="2447851" imgH="771660" progId="Excel.Sheet.12">
-                  <p:embed/>
-                  <p:pic>
-                    <p:nvPicPr>
-                      <p:cNvPr id="0" name=""/>
-                      <p:cNvPicPr/>
-                      <p:nvPr/>
-                    </p:nvPicPr>
-                    <p:blipFill>
-                      <a:blip r:embed="rId14"/>
-                      <a:stretch>
-                        <a:fillRect/>
-                      </a:stretch>
-                    </p:blipFill>
-                    <p:spPr>
-                      <a:xfrm>
-                        <a:off x="536473" y="3723878"/>
-                        <a:ext cx="2447925" cy="771525"/>
-                      </a:xfrm>
-                      <a:prstGeom prst="rect">
-                        <a:avLst/>
-                      </a:prstGeom>
-                    </p:spPr>
-                  </p:pic>
-                </p:oleObj>
-              </mc:Fallback>
-            </mc:AlternateContent>
-          </a:graphicData>
-        </a:graphic>
-      </p:graphicFrame>
-      <p:sp>
-        <p:nvSpPr>
-          <p:cNvPr id="14" name="TextBox 13"/>
-          <p:cNvSpPr txBox="1"/>
-          <p:nvPr/>
-        </p:nvSpPr>
-        <p:spPr>
-          <a:xfrm>
-            <a:off x="827584" y="3291830"/>
-            <a:ext cx="1452898" cy="369332"/>
-          </a:xfrm>
-          <a:prstGeom prst="rect">
-            <a:avLst/>
-          </a:prstGeom>
-          <a:noFill/>
-        </p:spPr>
-        <p:txBody>
-          <a:bodyPr wrap="none" rtlCol="0">
-            <a:spAutoFit/>
-          </a:bodyPr>
-          <a:lstStyle/>
-          <a:p>
-            <a:r>
-              <a:rPr lang="fr-FR" dirty="0" smtClean="0"/>
-              <a:t>Gare du Nord</a:t>
-            </a:r>
-            <a:endParaRPr lang="en-US" dirty="0"/>
-          </a:p>
-        </p:txBody>
-      </p:sp>
+      </p:pic>
     </p:spTree>
     <p:extLst>
       <p:ext uri="{BB962C8B-B14F-4D97-AF65-F5344CB8AC3E}">
-        <p14:creationId xmlns:p14="http://schemas.microsoft.com/office/powerpoint/2010/main" val="3416802583"/>
+        <p14:creationId xmlns:p14="http://schemas.microsoft.com/office/powerpoint/2010/main" val="1598461112"/>
       </p:ext>
     </p:extLst>
   </p:cSld>
@@ -5248,13 +7170,17 @@
         <p:spPr/>
         <p:txBody>
           <a:bodyPr>
-            <a:normAutofit fontScale="90000"/>
+            <a:normAutofit/>
           </a:bodyPr>
           <a:lstStyle/>
           <a:p>
             <a:r>
+              <a:rPr lang="fr-FR" dirty="0"/>
+              <a:t>Modélisation – </a:t>
+            </a:r>
+            <a:r>
               <a:rPr lang="fr-FR" dirty="0" smtClean="0"/>
-              <a:t>Illustration mise en forme des données</a:t>
+              <a:t>SVM</a:t>
             </a:r>
             <a:endParaRPr lang="en-US" dirty="0"/>
           </a:p>
@@ -5262,7 +7188,7 @@
       </p:sp>
       <p:sp>
         <p:nvSpPr>
-          <p:cNvPr id="3" name="Content Placeholder 2"/>
+          <p:cNvPr id="5" name="Content Placeholder 2"/>
           <p:cNvSpPr>
             <a:spLocks noGrp="1"/>
           </p:cNvSpPr>
@@ -5273,51 +7199,48 @@
         <p:spPr>
           <a:xfrm>
             <a:off x="457200" y="1200151"/>
-            <a:ext cx="2818656" cy="3394472"/>
+            <a:ext cx="8229600" cy="3394472"/>
           </a:xfrm>
         </p:spPr>
         <p:txBody>
           <a:bodyPr>
-            <a:normAutofit fontScale="85000" lnSpcReduction="10000"/>
+            <a:normAutofit/>
           </a:bodyPr>
           <a:lstStyle/>
           <a:p>
             <a:r>
-              <a:rPr lang="fr-FR" dirty="0" smtClean="0"/>
-              <a:t>Pour une station</a:t>
-            </a:r>
-          </a:p>
-          <a:p>
-            <a:r>
-              <a:rPr lang="fr-FR" dirty="0" smtClean="0"/>
-              <a:t>Noir: </a:t>
-            </a:r>
-            <a:r>
-              <a:rPr lang="fr-FR" dirty="0" err="1" smtClean="0"/>
+              <a:rPr lang="fr-FR" sz="2000" dirty="0" smtClean="0"/>
+              <a:t>X:</a:t>
+            </a:r>
+            <a:r>
+              <a:rPr lang="fr-FR" sz="2000" dirty="0"/>
+              <a:t> </a:t>
+            </a:r>
+            <a:r>
+              <a:rPr lang="fr-FR" sz="2000" dirty="0" err="1"/>
               <a:t>available_bikes</a:t>
             </a:r>
-            <a:endParaRPr lang="fr-FR" dirty="0" smtClean="0"/>
-          </a:p>
-          <a:p>
-            <a:r>
-              <a:rPr lang="fr-FR" dirty="0" smtClean="0"/>
-              <a:t>Rouge: </a:t>
-            </a:r>
-            <a:r>
-              <a:rPr lang="fr-FR" dirty="0" err="1" smtClean="0"/>
-              <a:t>available_bikes_minusH</a:t>
-            </a:r>
-            <a:r>
-              <a:rPr lang="fr-FR" dirty="0" smtClean="0"/>
-              <a:t> (X=3)</a:t>
-            </a:r>
-            <a:endParaRPr lang="en-US" dirty="0"/>
+            <a:r>
+              <a:rPr lang="fr-FR" sz="2000" dirty="0"/>
+              <a:t> </a:t>
+            </a:r>
+            <a:r>
+              <a:rPr lang="fr-FR" sz="2000" dirty="0" smtClean="0"/>
+              <a:t>, seuil=5, prédiction à 3 heures (X=3)</a:t>
+            </a:r>
+          </a:p>
+          <a:p>
+            <a:r>
+              <a:rPr lang="fr-FR" sz="2000" dirty="0" smtClean="0"/>
+              <a:t>Adresse: 8, boulevard Saint Michel (5 stations à moins de 200m)</a:t>
+            </a:r>
+            <a:endParaRPr lang="en-US" sz="1800" dirty="0"/>
           </a:p>
         </p:txBody>
       </p:sp>
       <p:pic>
         <p:nvPicPr>
-          <p:cNvPr id="4098" name="Picture 2"/>
+          <p:cNvPr id="8194" name="Picture 2"/>
           <p:cNvPicPr>
             <a:picLocks noChangeAspect="1" noChangeArrowheads="1"/>
           </p:cNvPicPr>
@@ -5338,8 +7261,8 @@
         </p:blipFill>
         <p:spPr bwMode="auto">
           <a:xfrm>
-            <a:off x="3491880" y="1203598"/>
-            <a:ext cx="5577170" cy="3600000"/>
+            <a:off x="323527" y="2067693"/>
+            <a:ext cx="5085747" cy="2729507"/>
           </a:xfrm>
           <a:prstGeom prst="rect">
             <a:avLst/>
@@ -5371,19 +7294,24 @@
       </p:pic>
       <p:sp>
         <p:nvSpPr>
-          <p:cNvPr id="4" name="TextBox 3"/>
+          <p:cNvPr id="8" name="TextBox 7"/>
           <p:cNvSpPr txBox="1"/>
           <p:nvPr/>
         </p:nvSpPr>
         <p:spPr>
           <a:xfrm>
-            <a:off x="107505" y="3786594"/>
-            <a:ext cx="3312368" cy="1200329"/>
+            <a:off x="5604983" y="2398184"/>
+            <a:ext cx="3071473" cy="646331"/>
           </a:xfrm>
           <a:prstGeom prst="rect">
             <a:avLst/>
           </a:prstGeom>
           <a:noFill/>
+          <a:ln>
+            <a:solidFill>
+              <a:srgbClr val="FF0000"/>
+            </a:solidFill>
+          </a:ln>
         </p:spPr>
         <p:txBody>
           <a:bodyPr wrap="square" rtlCol="0">
@@ -5393,7 +7321,7 @@
           <a:p>
             <a:r>
               <a:rPr lang="fr-FR" dirty="0" smtClean="0"/>
-              <a:t>(affichage en fonction du numéro du jour dans le mois, c’est pourquoi il peut y avoir plusieurs valeurs pour la même heure)</a:t>
+              <a:t>Optimisation du paramètre de cout par validation croisée</a:t>
             </a:r>
             <a:endParaRPr lang="en-US" dirty="0"/>
           </a:p>
@@ -5401,19 +7329,21 @@
       </p:sp>
       <p:cxnSp>
         <p:nvCxnSpPr>
-          <p:cNvPr id="6" name="Straight Arrow Connector 5"/>
-          <p:cNvCxnSpPr/>
+          <p:cNvPr id="10" name="Straight Arrow Connector 9"/>
+          <p:cNvCxnSpPr>
+            <a:stCxn id="8" idx="1"/>
+          </p:cNvCxnSpPr>
           <p:nvPr/>
         </p:nvCxnSpPr>
         <p:spPr>
-          <a:xfrm>
-            <a:off x="5940152" y="3291830"/>
-            <a:ext cx="379766" cy="0"/>
+          <a:xfrm flipH="1">
+            <a:off x="3609001" y="2721350"/>
+            <a:ext cx="1995982" cy="352863"/>
           </a:xfrm>
           <a:prstGeom prst="straightConnector1">
             <a:avLst/>
           </a:prstGeom>
-          <a:ln w="57150">
+          <a:ln>
             <a:solidFill>
               <a:srgbClr val="FF0000"/>
             </a:solidFill>
@@ -5435,16 +7365,69 @@
           </a:fontRef>
         </p:style>
       </p:cxnSp>
+      <p:sp>
+        <p:nvSpPr>
+          <p:cNvPr id="6" name="Rectangle 5"/>
+          <p:cNvSpPr/>
+          <p:nvPr/>
+        </p:nvSpPr>
+        <p:spPr>
+          <a:xfrm>
+            <a:off x="323527" y="3003798"/>
+            <a:ext cx="5085747" cy="216024"/>
+          </a:xfrm>
+          <a:prstGeom prst="rect">
+            <a:avLst/>
+          </a:prstGeom>
+          <a:noFill/>
+          <a:ln>
+            <a:solidFill>
+              <a:srgbClr val="FF0000"/>
+            </a:solidFill>
+          </a:ln>
+        </p:spPr>
+        <p:style>
+          <a:lnRef idx="2">
+            <a:schemeClr val="accent1">
+              <a:shade val="50000"/>
+            </a:schemeClr>
+          </a:lnRef>
+          <a:fillRef idx="1">
+            <a:schemeClr val="accent1"/>
+          </a:fillRef>
+          <a:effectRef idx="0">
+            <a:schemeClr val="accent1"/>
+          </a:effectRef>
+          <a:fontRef idx="minor">
+            <a:schemeClr val="lt1"/>
+          </a:fontRef>
+        </p:style>
+        <p:txBody>
+          <a:bodyPr rtlCol="0" anchor="ctr"/>
+          <a:lstStyle/>
+          <a:p>
+            <a:pPr algn="ctr"/>
+            <a:endParaRPr lang="en-US"/>
+          </a:p>
+        </p:txBody>
+      </p:sp>
     </p:spTree>
     <p:extLst>
       <p:ext uri="{BB962C8B-B14F-4D97-AF65-F5344CB8AC3E}">
-        <p14:creationId xmlns:p14="http://schemas.microsoft.com/office/powerpoint/2010/main" val="57559147"/>
+        <p14:creationId xmlns:p14="http://schemas.microsoft.com/office/powerpoint/2010/main" val="338947269"/>
       </p:ext>
     </p:extLst>
   </p:cSld>
   <p:clrMapOvr>
     <a:masterClrMapping/>
   </p:clrMapOvr>
+  <p:timing>
+    <p:tnLst>
+      <p:par>
+        <p:cTn id="1" dur="indefinite" restart="never" nodeType="tmRoot"/>
+      </p:par>
+    </p:tnLst>
+  </p:timing>
 </p:sld>
 </file>
 
@@ -5478,13 +7461,17 @@
         <p:spPr/>
         <p:txBody>
           <a:bodyPr>
-            <a:normAutofit fontScale="90000"/>
+            <a:normAutofit/>
           </a:bodyPr>
           <a:lstStyle/>
           <a:p>
             <a:r>
+              <a:rPr lang="fr-FR" dirty="0"/>
+              <a:t>Modélisation – </a:t>
+            </a:r>
+            <a:r>
               <a:rPr lang="fr-FR" dirty="0" smtClean="0"/>
-              <a:t>Illustration mise en forme des données</a:t>
+              <a:t>SVM</a:t>
             </a:r>
             <a:endParaRPr lang="en-US" dirty="0"/>
           </a:p>
@@ -5492,7 +7479,7 @@
       </p:sp>
       <p:sp>
         <p:nvSpPr>
-          <p:cNvPr id="3" name="Content Placeholder 2"/>
+          <p:cNvPr id="5" name="Content Placeholder 2"/>
           <p:cNvSpPr>
             <a:spLocks noGrp="1"/>
           </p:cNvSpPr>
@@ -5502,8 +7489,8 @@
         </p:nvSpPr>
         <p:spPr>
           <a:xfrm>
-            <a:off x="107504" y="1200151"/>
-            <a:ext cx="3456384" cy="3394472"/>
+            <a:off x="457200" y="1200151"/>
+            <a:ext cx="8229600" cy="3394472"/>
           </a:xfrm>
         </p:spPr>
         <p:txBody>
@@ -5513,37 +7500,394 @@
           <a:lstStyle/>
           <a:p>
             <a:r>
-              <a:rPr lang="fr-FR" sz="2400" dirty="0" smtClean="0"/>
-              <a:t>Pour une station</a:t>
-            </a:r>
-          </a:p>
-          <a:p>
-            <a:r>
-              <a:rPr lang="fr-FR" sz="2400" dirty="0" smtClean="0"/>
-              <a:t>Noir: </a:t>
-            </a:r>
-            <a:r>
-              <a:rPr lang="fr-FR" sz="2400" dirty="0" err="1" smtClean="0"/>
+              <a:rPr lang="fr-FR" sz="2000" dirty="0" smtClean="0"/>
+              <a:t>X:</a:t>
+            </a:r>
+            <a:r>
+              <a:rPr lang="fr-FR" sz="2000" dirty="0"/>
+              <a:t> </a:t>
+            </a:r>
+            <a:r>
+              <a:rPr lang="fr-FR" sz="2000" dirty="0" err="1"/>
               <a:t>available_bikes</a:t>
             </a:r>
-            <a:endParaRPr lang="fr-FR" sz="2400" dirty="0" smtClean="0"/>
-          </a:p>
-          <a:p>
-            <a:r>
-              <a:rPr lang="fr-FR" sz="2400" dirty="0" smtClean="0"/>
-              <a:t>Rouge: </a:t>
-            </a:r>
-            <a:r>
-              <a:rPr lang="fr-FR" sz="2400" dirty="0" err="1" smtClean="0"/>
-              <a:t>available_bikes_minusW</a:t>
-            </a:r>
-            <a:endParaRPr lang="en-US" sz="2400" dirty="0"/>
+            <a:r>
+              <a:rPr lang="fr-FR" sz="2000" dirty="0"/>
+              <a:t> </a:t>
+            </a:r>
+            <a:r>
+              <a:rPr lang="fr-FR" sz="2000" dirty="0" smtClean="0"/>
+              <a:t>, seuil=5, prédiction à 3 heures (X=3)</a:t>
+            </a:r>
+          </a:p>
+          <a:p>
+            <a:r>
+              <a:rPr lang="fr-FR" sz="2000" dirty="0" smtClean="0"/>
+              <a:t>Adresse: 8, boulevard Saint Michel (5 stations à moins de 200m)</a:t>
+            </a:r>
+            <a:endParaRPr lang="en-US" sz="1800" dirty="0"/>
           </a:p>
         </p:txBody>
       </p:sp>
+      <p:graphicFrame>
+        <p:nvGraphicFramePr>
+          <p:cNvPr id="9" name="Table 8"/>
+          <p:cNvGraphicFramePr>
+            <a:graphicFrameLocks noGrp="1"/>
+          </p:cNvGraphicFramePr>
+          <p:nvPr>
+            <p:extLst>
+              <p:ext uri="{D42A27DB-BD31-4B8C-83A1-F6EECF244321}">
+                <p14:modId xmlns:p14="http://schemas.microsoft.com/office/powerpoint/2010/main" val="1044689971"/>
+              </p:ext>
+            </p:extLst>
+          </p:nvPr>
+        </p:nvGraphicFramePr>
+        <p:xfrm>
+          <a:off x="177089" y="3817454"/>
+          <a:ext cx="2522424" cy="1168400"/>
+        </p:xfrm>
+        <a:graphic>
+          <a:graphicData uri="http://schemas.openxmlformats.org/drawingml/2006/table">
+            <a:tbl>
+              <a:tblPr firstRow="1" bandRow="1">
+                <a:tableStyleId>{5C22544A-7EE6-4342-B048-85BDC9FD1C3A}</a:tableStyleId>
+              </a:tblPr>
+              <a:tblGrid>
+                <a:gridCol w="840808"/>
+                <a:gridCol w="840808"/>
+                <a:gridCol w="840808"/>
+              </a:tblGrid>
+              <a:tr h="370840">
+                <a:tc>
+                  <a:txBody>
+                    <a:bodyPr/>
+                    <a:lstStyle/>
+                    <a:p>
+                      <a:pPr algn="ctr"/>
+                      <a:r>
+                        <a:rPr lang="fr-FR" sz="1100" dirty="0" smtClean="0"/>
+                        <a:t>apprentissage</a:t>
+                      </a:r>
+                      <a:endParaRPr lang="en-US" sz="1100" dirty="0"/>
+                    </a:p>
+                  </a:txBody>
+                  <a:tcPr anchor="ctr"/>
+                </a:tc>
+                <a:tc>
+                  <a:txBody>
+                    <a:bodyPr/>
+                    <a:lstStyle/>
+                    <a:p>
+                      <a:pPr algn="ctr"/>
+                      <a:r>
+                        <a:rPr lang="fr-FR" sz="1100" dirty="0" smtClean="0"/>
+                        <a:t>Prédiction 0</a:t>
+                      </a:r>
+                      <a:endParaRPr lang="en-US" sz="1100" dirty="0"/>
+                    </a:p>
+                  </a:txBody>
+                  <a:tcPr anchor="ctr"/>
+                </a:tc>
+                <a:tc>
+                  <a:txBody>
+                    <a:bodyPr/>
+                    <a:lstStyle/>
+                    <a:p>
+                      <a:pPr algn="ctr"/>
+                      <a:r>
+                        <a:rPr lang="fr-FR" sz="1100" dirty="0" smtClean="0"/>
+                        <a:t>Prédiction 1</a:t>
+                      </a:r>
+                      <a:endParaRPr lang="en-US" sz="1100" dirty="0"/>
+                    </a:p>
+                  </a:txBody>
+                  <a:tcPr anchor="ctr"/>
+                </a:tc>
+              </a:tr>
+              <a:tr h="370840">
+                <a:tc>
+                  <a:txBody>
+                    <a:bodyPr/>
+                    <a:lstStyle/>
+                    <a:p>
+                      <a:pPr algn="ctr"/>
+                      <a:r>
+                        <a:rPr lang="fr-FR" sz="1100" dirty="0" smtClean="0"/>
+                        <a:t>Vrai</a:t>
+                      </a:r>
+                      <a:r>
+                        <a:rPr lang="fr-FR" sz="1100" baseline="0" dirty="0" smtClean="0"/>
+                        <a:t> 0</a:t>
+                      </a:r>
+                      <a:endParaRPr lang="en-US" sz="1100" dirty="0"/>
+                    </a:p>
+                  </a:txBody>
+                  <a:tcPr anchor="ctr"/>
+                </a:tc>
+                <a:tc>
+                  <a:txBody>
+                    <a:bodyPr/>
+                    <a:lstStyle/>
+                    <a:p>
+                      <a:pPr algn="ctr"/>
+                      <a:r>
+                        <a:rPr lang="fr-FR" sz="1100" dirty="0" smtClean="0"/>
+                        <a:t>527</a:t>
+                      </a:r>
+                      <a:endParaRPr lang="en-US" sz="1100" dirty="0"/>
+                    </a:p>
+                  </a:txBody>
+                  <a:tcPr anchor="ctr"/>
+                </a:tc>
+                <a:tc>
+                  <a:txBody>
+                    <a:bodyPr/>
+                    <a:lstStyle/>
+                    <a:p>
+                      <a:pPr algn="ctr"/>
+                      <a:r>
+                        <a:rPr lang="fr-FR" sz="1100" dirty="0" smtClean="0"/>
+                        <a:t>6</a:t>
+                      </a:r>
+                      <a:endParaRPr lang="en-US" sz="1100" dirty="0"/>
+                    </a:p>
+                  </a:txBody>
+                  <a:tcPr anchor="ctr"/>
+                </a:tc>
+              </a:tr>
+              <a:tr h="370840">
+                <a:tc>
+                  <a:txBody>
+                    <a:bodyPr/>
+                    <a:lstStyle/>
+                    <a:p>
+                      <a:pPr algn="ctr"/>
+                      <a:r>
+                        <a:rPr lang="fr-FR" sz="1100" dirty="0" smtClean="0"/>
+                        <a:t>Vrai 1</a:t>
+                      </a:r>
+                      <a:endParaRPr lang="en-US" sz="1100" dirty="0"/>
+                    </a:p>
+                  </a:txBody>
+                  <a:tcPr anchor="ctr"/>
+                </a:tc>
+                <a:tc>
+                  <a:txBody>
+                    <a:bodyPr/>
+                    <a:lstStyle/>
+                    <a:p>
+                      <a:pPr algn="ctr"/>
+                      <a:r>
+                        <a:rPr lang="fr-FR" sz="1100" dirty="0" smtClean="0"/>
+                        <a:t>4</a:t>
+                      </a:r>
+                      <a:endParaRPr lang="en-US" sz="1100" dirty="0"/>
+                    </a:p>
+                  </a:txBody>
+                  <a:tcPr anchor="ctr"/>
+                </a:tc>
+                <a:tc>
+                  <a:txBody>
+                    <a:bodyPr/>
+                    <a:lstStyle/>
+                    <a:p>
+                      <a:pPr algn="ctr"/>
+                      <a:r>
+                        <a:rPr lang="fr-FR" sz="1100" dirty="0" smtClean="0"/>
+                        <a:t>3195</a:t>
+                      </a:r>
+                      <a:endParaRPr lang="fr-FR" sz="1100" dirty="0" smtClean="0"/>
+                    </a:p>
+                  </a:txBody>
+                  <a:tcPr anchor="ctr"/>
+                </a:tc>
+              </a:tr>
+            </a:tbl>
+          </a:graphicData>
+        </a:graphic>
+      </p:graphicFrame>
+      <p:graphicFrame>
+        <p:nvGraphicFramePr>
+          <p:cNvPr id="11" name="Table 10"/>
+          <p:cNvGraphicFramePr>
+            <a:graphicFrameLocks noGrp="1"/>
+          </p:cNvGraphicFramePr>
+          <p:nvPr>
+            <p:extLst>
+              <p:ext uri="{D42A27DB-BD31-4B8C-83A1-F6EECF244321}">
+                <p14:modId xmlns:p14="http://schemas.microsoft.com/office/powerpoint/2010/main" val="99166574"/>
+              </p:ext>
+            </p:extLst>
+          </p:nvPr>
+        </p:nvGraphicFramePr>
+        <p:xfrm>
+          <a:off x="2771800" y="3817454"/>
+          <a:ext cx="2447712" cy="1168400"/>
+        </p:xfrm>
+        <a:graphic>
+          <a:graphicData uri="http://schemas.openxmlformats.org/drawingml/2006/table">
+            <a:tbl>
+              <a:tblPr firstRow="1" bandRow="1">
+                <a:tableStyleId>{5C22544A-7EE6-4342-B048-85BDC9FD1C3A}</a:tableStyleId>
+              </a:tblPr>
+              <a:tblGrid>
+                <a:gridCol w="815904"/>
+                <a:gridCol w="815904"/>
+                <a:gridCol w="815904"/>
+              </a:tblGrid>
+              <a:tr h="370840">
+                <a:tc>
+                  <a:txBody>
+                    <a:bodyPr/>
+                    <a:lstStyle/>
+                    <a:p>
+                      <a:pPr algn="ctr"/>
+                      <a:r>
+                        <a:rPr lang="fr-FR" sz="1100" dirty="0" smtClean="0"/>
+                        <a:t>test</a:t>
+                      </a:r>
+                      <a:endParaRPr lang="en-US" sz="1100" dirty="0"/>
+                    </a:p>
+                  </a:txBody>
+                  <a:tcPr anchor="ctr"/>
+                </a:tc>
+                <a:tc>
+                  <a:txBody>
+                    <a:bodyPr/>
+                    <a:lstStyle/>
+                    <a:p>
+                      <a:pPr algn="ctr"/>
+                      <a:r>
+                        <a:rPr lang="fr-FR" sz="1100" dirty="0" smtClean="0"/>
+                        <a:t>Prédiction 0</a:t>
+                      </a:r>
+                      <a:endParaRPr lang="en-US" sz="1100" dirty="0"/>
+                    </a:p>
+                  </a:txBody>
+                  <a:tcPr anchor="ctr"/>
+                </a:tc>
+                <a:tc>
+                  <a:txBody>
+                    <a:bodyPr/>
+                    <a:lstStyle/>
+                    <a:p>
+                      <a:pPr algn="ctr"/>
+                      <a:r>
+                        <a:rPr lang="fr-FR" sz="1100" dirty="0" smtClean="0"/>
+                        <a:t>Prédiction 1</a:t>
+                      </a:r>
+                      <a:endParaRPr lang="en-US" sz="1100" dirty="0"/>
+                    </a:p>
+                  </a:txBody>
+                  <a:tcPr anchor="ctr"/>
+                </a:tc>
+              </a:tr>
+              <a:tr h="370840">
+                <a:tc>
+                  <a:txBody>
+                    <a:bodyPr/>
+                    <a:lstStyle/>
+                    <a:p>
+                      <a:pPr algn="ctr"/>
+                      <a:r>
+                        <a:rPr lang="fr-FR" sz="1100" dirty="0" smtClean="0"/>
+                        <a:t>Vrai</a:t>
+                      </a:r>
+                      <a:r>
+                        <a:rPr lang="fr-FR" sz="1100" baseline="0" dirty="0" smtClean="0"/>
+                        <a:t> 0</a:t>
+                      </a:r>
+                      <a:endParaRPr lang="en-US" sz="1100" dirty="0"/>
+                    </a:p>
+                  </a:txBody>
+                  <a:tcPr anchor="ctr"/>
+                </a:tc>
+                <a:tc>
+                  <a:txBody>
+                    <a:bodyPr/>
+                    <a:lstStyle/>
+                    <a:p>
+                      <a:pPr algn="ctr"/>
+                      <a:r>
+                        <a:rPr lang="fr-FR" sz="1100" dirty="0" smtClean="0"/>
+                        <a:t>446</a:t>
+                      </a:r>
+                      <a:endParaRPr lang="en-US" sz="1100" dirty="0"/>
+                    </a:p>
+                  </a:txBody>
+                  <a:tcPr anchor="ctr"/>
+                </a:tc>
+                <a:tc>
+                  <a:txBody>
+                    <a:bodyPr/>
+                    <a:lstStyle/>
+                    <a:p>
+                      <a:pPr algn="ctr"/>
+                      <a:r>
+                        <a:rPr lang="fr-FR" sz="1100" dirty="0" smtClean="0"/>
+                        <a:t>52</a:t>
+                      </a:r>
+                      <a:endParaRPr lang="en-US" sz="1100" dirty="0"/>
+                    </a:p>
+                  </a:txBody>
+                  <a:tcPr anchor="ctr"/>
+                </a:tc>
+              </a:tr>
+              <a:tr h="370840">
+                <a:tc>
+                  <a:txBody>
+                    <a:bodyPr/>
+                    <a:lstStyle/>
+                    <a:p>
+                      <a:pPr algn="ctr"/>
+                      <a:r>
+                        <a:rPr lang="fr-FR" sz="1100" dirty="0" smtClean="0"/>
+                        <a:t>Vrai 1</a:t>
+                      </a:r>
+                      <a:endParaRPr lang="en-US" sz="1100" dirty="0"/>
+                    </a:p>
+                  </a:txBody>
+                  <a:tcPr anchor="ctr"/>
+                </a:tc>
+                <a:tc>
+                  <a:txBody>
+                    <a:bodyPr/>
+                    <a:lstStyle/>
+                    <a:p>
+                      <a:pPr algn="ctr"/>
+                      <a:r>
+                        <a:rPr lang="fr-FR" sz="1100" dirty="0" smtClean="0"/>
+                        <a:t>33</a:t>
+                      </a:r>
+                      <a:endParaRPr lang="en-US" sz="1100" dirty="0"/>
+                    </a:p>
+                  </a:txBody>
+                  <a:tcPr anchor="ctr"/>
+                </a:tc>
+                <a:tc>
+                  <a:txBody>
+                    <a:bodyPr/>
+                    <a:lstStyle/>
+                    <a:p>
+                      <a:pPr algn="ctr"/>
+                      <a:r>
+                        <a:rPr lang="fr-FR" sz="1100" dirty="0" smtClean="0"/>
+                        <a:t>3201</a:t>
+                      </a:r>
+                      <a:endParaRPr lang="fr-FR" sz="1100" dirty="0" smtClean="0"/>
+                    </a:p>
+                  </a:txBody>
+                  <a:tcPr anchor="ctr"/>
+                </a:tc>
+              </a:tr>
+            </a:tbl>
+          </a:graphicData>
+        </a:graphic>
+      </p:graphicFrame>
       <p:pic>
         <p:nvPicPr>
-          <p:cNvPr id="5122" name="Picture 2"/>
+          <p:cNvPr id="9218" name="Picture 2"/>
           <p:cNvPicPr>
             <a:picLocks noChangeAspect="1" noChangeArrowheads="1"/>
           </p:cNvPicPr>
@@ -5564,8 +7908,8 @@
         </p:blipFill>
         <p:spPr bwMode="auto">
           <a:xfrm>
-            <a:off x="3491880" y="1140804"/>
-            <a:ext cx="5577170" cy="3600000"/>
+            <a:off x="179512" y="2043096"/>
+            <a:ext cx="5119104" cy="526024"/>
           </a:xfrm>
           <a:prstGeom prst="rect">
             <a:avLst/>
@@ -5595,21 +7939,297 @@
           </a:extLst>
         </p:spPr>
       </p:pic>
+      <p:pic>
+        <p:nvPicPr>
+          <p:cNvPr id="9219" name="Picture 3"/>
+          <p:cNvPicPr>
+            <a:picLocks noChangeAspect="1" noChangeArrowheads="1"/>
+          </p:cNvPicPr>
+          <p:nvPr/>
+        </p:nvPicPr>
+        <p:blipFill>
+          <a:blip r:embed="rId3" cstate="print">
+            <a:extLst>
+              <a:ext uri="{28A0092B-C50C-407E-A947-70E740481C1C}">
+                <a14:useLocalDpi xmlns:a14="http://schemas.microsoft.com/office/drawing/2010/main" val="0"/>
+              </a:ext>
+            </a:extLst>
+          </a:blip>
+          <a:srcRect/>
+          <a:stretch>
+            <a:fillRect/>
+          </a:stretch>
+        </p:blipFill>
+        <p:spPr bwMode="auto">
+          <a:xfrm>
+            <a:off x="5496168" y="2139702"/>
+            <a:ext cx="3647832" cy="2844000"/>
+          </a:xfrm>
+          <a:prstGeom prst="rect">
+            <a:avLst/>
+          </a:prstGeom>
+          <a:noFill/>
+          <a:ln>
+            <a:noFill/>
+          </a:ln>
+          <a:extLst>
+            <a:ext uri="{909E8E84-426E-40DD-AFC4-6F175D3DCCD1}">
+              <a14:hiddenFill xmlns:a14="http://schemas.microsoft.com/office/drawing/2010/main">
+                <a:solidFill>
+                  <a:schemeClr val="accent1"/>
+                </a:solidFill>
+              </a14:hiddenFill>
+            </a:ext>
+            <a:ext uri="{91240B29-F687-4F45-9708-019B960494DF}">
+              <a14:hiddenLine xmlns:a14="http://schemas.microsoft.com/office/drawing/2010/main" w="9525">
+                <a:solidFill>
+                  <a:schemeClr val="tx1"/>
+                </a:solidFill>
+                <a:miter lim="800000"/>
+                <a:headEnd/>
+                <a:tailEnd/>
+              </a14:hiddenLine>
+            </a:ext>
+          </a:extLst>
+        </p:spPr>
+      </p:pic>
+    </p:spTree>
+    <p:extLst>
+      <p:ext uri="{BB962C8B-B14F-4D97-AF65-F5344CB8AC3E}">
+        <p14:creationId xmlns:p14="http://schemas.microsoft.com/office/powerpoint/2010/main" val="2372991584"/>
+      </p:ext>
+    </p:extLst>
+  </p:cSld>
+  <p:clrMapOvr>
+    <a:masterClrMapping/>
+  </p:clrMapOvr>
+  <p:timing>
+    <p:tnLst>
+      <p:par>
+        <p:cTn id="1" dur="indefinite" restart="never" nodeType="tmRoot"/>
+      </p:par>
+    </p:tnLst>
+  </p:timing>
+</p:sld>
+</file>
+
+<file path=ppt/slides/slide19.xml><?xml version="1.0" encoding="utf-8"?>
+<p:sld xmlns:a="http://schemas.openxmlformats.org/drawingml/2006/main" xmlns:r="http://schemas.openxmlformats.org/officeDocument/2006/relationships" xmlns:p="http://schemas.openxmlformats.org/presentationml/2006/main">
+  <p:cSld>
+    <p:spTree>
+      <p:nvGrpSpPr>
+        <p:cNvPr id="1" name=""/>
+        <p:cNvGrpSpPr/>
+        <p:nvPr/>
+      </p:nvGrpSpPr>
+      <p:grpSpPr>
+        <a:xfrm>
+          <a:off x="0" y="0"/>
+          <a:ext cx="0" cy="0"/>
+          <a:chOff x="0" y="0"/>
+          <a:chExt cx="0" cy="0"/>
+        </a:xfrm>
+      </p:grpSpPr>
+      <p:sp>
+        <p:nvSpPr>
+          <p:cNvPr id="2" name="Title 1"/>
+          <p:cNvSpPr>
+            <a:spLocks noGrp="1"/>
+          </p:cNvSpPr>
+          <p:nvPr>
+            <p:ph type="title"/>
+          </p:nvPr>
+        </p:nvSpPr>
+        <p:spPr/>
+        <p:txBody>
+          <a:bodyPr>
+            <a:normAutofit fontScale="90000"/>
+          </a:bodyPr>
+          <a:lstStyle/>
+          <a:p>
+            <a:r>
+              <a:rPr lang="fr-FR" dirty="0"/>
+              <a:t>Modélisation – </a:t>
+            </a:r>
+            <a:r>
+              <a:rPr lang="fr-FR" i="1" dirty="0"/>
+              <a:t>Gradient </a:t>
+            </a:r>
+            <a:r>
+              <a:rPr lang="fr-FR" i="1" dirty="0" err="1"/>
+              <a:t>Boosted</a:t>
+            </a:r>
+            <a:r>
+              <a:rPr lang="fr-FR" i="1" dirty="0"/>
+              <a:t> </a:t>
+            </a:r>
+            <a:r>
+              <a:rPr lang="fr-FR" i="1" dirty="0" err="1"/>
+              <a:t>Trees</a:t>
+            </a:r>
+            <a:endParaRPr lang="en-US" dirty="0"/>
+          </a:p>
+        </p:txBody>
+      </p:sp>
+      <p:sp>
+        <p:nvSpPr>
+          <p:cNvPr id="5" name="Content Placeholder 2"/>
+          <p:cNvSpPr>
+            <a:spLocks noGrp="1"/>
+          </p:cNvSpPr>
+          <p:nvPr>
+            <p:ph idx="1"/>
+          </p:nvPr>
+        </p:nvSpPr>
+        <p:spPr>
+          <a:xfrm>
+            <a:off x="457200" y="1200151"/>
+            <a:ext cx="8229600" cy="3394472"/>
+          </a:xfrm>
+        </p:spPr>
+        <p:txBody>
+          <a:bodyPr>
+            <a:normAutofit/>
+          </a:bodyPr>
+          <a:lstStyle/>
+          <a:p>
+            <a:r>
+              <a:rPr lang="fr-FR" sz="2000" dirty="0" smtClean="0"/>
+              <a:t>X:</a:t>
+            </a:r>
+            <a:r>
+              <a:rPr lang="fr-FR" sz="2000" dirty="0"/>
+              <a:t> </a:t>
+            </a:r>
+            <a:r>
+              <a:rPr lang="fr-FR" sz="2000" dirty="0" err="1"/>
+              <a:t>available_bikes</a:t>
+            </a:r>
+            <a:r>
+              <a:rPr lang="fr-FR" sz="2000" dirty="0"/>
+              <a:t> </a:t>
+            </a:r>
+            <a:r>
+              <a:rPr lang="fr-FR" sz="2000" dirty="0" smtClean="0"/>
+              <a:t>, seuil=5, prédiction à 3 heures (X=3)</a:t>
+            </a:r>
+          </a:p>
+          <a:p>
+            <a:r>
+              <a:rPr lang="fr-FR" sz="2000" dirty="0" smtClean="0"/>
+              <a:t>Adresse: 8, boulevard Saint Michel (5 stations à moins de 200m)</a:t>
+            </a:r>
+            <a:endParaRPr lang="en-US" sz="1800" dirty="0"/>
+          </a:p>
+        </p:txBody>
+      </p:sp>
+      <p:pic>
+        <p:nvPicPr>
+          <p:cNvPr id="10242" name="Picture 2"/>
+          <p:cNvPicPr>
+            <a:picLocks noChangeAspect="1" noChangeArrowheads="1"/>
+          </p:cNvPicPr>
+          <p:nvPr/>
+        </p:nvPicPr>
+        <p:blipFill>
+          <a:blip r:embed="rId2">
+            <a:extLst>
+              <a:ext uri="{28A0092B-C50C-407E-A947-70E740481C1C}">
+                <a14:useLocalDpi xmlns:a14="http://schemas.microsoft.com/office/drawing/2010/main" val="0"/>
+              </a:ext>
+            </a:extLst>
+          </a:blip>
+          <a:srcRect/>
+          <a:stretch>
+            <a:fillRect/>
+          </a:stretch>
+        </p:blipFill>
+        <p:spPr bwMode="auto">
+          <a:xfrm>
+            <a:off x="324399" y="2067694"/>
+            <a:ext cx="4968552" cy="2765391"/>
+          </a:xfrm>
+          <a:prstGeom prst="rect">
+            <a:avLst/>
+          </a:prstGeom>
+          <a:noFill/>
+          <a:ln>
+            <a:noFill/>
+          </a:ln>
+          <a:extLst>
+            <a:ext uri="{909E8E84-426E-40DD-AFC4-6F175D3DCCD1}">
+              <a14:hiddenFill xmlns:a14="http://schemas.microsoft.com/office/drawing/2010/main">
+                <a:solidFill>
+                  <a:schemeClr val="accent1"/>
+                </a:solidFill>
+              </a14:hiddenFill>
+            </a:ext>
+            <a:ext uri="{91240B29-F687-4F45-9708-019B960494DF}">
+              <a14:hiddenLine xmlns:a14="http://schemas.microsoft.com/office/drawing/2010/main" w="9525">
+                <a:solidFill>
+                  <a:schemeClr val="tx1"/>
+                </a:solidFill>
+                <a:miter lim="800000"/>
+                <a:headEnd/>
+                <a:tailEnd/>
+              </a14:hiddenLine>
+            </a:ext>
+          </a:extLst>
+        </p:spPr>
+      </p:pic>
+      <p:sp>
+        <p:nvSpPr>
+          <p:cNvPr id="10" name="TextBox 9"/>
+          <p:cNvSpPr txBox="1"/>
+          <p:nvPr/>
+        </p:nvSpPr>
+        <p:spPr>
+          <a:xfrm>
+            <a:off x="5626933" y="2644628"/>
+            <a:ext cx="3412175" cy="646331"/>
+          </a:xfrm>
+          <a:prstGeom prst="rect">
+            <a:avLst/>
+          </a:prstGeom>
+          <a:noFill/>
+          <a:ln>
+            <a:solidFill>
+              <a:srgbClr val="FF0000"/>
+            </a:solidFill>
+          </a:ln>
+        </p:spPr>
+        <p:txBody>
+          <a:bodyPr wrap="square" rtlCol="0">
+            <a:spAutoFit/>
+          </a:bodyPr>
+          <a:lstStyle/>
+          <a:p>
+            <a:r>
+              <a:rPr lang="fr-FR" dirty="0" smtClean="0"/>
+              <a:t>Optimisation du nombre d’itération par validation croisée</a:t>
+            </a:r>
+            <a:endParaRPr lang="en-US" dirty="0"/>
+          </a:p>
+        </p:txBody>
+      </p:sp>
       <p:cxnSp>
         <p:nvCxnSpPr>
-          <p:cNvPr id="5" name="Straight Arrow Connector 4"/>
-          <p:cNvCxnSpPr/>
+          <p:cNvPr id="12" name="Straight Arrow Connector 11"/>
+          <p:cNvCxnSpPr>
+            <a:stCxn id="10" idx="1"/>
+            <a:endCxn id="13" idx="3"/>
+          </p:cNvCxnSpPr>
           <p:nvPr/>
         </p:nvCxnSpPr>
         <p:spPr>
-          <a:xfrm flipH="1" flipV="1">
-            <a:off x="4932040" y="2643758"/>
-            <a:ext cx="1348425" cy="864096"/>
+          <a:xfrm flipH="1">
+            <a:off x="5292952" y="2967794"/>
+            <a:ext cx="333981" cy="0"/>
           </a:xfrm>
           <a:prstGeom prst="straightConnector1">
             <a:avLst/>
           </a:prstGeom>
-          <a:ln w="57150">
+          <a:ln>
             <a:solidFill>
               <a:srgbClr val="FF0000"/>
             </a:solidFill>
@@ -5633,44 +8253,67 @@
       </p:cxnSp>
       <p:sp>
         <p:nvSpPr>
-          <p:cNvPr id="8" name="TextBox 7"/>
-          <p:cNvSpPr txBox="1"/>
+          <p:cNvPr id="13" name="Rectangle 12"/>
+          <p:cNvSpPr/>
           <p:nvPr/>
         </p:nvSpPr>
         <p:spPr>
           <a:xfrm>
-            <a:off x="107505" y="3786594"/>
-            <a:ext cx="3312368" cy="1200329"/>
+            <a:off x="323528" y="2715766"/>
+            <a:ext cx="4969424" cy="504056"/>
           </a:xfrm>
           <a:prstGeom prst="rect">
             <a:avLst/>
           </a:prstGeom>
           <a:noFill/>
+          <a:ln>
+            <a:solidFill>
+              <a:srgbClr val="FF0000"/>
+            </a:solidFill>
+          </a:ln>
         </p:spPr>
+        <p:style>
+          <a:lnRef idx="2">
+            <a:schemeClr val="accent1">
+              <a:shade val="50000"/>
+            </a:schemeClr>
+          </a:lnRef>
+          <a:fillRef idx="1">
+            <a:schemeClr val="accent1"/>
+          </a:fillRef>
+          <a:effectRef idx="0">
+            <a:schemeClr val="accent1"/>
+          </a:effectRef>
+          <a:fontRef idx="minor">
+            <a:schemeClr val="lt1"/>
+          </a:fontRef>
+        </p:style>
         <p:txBody>
-          <a:bodyPr wrap="square" rtlCol="0">
-            <a:spAutoFit/>
-          </a:bodyPr>
+          <a:bodyPr rtlCol="0" anchor="ctr"/>
           <a:lstStyle/>
           <a:p>
-            <a:r>
-              <a:rPr lang="fr-FR" dirty="0" smtClean="0"/>
-              <a:t>(affichage en fonction du numéro du jour dans le mois, c’est pourquoi il peut y avoir plusieurs valeurs pour la même heure)</a:t>
-            </a:r>
-            <a:endParaRPr lang="en-US" dirty="0"/>
+            <a:pPr algn="ctr"/>
+            <a:endParaRPr lang="en-US"/>
           </a:p>
         </p:txBody>
       </p:sp>
     </p:spTree>
     <p:extLst>
       <p:ext uri="{BB962C8B-B14F-4D97-AF65-F5344CB8AC3E}">
-        <p14:creationId xmlns:p14="http://schemas.microsoft.com/office/powerpoint/2010/main" val="3945379847"/>
+        <p14:creationId xmlns:p14="http://schemas.microsoft.com/office/powerpoint/2010/main" val="1220128180"/>
       </p:ext>
     </p:extLst>
   </p:cSld>
   <p:clrMapOvr>
     <a:masterClrMapping/>
   </p:clrMapOvr>
+  <p:timing>
+    <p:tnLst>
+      <p:par>
+        <p:cTn id="1" dur="indefinite" restart="never" nodeType="tmRoot"/>
+      </p:par>
+    </p:tnLst>
+  </p:timing>
 </p:sld>
 </file>
 
@@ -6513,6 +9156,2552 @@
       <p:bldP spid="36" grpId="0" animBg="1"/>
     </p:bldLst>
   </p:timing>
+</p:sld>
+</file>
+
+<file path=ppt/slides/slide20.xml><?xml version="1.0" encoding="utf-8"?>
+<p:sld xmlns:a="http://schemas.openxmlformats.org/drawingml/2006/main" xmlns:r="http://schemas.openxmlformats.org/officeDocument/2006/relationships" xmlns:p="http://schemas.openxmlformats.org/presentationml/2006/main">
+  <p:cSld>
+    <p:spTree>
+      <p:nvGrpSpPr>
+        <p:cNvPr id="1" name=""/>
+        <p:cNvGrpSpPr/>
+        <p:nvPr/>
+      </p:nvGrpSpPr>
+      <p:grpSpPr>
+        <a:xfrm>
+          <a:off x="0" y="0"/>
+          <a:ext cx="0" cy="0"/>
+          <a:chOff x="0" y="0"/>
+          <a:chExt cx="0" cy="0"/>
+        </a:xfrm>
+      </p:grpSpPr>
+      <p:sp>
+        <p:nvSpPr>
+          <p:cNvPr id="2" name="Title 1"/>
+          <p:cNvSpPr>
+            <a:spLocks noGrp="1"/>
+          </p:cNvSpPr>
+          <p:nvPr>
+            <p:ph type="title"/>
+          </p:nvPr>
+        </p:nvSpPr>
+        <p:spPr/>
+        <p:txBody>
+          <a:bodyPr>
+            <a:normAutofit fontScale="90000"/>
+          </a:bodyPr>
+          <a:lstStyle/>
+          <a:p>
+            <a:r>
+              <a:rPr lang="fr-FR" dirty="0"/>
+              <a:t>Modélisation – </a:t>
+            </a:r>
+            <a:r>
+              <a:rPr lang="fr-FR" i="1" dirty="0"/>
+              <a:t>Gradient </a:t>
+            </a:r>
+            <a:r>
+              <a:rPr lang="fr-FR" i="1" dirty="0" err="1"/>
+              <a:t>Boosted</a:t>
+            </a:r>
+            <a:r>
+              <a:rPr lang="fr-FR" i="1" dirty="0"/>
+              <a:t> </a:t>
+            </a:r>
+            <a:r>
+              <a:rPr lang="fr-FR" i="1" dirty="0" err="1"/>
+              <a:t>Trees</a:t>
+            </a:r>
+            <a:endParaRPr lang="en-US" dirty="0"/>
+          </a:p>
+        </p:txBody>
+      </p:sp>
+      <p:sp>
+        <p:nvSpPr>
+          <p:cNvPr id="5" name="Content Placeholder 2"/>
+          <p:cNvSpPr>
+            <a:spLocks noGrp="1"/>
+          </p:cNvSpPr>
+          <p:nvPr>
+            <p:ph idx="1"/>
+          </p:nvPr>
+        </p:nvSpPr>
+        <p:spPr>
+          <a:xfrm>
+            <a:off x="457200" y="1200151"/>
+            <a:ext cx="8229600" cy="3394472"/>
+          </a:xfrm>
+        </p:spPr>
+        <p:txBody>
+          <a:bodyPr>
+            <a:normAutofit/>
+          </a:bodyPr>
+          <a:lstStyle/>
+          <a:p>
+            <a:r>
+              <a:rPr lang="fr-FR" sz="2000" dirty="0" smtClean="0"/>
+              <a:t>X:</a:t>
+            </a:r>
+            <a:r>
+              <a:rPr lang="fr-FR" sz="2000" dirty="0"/>
+              <a:t> </a:t>
+            </a:r>
+            <a:r>
+              <a:rPr lang="fr-FR" sz="2000" dirty="0" err="1"/>
+              <a:t>available_bikes</a:t>
+            </a:r>
+            <a:r>
+              <a:rPr lang="fr-FR" sz="2000" dirty="0"/>
+              <a:t> </a:t>
+            </a:r>
+            <a:r>
+              <a:rPr lang="fr-FR" sz="2000" dirty="0" smtClean="0"/>
+              <a:t>, seuil=5, prédiction à 3 heures (X=3)</a:t>
+            </a:r>
+          </a:p>
+          <a:p>
+            <a:r>
+              <a:rPr lang="fr-FR" sz="2000" dirty="0" smtClean="0"/>
+              <a:t>Adresse: 8, boulevard Saint Michel (5 stations à moins de 200m)</a:t>
+            </a:r>
+            <a:endParaRPr lang="en-US" sz="1800" dirty="0"/>
+          </a:p>
+        </p:txBody>
+      </p:sp>
+      <p:graphicFrame>
+        <p:nvGraphicFramePr>
+          <p:cNvPr id="9" name="Table 8"/>
+          <p:cNvGraphicFramePr>
+            <a:graphicFrameLocks noGrp="1"/>
+          </p:cNvGraphicFramePr>
+          <p:nvPr>
+            <p:extLst>
+              <p:ext uri="{D42A27DB-BD31-4B8C-83A1-F6EECF244321}">
+                <p14:modId xmlns:p14="http://schemas.microsoft.com/office/powerpoint/2010/main" val="569722783"/>
+              </p:ext>
+            </p:extLst>
+          </p:nvPr>
+        </p:nvGraphicFramePr>
+        <p:xfrm>
+          <a:off x="177089" y="3817454"/>
+          <a:ext cx="2522424" cy="1168400"/>
+        </p:xfrm>
+        <a:graphic>
+          <a:graphicData uri="http://schemas.openxmlformats.org/drawingml/2006/table">
+            <a:tbl>
+              <a:tblPr firstRow="1" bandRow="1">
+                <a:tableStyleId>{5C22544A-7EE6-4342-B048-85BDC9FD1C3A}</a:tableStyleId>
+              </a:tblPr>
+              <a:tblGrid>
+                <a:gridCol w="840808"/>
+                <a:gridCol w="840808"/>
+                <a:gridCol w="840808"/>
+              </a:tblGrid>
+              <a:tr h="370840">
+                <a:tc>
+                  <a:txBody>
+                    <a:bodyPr/>
+                    <a:lstStyle/>
+                    <a:p>
+                      <a:pPr algn="ctr"/>
+                      <a:r>
+                        <a:rPr lang="fr-FR" sz="1100" dirty="0" smtClean="0"/>
+                        <a:t>apprentissage</a:t>
+                      </a:r>
+                      <a:endParaRPr lang="en-US" sz="1100" dirty="0"/>
+                    </a:p>
+                  </a:txBody>
+                  <a:tcPr anchor="ctr"/>
+                </a:tc>
+                <a:tc>
+                  <a:txBody>
+                    <a:bodyPr/>
+                    <a:lstStyle/>
+                    <a:p>
+                      <a:pPr algn="ctr"/>
+                      <a:r>
+                        <a:rPr lang="fr-FR" sz="1100" dirty="0" smtClean="0"/>
+                        <a:t>Prédiction 0</a:t>
+                      </a:r>
+                      <a:endParaRPr lang="en-US" sz="1100" dirty="0"/>
+                    </a:p>
+                  </a:txBody>
+                  <a:tcPr anchor="ctr"/>
+                </a:tc>
+                <a:tc>
+                  <a:txBody>
+                    <a:bodyPr/>
+                    <a:lstStyle/>
+                    <a:p>
+                      <a:pPr algn="ctr"/>
+                      <a:r>
+                        <a:rPr lang="fr-FR" sz="1100" dirty="0" smtClean="0"/>
+                        <a:t>Prédiction 1</a:t>
+                      </a:r>
+                      <a:endParaRPr lang="en-US" sz="1100" dirty="0"/>
+                    </a:p>
+                  </a:txBody>
+                  <a:tcPr anchor="ctr"/>
+                </a:tc>
+              </a:tr>
+              <a:tr h="370840">
+                <a:tc>
+                  <a:txBody>
+                    <a:bodyPr/>
+                    <a:lstStyle/>
+                    <a:p>
+                      <a:pPr algn="ctr"/>
+                      <a:r>
+                        <a:rPr lang="fr-FR" sz="1100" dirty="0" smtClean="0"/>
+                        <a:t>Vrai</a:t>
+                      </a:r>
+                      <a:r>
+                        <a:rPr lang="fr-FR" sz="1100" baseline="0" dirty="0" smtClean="0"/>
+                        <a:t> 0</a:t>
+                      </a:r>
+                      <a:endParaRPr lang="en-US" sz="1100" dirty="0"/>
+                    </a:p>
+                  </a:txBody>
+                  <a:tcPr anchor="ctr"/>
+                </a:tc>
+                <a:tc>
+                  <a:txBody>
+                    <a:bodyPr/>
+                    <a:lstStyle/>
+                    <a:p>
+                      <a:pPr algn="ctr"/>
+                      <a:r>
+                        <a:rPr lang="fr-FR" sz="1100" dirty="0" smtClean="0"/>
+                        <a:t>533</a:t>
+                      </a:r>
+                      <a:endParaRPr lang="en-US" sz="1100" dirty="0"/>
+                    </a:p>
+                  </a:txBody>
+                  <a:tcPr anchor="ctr"/>
+                </a:tc>
+                <a:tc>
+                  <a:txBody>
+                    <a:bodyPr/>
+                    <a:lstStyle/>
+                    <a:p>
+                      <a:pPr algn="ctr"/>
+                      <a:r>
+                        <a:rPr lang="fr-FR" sz="1100" dirty="0" smtClean="0"/>
+                        <a:t>0</a:t>
+                      </a:r>
+                      <a:endParaRPr lang="en-US" sz="1100" dirty="0"/>
+                    </a:p>
+                  </a:txBody>
+                  <a:tcPr anchor="ctr"/>
+                </a:tc>
+              </a:tr>
+              <a:tr h="370840">
+                <a:tc>
+                  <a:txBody>
+                    <a:bodyPr/>
+                    <a:lstStyle/>
+                    <a:p>
+                      <a:pPr algn="ctr"/>
+                      <a:r>
+                        <a:rPr lang="fr-FR" sz="1100" dirty="0" smtClean="0"/>
+                        <a:t>Vrai 1</a:t>
+                      </a:r>
+                      <a:endParaRPr lang="en-US" sz="1100" dirty="0"/>
+                    </a:p>
+                  </a:txBody>
+                  <a:tcPr anchor="ctr"/>
+                </a:tc>
+                <a:tc>
+                  <a:txBody>
+                    <a:bodyPr/>
+                    <a:lstStyle/>
+                    <a:p>
+                      <a:pPr algn="ctr"/>
+                      <a:r>
+                        <a:rPr lang="fr-FR" sz="1100" dirty="0" smtClean="0"/>
+                        <a:t>0</a:t>
+                      </a:r>
+                      <a:endParaRPr lang="en-US" sz="1100" dirty="0"/>
+                    </a:p>
+                  </a:txBody>
+                  <a:tcPr anchor="ctr"/>
+                </a:tc>
+                <a:tc>
+                  <a:txBody>
+                    <a:bodyPr/>
+                    <a:lstStyle/>
+                    <a:p>
+                      <a:pPr algn="ctr"/>
+                      <a:r>
+                        <a:rPr lang="fr-FR" sz="1100" dirty="0" smtClean="0"/>
+                        <a:t>3199</a:t>
+                      </a:r>
+                      <a:endParaRPr lang="fr-FR" sz="1100" dirty="0" smtClean="0"/>
+                    </a:p>
+                  </a:txBody>
+                  <a:tcPr anchor="ctr"/>
+                </a:tc>
+              </a:tr>
+            </a:tbl>
+          </a:graphicData>
+        </a:graphic>
+      </p:graphicFrame>
+      <p:graphicFrame>
+        <p:nvGraphicFramePr>
+          <p:cNvPr id="11" name="Table 10"/>
+          <p:cNvGraphicFramePr>
+            <a:graphicFrameLocks noGrp="1"/>
+          </p:cNvGraphicFramePr>
+          <p:nvPr>
+            <p:extLst>
+              <p:ext uri="{D42A27DB-BD31-4B8C-83A1-F6EECF244321}">
+                <p14:modId xmlns:p14="http://schemas.microsoft.com/office/powerpoint/2010/main" val="1701530890"/>
+              </p:ext>
+            </p:extLst>
+          </p:nvPr>
+        </p:nvGraphicFramePr>
+        <p:xfrm>
+          <a:off x="2771800" y="3817454"/>
+          <a:ext cx="2447712" cy="1168400"/>
+        </p:xfrm>
+        <a:graphic>
+          <a:graphicData uri="http://schemas.openxmlformats.org/drawingml/2006/table">
+            <a:tbl>
+              <a:tblPr firstRow="1" bandRow="1">
+                <a:tableStyleId>{5C22544A-7EE6-4342-B048-85BDC9FD1C3A}</a:tableStyleId>
+              </a:tblPr>
+              <a:tblGrid>
+                <a:gridCol w="815904"/>
+                <a:gridCol w="815904"/>
+                <a:gridCol w="815904"/>
+              </a:tblGrid>
+              <a:tr h="370840">
+                <a:tc>
+                  <a:txBody>
+                    <a:bodyPr/>
+                    <a:lstStyle/>
+                    <a:p>
+                      <a:pPr algn="ctr"/>
+                      <a:r>
+                        <a:rPr lang="fr-FR" sz="1100" dirty="0" smtClean="0"/>
+                        <a:t>test</a:t>
+                      </a:r>
+                      <a:endParaRPr lang="en-US" sz="1100" dirty="0"/>
+                    </a:p>
+                  </a:txBody>
+                  <a:tcPr anchor="ctr"/>
+                </a:tc>
+                <a:tc>
+                  <a:txBody>
+                    <a:bodyPr/>
+                    <a:lstStyle/>
+                    <a:p>
+                      <a:pPr algn="ctr"/>
+                      <a:r>
+                        <a:rPr lang="fr-FR" sz="1100" dirty="0" smtClean="0"/>
+                        <a:t>Prédiction 0</a:t>
+                      </a:r>
+                      <a:endParaRPr lang="en-US" sz="1100" dirty="0"/>
+                    </a:p>
+                  </a:txBody>
+                  <a:tcPr anchor="ctr"/>
+                </a:tc>
+                <a:tc>
+                  <a:txBody>
+                    <a:bodyPr/>
+                    <a:lstStyle/>
+                    <a:p>
+                      <a:pPr algn="ctr"/>
+                      <a:r>
+                        <a:rPr lang="fr-FR" sz="1100" dirty="0" smtClean="0"/>
+                        <a:t>Prédiction 1</a:t>
+                      </a:r>
+                      <a:endParaRPr lang="en-US" sz="1100" dirty="0"/>
+                    </a:p>
+                  </a:txBody>
+                  <a:tcPr anchor="ctr"/>
+                </a:tc>
+              </a:tr>
+              <a:tr h="370840">
+                <a:tc>
+                  <a:txBody>
+                    <a:bodyPr/>
+                    <a:lstStyle/>
+                    <a:p>
+                      <a:pPr algn="ctr"/>
+                      <a:r>
+                        <a:rPr lang="fr-FR" sz="1100" dirty="0" smtClean="0"/>
+                        <a:t>Vrai</a:t>
+                      </a:r>
+                      <a:r>
+                        <a:rPr lang="fr-FR" sz="1100" baseline="0" dirty="0" smtClean="0"/>
+                        <a:t> 0</a:t>
+                      </a:r>
+                      <a:endParaRPr lang="en-US" sz="1100" dirty="0"/>
+                    </a:p>
+                  </a:txBody>
+                  <a:tcPr anchor="ctr"/>
+                </a:tc>
+                <a:tc>
+                  <a:txBody>
+                    <a:bodyPr/>
+                    <a:lstStyle/>
+                    <a:p>
+                      <a:pPr algn="ctr"/>
+                      <a:r>
+                        <a:rPr lang="fr-FR" sz="1100" dirty="0" smtClean="0"/>
+                        <a:t>463</a:t>
+                      </a:r>
+                      <a:endParaRPr lang="en-US" sz="1100" dirty="0"/>
+                    </a:p>
+                  </a:txBody>
+                  <a:tcPr anchor="ctr"/>
+                </a:tc>
+                <a:tc>
+                  <a:txBody>
+                    <a:bodyPr/>
+                    <a:lstStyle/>
+                    <a:p>
+                      <a:pPr algn="ctr"/>
+                      <a:r>
+                        <a:rPr lang="fr-FR" sz="1100" dirty="0" smtClean="0"/>
+                        <a:t>35</a:t>
+                      </a:r>
+                      <a:endParaRPr lang="en-US" sz="1100" dirty="0"/>
+                    </a:p>
+                  </a:txBody>
+                  <a:tcPr anchor="ctr"/>
+                </a:tc>
+              </a:tr>
+              <a:tr h="370840">
+                <a:tc>
+                  <a:txBody>
+                    <a:bodyPr/>
+                    <a:lstStyle/>
+                    <a:p>
+                      <a:pPr algn="ctr"/>
+                      <a:r>
+                        <a:rPr lang="fr-FR" sz="1100" dirty="0" smtClean="0"/>
+                        <a:t>Vrai 1</a:t>
+                      </a:r>
+                      <a:endParaRPr lang="en-US" sz="1100" dirty="0"/>
+                    </a:p>
+                  </a:txBody>
+                  <a:tcPr anchor="ctr"/>
+                </a:tc>
+                <a:tc>
+                  <a:txBody>
+                    <a:bodyPr/>
+                    <a:lstStyle/>
+                    <a:p>
+                      <a:pPr algn="ctr"/>
+                      <a:r>
+                        <a:rPr lang="fr-FR" sz="1100" dirty="0" smtClean="0"/>
+                        <a:t>37</a:t>
+                      </a:r>
+                      <a:endParaRPr lang="en-US" sz="1100" dirty="0"/>
+                    </a:p>
+                  </a:txBody>
+                  <a:tcPr anchor="ctr"/>
+                </a:tc>
+                <a:tc>
+                  <a:txBody>
+                    <a:bodyPr/>
+                    <a:lstStyle/>
+                    <a:p>
+                      <a:pPr algn="ctr"/>
+                      <a:r>
+                        <a:rPr lang="fr-FR" sz="1100" dirty="0" smtClean="0"/>
+                        <a:t>3197</a:t>
+                      </a:r>
+                      <a:endParaRPr lang="fr-FR" sz="1100" dirty="0" smtClean="0"/>
+                    </a:p>
+                  </a:txBody>
+                  <a:tcPr anchor="ctr"/>
+                </a:tc>
+              </a:tr>
+            </a:tbl>
+          </a:graphicData>
+        </a:graphic>
+      </p:graphicFrame>
+      <p:pic>
+        <p:nvPicPr>
+          <p:cNvPr id="11266" name="Picture 2"/>
+          <p:cNvPicPr>
+            <a:picLocks noChangeAspect="1" noChangeArrowheads="1"/>
+          </p:cNvPicPr>
+          <p:nvPr/>
+        </p:nvPicPr>
+        <p:blipFill>
+          <a:blip r:embed="rId2" cstate="print">
+            <a:extLst>
+              <a:ext uri="{28A0092B-C50C-407E-A947-70E740481C1C}">
+                <a14:useLocalDpi xmlns:a14="http://schemas.microsoft.com/office/drawing/2010/main" val="0"/>
+              </a:ext>
+            </a:extLst>
+          </a:blip>
+          <a:srcRect/>
+          <a:stretch>
+            <a:fillRect/>
+          </a:stretch>
+        </p:blipFill>
+        <p:spPr bwMode="auto">
+          <a:xfrm>
+            <a:off x="5496168" y="2067694"/>
+            <a:ext cx="3647832" cy="2844000"/>
+          </a:xfrm>
+          <a:prstGeom prst="rect">
+            <a:avLst/>
+          </a:prstGeom>
+          <a:noFill/>
+          <a:ln>
+            <a:noFill/>
+          </a:ln>
+          <a:extLst>
+            <a:ext uri="{909E8E84-426E-40DD-AFC4-6F175D3DCCD1}">
+              <a14:hiddenFill xmlns:a14="http://schemas.microsoft.com/office/drawing/2010/main">
+                <a:solidFill>
+                  <a:schemeClr val="accent1"/>
+                </a:solidFill>
+              </a14:hiddenFill>
+            </a:ext>
+            <a:ext uri="{91240B29-F687-4F45-9708-019B960494DF}">
+              <a14:hiddenLine xmlns:a14="http://schemas.microsoft.com/office/drawing/2010/main" w="9525">
+                <a:solidFill>
+                  <a:schemeClr val="tx1"/>
+                </a:solidFill>
+                <a:miter lim="800000"/>
+                <a:headEnd/>
+                <a:tailEnd/>
+              </a14:hiddenLine>
+            </a:ext>
+          </a:extLst>
+        </p:spPr>
+      </p:pic>
+      <p:pic>
+        <p:nvPicPr>
+          <p:cNvPr id="11267" name="Picture 3"/>
+          <p:cNvPicPr>
+            <a:picLocks noChangeAspect="1" noChangeArrowheads="1"/>
+          </p:cNvPicPr>
+          <p:nvPr/>
+        </p:nvPicPr>
+        <p:blipFill>
+          <a:blip r:embed="rId3" cstate="print">
+            <a:extLst>
+              <a:ext uri="{28A0092B-C50C-407E-A947-70E740481C1C}">
+                <a14:useLocalDpi xmlns:a14="http://schemas.microsoft.com/office/drawing/2010/main" val="0"/>
+              </a:ext>
+            </a:extLst>
+          </a:blip>
+          <a:srcRect/>
+          <a:stretch>
+            <a:fillRect/>
+          </a:stretch>
+        </p:blipFill>
+        <p:spPr bwMode="auto">
+          <a:xfrm>
+            <a:off x="5496168" y="2211710"/>
+            <a:ext cx="3647832" cy="2844000"/>
+          </a:xfrm>
+          <a:prstGeom prst="rect">
+            <a:avLst/>
+          </a:prstGeom>
+          <a:noFill/>
+          <a:ln>
+            <a:noFill/>
+          </a:ln>
+          <a:extLst>
+            <a:ext uri="{909E8E84-426E-40DD-AFC4-6F175D3DCCD1}">
+              <a14:hiddenFill xmlns:a14="http://schemas.microsoft.com/office/drawing/2010/main">
+                <a:solidFill>
+                  <a:schemeClr val="accent1"/>
+                </a:solidFill>
+              </a14:hiddenFill>
+            </a:ext>
+            <a:ext uri="{91240B29-F687-4F45-9708-019B960494DF}">
+              <a14:hiddenLine xmlns:a14="http://schemas.microsoft.com/office/drawing/2010/main" w="9525">
+                <a:solidFill>
+                  <a:schemeClr val="tx1"/>
+                </a:solidFill>
+                <a:miter lim="800000"/>
+                <a:headEnd/>
+                <a:tailEnd/>
+              </a14:hiddenLine>
+            </a:ext>
+          </a:extLst>
+        </p:spPr>
+      </p:pic>
+      <p:pic>
+        <p:nvPicPr>
+          <p:cNvPr id="11268" name="Picture 4"/>
+          <p:cNvPicPr>
+            <a:picLocks noChangeAspect="1" noChangeArrowheads="1"/>
+          </p:cNvPicPr>
+          <p:nvPr/>
+        </p:nvPicPr>
+        <p:blipFill>
+          <a:blip r:embed="rId4">
+            <a:extLst>
+              <a:ext uri="{28A0092B-C50C-407E-A947-70E740481C1C}">
+                <a14:useLocalDpi xmlns:a14="http://schemas.microsoft.com/office/drawing/2010/main" val="0"/>
+              </a:ext>
+            </a:extLst>
+          </a:blip>
+          <a:srcRect/>
+          <a:stretch>
+            <a:fillRect/>
+          </a:stretch>
+        </p:blipFill>
+        <p:spPr bwMode="auto">
+          <a:xfrm>
+            <a:off x="179513" y="1995686"/>
+            <a:ext cx="5040560" cy="591587"/>
+          </a:xfrm>
+          <a:prstGeom prst="rect">
+            <a:avLst/>
+          </a:prstGeom>
+          <a:noFill/>
+          <a:ln>
+            <a:noFill/>
+          </a:ln>
+          <a:extLst>
+            <a:ext uri="{909E8E84-426E-40DD-AFC4-6F175D3DCCD1}">
+              <a14:hiddenFill xmlns:a14="http://schemas.microsoft.com/office/drawing/2010/main">
+                <a:solidFill>
+                  <a:schemeClr val="accent1"/>
+                </a:solidFill>
+              </a14:hiddenFill>
+            </a:ext>
+            <a:ext uri="{91240B29-F687-4F45-9708-019B960494DF}">
+              <a14:hiddenLine xmlns:a14="http://schemas.microsoft.com/office/drawing/2010/main" w="9525">
+                <a:solidFill>
+                  <a:schemeClr val="tx1"/>
+                </a:solidFill>
+                <a:miter lim="800000"/>
+                <a:headEnd/>
+                <a:tailEnd/>
+              </a14:hiddenLine>
+            </a:ext>
+          </a:extLst>
+        </p:spPr>
+      </p:pic>
+    </p:spTree>
+    <p:extLst>
+      <p:ext uri="{BB962C8B-B14F-4D97-AF65-F5344CB8AC3E}">
+        <p14:creationId xmlns:p14="http://schemas.microsoft.com/office/powerpoint/2010/main" val="2678720002"/>
+      </p:ext>
+    </p:extLst>
+  </p:cSld>
+  <p:clrMapOvr>
+    <a:masterClrMapping/>
+  </p:clrMapOvr>
+  <p:timing>
+    <p:tnLst>
+      <p:par>
+        <p:cTn id="1" dur="indefinite" restart="never" nodeType="tmRoot"/>
+      </p:par>
+    </p:tnLst>
+  </p:timing>
+</p:sld>
+</file>
+
+<file path=ppt/slides/slide21.xml><?xml version="1.0" encoding="utf-8"?>
+<p:sld xmlns:a="http://schemas.openxmlformats.org/drawingml/2006/main" xmlns:r="http://schemas.openxmlformats.org/officeDocument/2006/relationships" xmlns:p="http://schemas.openxmlformats.org/presentationml/2006/main">
+  <p:cSld>
+    <p:spTree>
+      <p:nvGrpSpPr>
+        <p:cNvPr id="1" name=""/>
+        <p:cNvGrpSpPr/>
+        <p:nvPr/>
+      </p:nvGrpSpPr>
+      <p:grpSpPr>
+        <a:xfrm>
+          <a:off x="0" y="0"/>
+          <a:ext cx="0" cy="0"/>
+          <a:chOff x="0" y="0"/>
+          <a:chExt cx="0" cy="0"/>
+        </a:xfrm>
+      </p:grpSpPr>
+      <p:sp>
+        <p:nvSpPr>
+          <p:cNvPr id="2" name="Title 1"/>
+          <p:cNvSpPr>
+            <a:spLocks noGrp="1"/>
+          </p:cNvSpPr>
+          <p:nvPr>
+            <p:ph type="title"/>
+          </p:nvPr>
+        </p:nvSpPr>
+        <p:spPr/>
+        <p:txBody>
+          <a:bodyPr/>
+          <a:lstStyle/>
+          <a:p>
+            <a:r>
+              <a:rPr lang="fr-FR" dirty="0" smtClean="0"/>
+              <a:t>Prédictions</a:t>
+            </a:r>
+            <a:endParaRPr lang="en-US" dirty="0"/>
+          </a:p>
+        </p:txBody>
+      </p:sp>
+      <p:sp>
+        <p:nvSpPr>
+          <p:cNvPr id="3" name="Content Placeholder 2"/>
+          <p:cNvSpPr>
+            <a:spLocks noGrp="1"/>
+          </p:cNvSpPr>
+          <p:nvPr>
+            <p:ph idx="1"/>
+          </p:nvPr>
+        </p:nvSpPr>
+        <p:spPr>
+          <a:xfrm>
+            <a:off x="457200" y="987574"/>
+            <a:ext cx="8229600" cy="3394472"/>
+          </a:xfrm>
+        </p:spPr>
+        <p:txBody>
+          <a:bodyPr/>
+          <a:lstStyle/>
+          <a:p>
+            <a:r>
+              <a:rPr lang="fr-FR" dirty="0" smtClean="0"/>
+              <a:t>On évalue les modèles sur les données post</a:t>
+            </a:r>
+          </a:p>
+          <a:p>
+            <a:pPr lvl="1"/>
+            <a:r>
+              <a:rPr lang="fr-FR" sz="1800" dirty="0" smtClean="0"/>
+              <a:t>Données pré: &lt; 2016/10/13 à 8h</a:t>
+            </a:r>
+          </a:p>
+          <a:p>
+            <a:pPr lvl="1"/>
+            <a:r>
+              <a:rPr lang="fr-FR" sz="1800" dirty="0"/>
+              <a:t>Données </a:t>
+            </a:r>
+            <a:r>
+              <a:rPr lang="fr-FR" sz="1800" dirty="0" smtClean="0"/>
+              <a:t>post: &gt; </a:t>
+            </a:r>
+            <a:r>
+              <a:rPr lang="fr-FR" sz="1800" dirty="0"/>
+              <a:t>2016/10/13 à </a:t>
+            </a:r>
+            <a:r>
+              <a:rPr lang="fr-FR" sz="1800" dirty="0" smtClean="0"/>
+              <a:t>8h    (&lt;2016/12/31)</a:t>
+            </a:r>
+            <a:endParaRPr lang="fr-FR" sz="1800" dirty="0"/>
+          </a:p>
+          <a:p>
+            <a:pPr lvl="1"/>
+            <a:endParaRPr lang="fr-FR" dirty="0" smtClean="0"/>
+          </a:p>
+          <a:p>
+            <a:pPr marL="0" indent="0">
+              <a:buNone/>
+            </a:pPr>
+            <a:endParaRPr lang="fr-FR" dirty="0" smtClean="0"/>
+          </a:p>
+          <a:p>
+            <a:pPr marL="0" indent="0">
+              <a:buNone/>
+            </a:pPr>
+            <a:endParaRPr lang="en-US" dirty="0"/>
+          </a:p>
+        </p:txBody>
+      </p:sp>
+      <p:graphicFrame>
+        <p:nvGraphicFramePr>
+          <p:cNvPr id="4" name="Table 3"/>
+          <p:cNvGraphicFramePr>
+            <a:graphicFrameLocks noGrp="1"/>
+          </p:cNvGraphicFramePr>
+          <p:nvPr>
+            <p:extLst>
+              <p:ext uri="{D42A27DB-BD31-4B8C-83A1-F6EECF244321}">
+                <p14:modId xmlns:p14="http://schemas.microsoft.com/office/powerpoint/2010/main" val="3262073588"/>
+              </p:ext>
+            </p:extLst>
+          </p:nvPr>
+        </p:nvGraphicFramePr>
+        <p:xfrm>
+          <a:off x="683568" y="3651870"/>
+          <a:ext cx="2447712" cy="1168400"/>
+        </p:xfrm>
+        <a:graphic>
+          <a:graphicData uri="http://schemas.openxmlformats.org/drawingml/2006/table">
+            <a:tbl>
+              <a:tblPr firstRow="1" bandRow="1">
+                <a:tableStyleId>{5C22544A-7EE6-4342-B048-85BDC9FD1C3A}</a:tableStyleId>
+              </a:tblPr>
+              <a:tblGrid>
+                <a:gridCol w="815904"/>
+                <a:gridCol w="815904"/>
+                <a:gridCol w="815904"/>
+              </a:tblGrid>
+              <a:tr h="370840">
+                <a:tc>
+                  <a:txBody>
+                    <a:bodyPr/>
+                    <a:lstStyle/>
+                    <a:p>
+                      <a:pPr algn="ctr"/>
+                      <a:r>
+                        <a:rPr lang="fr-FR" sz="1100" dirty="0" smtClean="0"/>
+                        <a:t>test</a:t>
+                      </a:r>
+                      <a:endParaRPr lang="en-US" sz="1100" dirty="0"/>
+                    </a:p>
+                  </a:txBody>
+                  <a:tcPr anchor="ctr"/>
+                </a:tc>
+                <a:tc>
+                  <a:txBody>
+                    <a:bodyPr/>
+                    <a:lstStyle/>
+                    <a:p>
+                      <a:pPr algn="ctr"/>
+                      <a:r>
+                        <a:rPr lang="fr-FR" sz="1100" dirty="0" smtClean="0"/>
+                        <a:t>Prédiction 0</a:t>
+                      </a:r>
+                      <a:endParaRPr lang="en-US" sz="1100" dirty="0"/>
+                    </a:p>
+                  </a:txBody>
+                  <a:tcPr anchor="ctr"/>
+                </a:tc>
+                <a:tc>
+                  <a:txBody>
+                    <a:bodyPr/>
+                    <a:lstStyle/>
+                    <a:p>
+                      <a:pPr algn="ctr"/>
+                      <a:r>
+                        <a:rPr lang="fr-FR" sz="1100" dirty="0" smtClean="0"/>
+                        <a:t>Prédiction 1</a:t>
+                      </a:r>
+                      <a:endParaRPr lang="en-US" sz="1100" dirty="0"/>
+                    </a:p>
+                  </a:txBody>
+                  <a:tcPr anchor="ctr"/>
+                </a:tc>
+              </a:tr>
+              <a:tr h="370840">
+                <a:tc>
+                  <a:txBody>
+                    <a:bodyPr/>
+                    <a:lstStyle/>
+                    <a:p>
+                      <a:pPr algn="ctr"/>
+                      <a:r>
+                        <a:rPr lang="fr-FR" sz="1100" dirty="0" smtClean="0"/>
+                        <a:t>Vrai</a:t>
+                      </a:r>
+                      <a:r>
+                        <a:rPr lang="fr-FR" sz="1100" baseline="0" dirty="0" smtClean="0"/>
+                        <a:t> 0</a:t>
+                      </a:r>
+                      <a:endParaRPr lang="en-US" sz="1100" dirty="0"/>
+                    </a:p>
+                  </a:txBody>
+                  <a:tcPr anchor="ctr"/>
+                </a:tc>
+                <a:tc>
+                  <a:txBody>
+                    <a:bodyPr/>
+                    <a:lstStyle/>
+                    <a:p>
+                      <a:pPr algn="ctr"/>
+                      <a:r>
+                        <a:rPr lang="fr-FR" sz="1100" dirty="0" smtClean="0"/>
+                        <a:t>261</a:t>
+                      </a:r>
+                      <a:endParaRPr lang="en-US" sz="1100" dirty="0"/>
+                    </a:p>
+                  </a:txBody>
+                  <a:tcPr anchor="ctr"/>
+                </a:tc>
+                <a:tc>
+                  <a:txBody>
+                    <a:bodyPr/>
+                    <a:lstStyle/>
+                    <a:p>
+                      <a:pPr algn="ctr"/>
+                      <a:r>
+                        <a:rPr lang="fr-FR" sz="1100" dirty="0" smtClean="0"/>
+                        <a:t>192</a:t>
+                      </a:r>
+                      <a:endParaRPr lang="en-US" sz="1100" dirty="0"/>
+                    </a:p>
+                  </a:txBody>
+                  <a:tcPr anchor="ctr"/>
+                </a:tc>
+              </a:tr>
+              <a:tr h="370840">
+                <a:tc>
+                  <a:txBody>
+                    <a:bodyPr/>
+                    <a:lstStyle/>
+                    <a:p>
+                      <a:pPr algn="ctr"/>
+                      <a:r>
+                        <a:rPr lang="fr-FR" sz="1100" dirty="0" smtClean="0"/>
+                        <a:t>Vrai 1</a:t>
+                      </a:r>
+                      <a:endParaRPr lang="en-US" sz="1100" dirty="0"/>
+                    </a:p>
+                  </a:txBody>
+                  <a:tcPr anchor="ctr"/>
+                </a:tc>
+                <a:tc>
+                  <a:txBody>
+                    <a:bodyPr/>
+                    <a:lstStyle/>
+                    <a:p>
+                      <a:pPr algn="ctr"/>
+                      <a:r>
+                        <a:rPr lang="fr-FR" sz="1100" dirty="0" smtClean="0"/>
+                        <a:t>65</a:t>
+                      </a:r>
+                      <a:endParaRPr lang="en-US" sz="1100" dirty="0"/>
+                    </a:p>
+                  </a:txBody>
+                  <a:tcPr anchor="ctr"/>
+                </a:tc>
+                <a:tc>
+                  <a:txBody>
+                    <a:bodyPr/>
+                    <a:lstStyle/>
+                    <a:p>
+                      <a:pPr algn="ctr"/>
+                      <a:r>
+                        <a:rPr lang="fr-FR" sz="1100" dirty="0" smtClean="0"/>
+                        <a:t>2217</a:t>
+                      </a:r>
+                      <a:endParaRPr lang="fr-FR" sz="1100" dirty="0" smtClean="0"/>
+                    </a:p>
+                  </a:txBody>
+                  <a:tcPr anchor="ctr"/>
+                </a:tc>
+              </a:tr>
+            </a:tbl>
+          </a:graphicData>
+        </a:graphic>
+      </p:graphicFrame>
+      <p:graphicFrame>
+        <p:nvGraphicFramePr>
+          <p:cNvPr id="5" name="Table 4"/>
+          <p:cNvGraphicFramePr>
+            <a:graphicFrameLocks noGrp="1"/>
+          </p:cNvGraphicFramePr>
+          <p:nvPr>
+            <p:extLst>
+              <p:ext uri="{D42A27DB-BD31-4B8C-83A1-F6EECF244321}">
+                <p14:modId xmlns:p14="http://schemas.microsoft.com/office/powerpoint/2010/main" val="73012945"/>
+              </p:ext>
+            </p:extLst>
+          </p:nvPr>
+        </p:nvGraphicFramePr>
+        <p:xfrm>
+          <a:off x="3275856" y="3651870"/>
+          <a:ext cx="2447712" cy="1168400"/>
+        </p:xfrm>
+        <a:graphic>
+          <a:graphicData uri="http://schemas.openxmlformats.org/drawingml/2006/table">
+            <a:tbl>
+              <a:tblPr firstRow="1" bandRow="1">
+                <a:tableStyleId>{5C22544A-7EE6-4342-B048-85BDC9FD1C3A}</a:tableStyleId>
+              </a:tblPr>
+              <a:tblGrid>
+                <a:gridCol w="815904"/>
+                <a:gridCol w="815904"/>
+                <a:gridCol w="815904"/>
+              </a:tblGrid>
+              <a:tr h="370840">
+                <a:tc>
+                  <a:txBody>
+                    <a:bodyPr/>
+                    <a:lstStyle/>
+                    <a:p>
+                      <a:pPr algn="ctr"/>
+                      <a:r>
+                        <a:rPr lang="fr-FR" sz="1100" dirty="0" smtClean="0"/>
+                        <a:t>test</a:t>
+                      </a:r>
+                      <a:endParaRPr lang="en-US" sz="1100" dirty="0"/>
+                    </a:p>
+                  </a:txBody>
+                  <a:tcPr anchor="ctr"/>
+                </a:tc>
+                <a:tc>
+                  <a:txBody>
+                    <a:bodyPr/>
+                    <a:lstStyle/>
+                    <a:p>
+                      <a:pPr algn="ctr"/>
+                      <a:r>
+                        <a:rPr lang="fr-FR" sz="1100" dirty="0" smtClean="0"/>
+                        <a:t>Prédiction 0</a:t>
+                      </a:r>
+                      <a:endParaRPr lang="en-US" sz="1100" dirty="0"/>
+                    </a:p>
+                  </a:txBody>
+                  <a:tcPr anchor="ctr"/>
+                </a:tc>
+                <a:tc>
+                  <a:txBody>
+                    <a:bodyPr/>
+                    <a:lstStyle/>
+                    <a:p>
+                      <a:pPr algn="ctr"/>
+                      <a:r>
+                        <a:rPr lang="fr-FR" sz="1100" dirty="0" smtClean="0"/>
+                        <a:t>Prédiction 1</a:t>
+                      </a:r>
+                      <a:endParaRPr lang="en-US" sz="1100" dirty="0"/>
+                    </a:p>
+                  </a:txBody>
+                  <a:tcPr anchor="ctr"/>
+                </a:tc>
+              </a:tr>
+              <a:tr h="370840">
+                <a:tc>
+                  <a:txBody>
+                    <a:bodyPr/>
+                    <a:lstStyle/>
+                    <a:p>
+                      <a:pPr algn="ctr"/>
+                      <a:r>
+                        <a:rPr lang="fr-FR" sz="1100" dirty="0" smtClean="0"/>
+                        <a:t>Vrai</a:t>
+                      </a:r>
+                      <a:r>
+                        <a:rPr lang="fr-FR" sz="1100" baseline="0" dirty="0" smtClean="0"/>
+                        <a:t> 0</a:t>
+                      </a:r>
+                      <a:endParaRPr lang="en-US" sz="1100" dirty="0"/>
+                    </a:p>
+                  </a:txBody>
+                  <a:tcPr anchor="ctr"/>
+                </a:tc>
+                <a:tc>
+                  <a:txBody>
+                    <a:bodyPr/>
+                    <a:lstStyle/>
+                    <a:p>
+                      <a:pPr algn="ctr"/>
+                      <a:r>
+                        <a:rPr lang="fr-FR" sz="1100" dirty="0" smtClean="0"/>
+                        <a:t>165</a:t>
+                      </a:r>
+                      <a:endParaRPr lang="en-US" sz="1100" dirty="0"/>
+                    </a:p>
+                  </a:txBody>
+                  <a:tcPr anchor="ctr"/>
+                </a:tc>
+                <a:tc>
+                  <a:txBody>
+                    <a:bodyPr/>
+                    <a:lstStyle/>
+                    <a:p>
+                      <a:pPr algn="ctr"/>
+                      <a:r>
+                        <a:rPr lang="fr-FR" sz="1100" dirty="0" smtClean="0"/>
+                        <a:t>288</a:t>
+                      </a:r>
+                      <a:endParaRPr lang="en-US" sz="1100" dirty="0"/>
+                    </a:p>
+                  </a:txBody>
+                  <a:tcPr anchor="ctr"/>
+                </a:tc>
+              </a:tr>
+              <a:tr h="370840">
+                <a:tc>
+                  <a:txBody>
+                    <a:bodyPr/>
+                    <a:lstStyle/>
+                    <a:p>
+                      <a:pPr algn="ctr"/>
+                      <a:r>
+                        <a:rPr lang="fr-FR" sz="1100" dirty="0" smtClean="0"/>
+                        <a:t>Vrai 1</a:t>
+                      </a:r>
+                      <a:endParaRPr lang="en-US" sz="1100" dirty="0"/>
+                    </a:p>
+                  </a:txBody>
+                  <a:tcPr anchor="ctr"/>
+                </a:tc>
+                <a:tc>
+                  <a:txBody>
+                    <a:bodyPr/>
+                    <a:lstStyle/>
+                    <a:p>
+                      <a:pPr algn="ctr"/>
+                      <a:r>
+                        <a:rPr lang="fr-FR" sz="1100" dirty="0" smtClean="0"/>
+                        <a:t>52</a:t>
+                      </a:r>
+                      <a:endParaRPr lang="en-US" sz="1100" dirty="0"/>
+                    </a:p>
+                  </a:txBody>
+                  <a:tcPr anchor="ctr"/>
+                </a:tc>
+                <a:tc>
+                  <a:txBody>
+                    <a:bodyPr/>
+                    <a:lstStyle/>
+                    <a:p>
+                      <a:pPr algn="ctr"/>
+                      <a:r>
+                        <a:rPr lang="fr-FR" sz="1100" dirty="0" smtClean="0"/>
+                        <a:t>2245</a:t>
+                      </a:r>
+                      <a:endParaRPr lang="fr-FR" sz="1100" dirty="0" smtClean="0"/>
+                    </a:p>
+                  </a:txBody>
+                  <a:tcPr anchor="ctr"/>
+                </a:tc>
+              </a:tr>
+            </a:tbl>
+          </a:graphicData>
+        </a:graphic>
+      </p:graphicFrame>
+      <p:graphicFrame>
+        <p:nvGraphicFramePr>
+          <p:cNvPr id="6" name="Table 5"/>
+          <p:cNvGraphicFramePr>
+            <a:graphicFrameLocks noGrp="1"/>
+          </p:cNvGraphicFramePr>
+          <p:nvPr>
+            <p:extLst>
+              <p:ext uri="{D42A27DB-BD31-4B8C-83A1-F6EECF244321}">
+                <p14:modId xmlns:p14="http://schemas.microsoft.com/office/powerpoint/2010/main" val="3909427278"/>
+              </p:ext>
+            </p:extLst>
+          </p:nvPr>
+        </p:nvGraphicFramePr>
+        <p:xfrm>
+          <a:off x="5940152" y="3651870"/>
+          <a:ext cx="2447712" cy="1168400"/>
+        </p:xfrm>
+        <a:graphic>
+          <a:graphicData uri="http://schemas.openxmlformats.org/drawingml/2006/table">
+            <a:tbl>
+              <a:tblPr firstRow="1" bandRow="1">
+                <a:tableStyleId>{5C22544A-7EE6-4342-B048-85BDC9FD1C3A}</a:tableStyleId>
+              </a:tblPr>
+              <a:tblGrid>
+                <a:gridCol w="815904"/>
+                <a:gridCol w="815904"/>
+                <a:gridCol w="815904"/>
+              </a:tblGrid>
+              <a:tr h="370840">
+                <a:tc>
+                  <a:txBody>
+                    <a:bodyPr/>
+                    <a:lstStyle/>
+                    <a:p>
+                      <a:pPr algn="ctr"/>
+                      <a:r>
+                        <a:rPr lang="fr-FR" sz="1100" dirty="0" smtClean="0"/>
+                        <a:t>test</a:t>
+                      </a:r>
+                      <a:endParaRPr lang="en-US" sz="1100" dirty="0"/>
+                    </a:p>
+                  </a:txBody>
+                  <a:tcPr anchor="ctr"/>
+                </a:tc>
+                <a:tc>
+                  <a:txBody>
+                    <a:bodyPr/>
+                    <a:lstStyle/>
+                    <a:p>
+                      <a:pPr algn="ctr"/>
+                      <a:r>
+                        <a:rPr lang="fr-FR" sz="1100" dirty="0" smtClean="0"/>
+                        <a:t>Prédiction 0</a:t>
+                      </a:r>
+                      <a:endParaRPr lang="en-US" sz="1100" dirty="0"/>
+                    </a:p>
+                  </a:txBody>
+                  <a:tcPr anchor="ctr"/>
+                </a:tc>
+                <a:tc>
+                  <a:txBody>
+                    <a:bodyPr/>
+                    <a:lstStyle/>
+                    <a:p>
+                      <a:pPr algn="ctr"/>
+                      <a:r>
+                        <a:rPr lang="fr-FR" sz="1100" dirty="0" smtClean="0"/>
+                        <a:t>Prédiction 1</a:t>
+                      </a:r>
+                      <a:endParaRPr lang="en-US" sz="1100" dirty="0"/>
+                    </a:p>
+                  </a:txBody>
+                  <a:tcPr anchor="ctr"/>
+                </a:tc>
+              </a:tr>
+              <a:tr h="370840">
+                <a:tc>
+                  <a:txBody>
+                    <a:bodyPr/>
+                    <a:lstStyle/>
+                    <a:p>
+                      <a:pPr algn="ctr"/>
+                      <a:r>
+                        <a:rPr lang="fr-FR" sz="1100" dirty="0" smtClean="0"/>
+                        <a:t>Vrai</a:t>
+                      </a:r>
+                      <a:r>
+                        <a:rPr lang="fr-FR" sz="1100" baseline="0" dirty="0" smtClean="0"/>
+                        <a:t> 0</a:t>
+                      </a:r>
+                      <a:endParaRPr lang="en-US" sz="1100" dirty="0"/>
+                    </a:p>
+                  </a:txBody>
+                  <a:tcPr anchor="ctr"/>
+                </a:tc>
+                <a:tc>
+                  <a:txBody>
+                    <a:bodyPr/>
+                    <a:lstStyle/>
+                    <a:p>
+                      <a:pPr algn="ctr"/>
+                      <a:r>
+                        <a:rPr lang="fr-FR" sz="1100" dirty="0" smtClean="0"/>
+                        <a:t>284</a:t>
+                      </a:r>
+                      <a:endParaRPr lang="en-US" sz="1100" dirty="0"/>
+                    </a:p>
+                  </a:txBody>
+                  <a:tcPr anchor="ctr"/>
+                </a:tc>
+                <a:tc>
+                  <a:txBody>
+                    <a:bodyPr/>
+                    <a:lstStyle/>
+                    <a:p>
+                      <a:pPr algn="ctr"/>
+                      <a:r>
+                        <a:rPr lang="fr-FR" sz="1100" dirty="0" smtClean="0"/>
+                        <a:t>169</a:t>
+                      </a:r>
+                      <a:endParaRPr lang="en-US" sz="1100" dirty="0"/>
+                    </a:p>
+                  </a:txBody>
+                  <a:tcPr anchor="ctr"/>
+                </a:tc>
+              </a:tr>
+              <a:tr h="370840">
+                <a:tc>
+                  <a:txBody>
+                    <a:bodyPr/>
+                    <a:lstStyle/>
+                    <a:p>
+                      <a:pPr algn="ctr"/>
+                      <a:r>
+                        <a:rPr lang="fr-FR" sz="1100" dirty="0" smtClean="0"/>
+                        <a:t>Vrai 1</a:t>
+                      </a:r>
+                      <a:endParaRPr lang="en-US" sz="1100" dirty="0"/>
+                    </a:p>
+                  </a:txBody>
+                  <a:tcPr anchor="ctr"/>
+                </a:tc>
+                <a:tc>
+                  <a:txBody>
+                    <a:bodyPr/>
+                    <a:lstStyle/>
+                    <a:p>
+                      <a:pPr algn="ctr"/>
+                      <a:r>
+                        <a:rPr lang="fr-FR" sz="1100" dirty="0" smtClean="0"/>
+                        <a:t>76</a:t>
+                      </a:r>
+                      <a:endParaRPr lang="en-US" sz="1100" dirty="0"/>
+                    </a:p>
+                  </a:txBody>
+                  <a:tcPr anchor="ctr"/>
+                </a:tc>
+                <a:tc>
+                  <a:txBody>
+                    <a:bodyPr/>
+                    <a:lstStyle/>
+                    <a:p>
+                      <a:pPr algn="ctr"/>
+                      <a:r>
+                        <a:rPr lang="fr-FR" sz="1100" dirty="0" smtClean="0"/>
+                        <a:t>2221</a:t>
+                      </a:r>
+                      <a:endParaRPr lang="fr-FR" sz="1100" dirty="0" smtClean="0"/>
+                    </a:p>
+                  </a:txBody>
+                  <a:tcPr anchor="ctr"/>
+                </a:tc>
+              </a:tr>
+            </a:tbl>
+          </a:graphicData>
+        </a:graphic>
+      </p:graphicFrame>
+      <p:pic>
+        <p:nvPicPr>
+          <p:cNvPr id="12290" name="Picture 2"/>
+          <p:cNvPicPr>
+            <a:picLocks noChangeAspect="1" noChangeArrowheads="1"/>
+          </p:cNvPicPr>
+          <p:nvPr/>
+        </p:nvPicPr>
+        <p:blipFill>
+          <a:blip r:embed="rId2">
+            <a:extLst>
+              <a:ext uri="{28A0092B-C50C-407E-A947-70E740481C1C}">
+                <a14:useLocalDpi xmlns:a14="http://schemas.microsoft.com/office/drawing/2010/main" val="0"/>
+              </a:ext>
+            </a:extLst>
+          </a:blip>
+          <a:srcRect/>
+          <a:stretch>
+            <a:fillRect/>
+          </a:stretch>
+        </p:blipFill>
+        <p:spPr bwMode="auto">
+          <a:xfrm>
+            <a:off x="1304925" y="2261989"/>
+            <a:ext cx="6534150" cy="885825"/>
+          </a:xfrm>
+          <a:prstGeom prst="rect">
+            <a:avLst/>
+          </a:prstGeom>
+          <a:noFill/>
+          <a:ln>
+            <a:noFill/>
+          </a:ln>
+          <a:extLst>
+            <a:ext uri="{909E8E84-426E-40DD-AFC4-6F175D3DCCD1}">
+              <a14:hiddenFill xmlns:a14="http://schemas.microsoft.com/office/drawing/2010/main">
+                <a:solidFill>
+                  <a:schemeClr val="accent1"/>
+                </a:solidFill>
+              </a14:hiddenFill>
+            </a:ext>
+            <a:ext uri="{91240B29-F687-4F45-9708-019B960494DF}">
+              <a14:hiddenLine xmlns:a14="http://schemas.microsoft.com/office/drawing/2010/main" w="9525">
+                <a:solidFill>
+                  <a:schemeClr val="tx1"/>
+                </a:solidFill>
+                <a:miter lim="800000"/>
+                <a:headEnd/>
+                <a:tailEnd/>
+              </a14:hiddenLine>
+            </a:ext>
+          </a:extLst>
+        </p:spPr>
+      </p:pic>
+      <p:sp>
+        <p:nvSpPr>
+          <p:cNvPr id="7" name="TextBox 6"/>
+          <p:cNvSpPr txBox="1"/>
+          <p:nvPr/>
+        </p:nvSpPr>
+        <p:spPr>
+          <a:xfrm>
+            <a:off x="1187624" y="3269571"/>
+            <a:ext cx="1551322" cy="369332"/>
+          </a:xfrm>
+          <a:prstGeom prst="rect">
+            <a:avLst/>
+          </a:prstGeom>
+          <a:noFill/>
+        </p:spPr>
+        <p:txBody>
+          <a:bodyPr wrap="none" rtlCol="0">
+            <a:spAutoFit/>
+          </a:bodyPr>
+          <a:lstStyle/>
+          <a:p>
+            <a:r>
+              <a:rPr lang="fr-FR" dirty="0" err="1" smtClean="0"/>
+              <a:t>RandomForest</a:t>
+            </a:r>
+            <a:endParaRPr lang="en-US" dirty="0"/>
+          </a:p>
+        </p:txBody>
+      </p:sp>
+      <p:sp>
+        <p:nvSpPr>
+          <p:cNvPr id="9" name="TextBox 8"/>
+          <p:cNvSpPr txBox="1"/>
+          <p:nvPr/>
+        </p:nvSpPr>
+        <p:spPr>
+          <a:xfrm>
+            <a:off x="4263261" y="3269571"/>
+            <a:ext cx="617477" cy="369332"/>
+          </a:xfrm>
+          <a:prstGeom prst="rect">
+            <a:avLst/>
+          </a:prstGeom>
+          <a:noFill/>
+        </p:spPr>
+        <p:txBody>
+          <a:bodyPr wrap="none" rtlCol="0">
+            <a:spAutoFit/>
+          </a:bodyPr>
+          <a:lstStyle/>
+          <a:p>
+            <a:r>
+              <a:rPr lang="fr-FR" dirty="0" smtClean="0"/>
+              <a:t>SVM</a:t>
+            </a:r>
+            <a:endParaRPr lang="en-US" dirty="0"/>
+          </a:p>
+        </p:txBody>
+      </p:sp>
+      <p:sp>
+        <p:nvSpPr>
+          <p:cNvPr id="10" name="TextBox 9"/>
+          <p:cNvSpPr txBox="1"/>
+          <p:nvPr/>
+        </p:nvSpPr>
+        <p:spPr>
+          <a:xfrm>
+            <a:off x="5949388" y="3269571"/>
+            <a:ext cx="2421368" cy="369332"/>
+          </a:xfrm>
+          <a:prstGeom prst="rect">
+            <a:avLst/>
+          </a:prstGeom>
+          <a:noFill/>
+        </p:spPr>
+        <p:txBody>
+          <a:bodyPr wrap="none" rtlCol="0">
+            <a:spAutoFit/>
+          </a:bodyPr>
+          <a:lstStyle/>
+          <a:p>
+            <a:r>
+              <a:rPr lang="fr-FR" dirty="0" smtClean="0"/>
+              <a:t>Gradient </a:t>
+            </a:r>
+            <a:r>
+              <a:rPr lang="fr-FR" dirty="0" err="1" smtClean="0"/>
+              <a:t>Boosting</a:t>
+            </a:r>
+            <a:r>
+              <a:rPr lang="fr-FR" dirty="0" smtClean="0"/>
+              <a:t> </a:t>
+            </a:r>
+            <a:r>
+              <a:rPr lang="fr-FR" dirty="0" err="1" smtClean="0"/>
+              <a:t>Trees</a:t>
+            </a:r>
+            <a:endParaRPr lang="en-US" dirty="0"/>
+          </a:p>
+        </p:txBody>
+      </p:sp>
+      <p:sp>
+        <p:nvSpPr>
+          <p:cNvPr id="8" name="TextBox 7"/>
+          <p:cNvSpPr txBox="1"/>
+          <p:nvPr/>
+        </p:nvSpPr>
+        <p:spPr>
+          <a:xfrm>
+            <a:off x="1683930" y="4794706"/>
+            <a:ext cx="583814" cy="369332"/>
+          </a:xfrm>
+          <a:prstGeom prst="rect">
+            <a:avLst/>
+          </a:prstGeom>
+          <a:noFill/>
+        </p:spPr>
+        <p:txBody>
+          <a:bodyPr wrap="none" rtlCol="0">
+            <a:spAutoFit/>
+          </a:bodyPr>
+          <a:lstStyle/>
+          <a:p>
+            <a:r>
+              <a:rPr lang="fr-FR" dirty="0" smtClean="0"/>
+              <a:t>80%</a:t>
+            </a:r>
+            <a:endParaRPr lang="en-US" dirty="0"/>
+          </a:p>
+        </p:txBody>
+      </p:sp>
+      <p:sp>
+        <p:nvSpPr>
+          <p:cNvPr id="12" name="TextBox 11"/>
+          <p:cNvSpPr txBox="1"/>
+          <p:nvPr/>
+        </p:nvSpPr>
+        <p:spPr>
+          <a:xfrm>
+            <a:off x="2447039" y="4794706"/>
+            <a:ext cx="583814" cy="369332"/>
+          </a:xfrm>
+          <a:prstGeom prst="rect">
+            <a:avLst/>
+          </a:prstGeom>
+          <a:noFill/>
+        </p:spPr>
+        <p:txBody>
+          <a:bodyPr wrap="none" rtlCol="0">
+            <a:spAutoFit/>
+          </a:bodyPr>
+          <a:lstStyle/>
+          <a:p>
+            <a:r>
+              <a:rPr lang="fr-FR" dirty="0" smtClean="0"/>
+              <a:t>92%</a:t>
+            </a:r>
+            <a:endParaRPr lang="en-US" dirty="0"/>
+          </a:p>
+        </p:txBody>
+      </p:sp>
+      <p:sp>
+        <p:nvSpPr>
+          <p:cNvPr id="13" name="TextBox 12"/>
+          <p:cNvSpPr txBox="1"/>
+          <p:nvPr/>
+        </p:nvSpPr>
+        <p:spPr>
+          <a:xfrm>
+            <a:off x="4255350" y="4770461"/>
+            <a:ext cx="583814" cy="369332"/>
+          </a:xfrm>
+          <a:prstGeom prst="rect">
+            <a:avLst/>
+          </a:prstGeom>
+          <a:noFill/>
+        </p:spPr>
+        <p:txBody>
+          <a:bodyPr wrap="none" rtlCol="0">
+            <a:spAutoFit/>
+          </a:bodyPr>
+          <a:lstStyle/>
+          <a:p>
+            <a:r>
+              <a:rPr lang="fr-FR" dirty="0" smtClean="0"/>
+              <a:t>76%</a:t>
+            </a:r>
+            <a:endParaRPr lang="en-US" dirty="0"/>
+          </a:p>
+        </p:txBody>
+      </p:sp>
+      <p:sp>
+        <p:nvSpPr>
+          <p:cNvPr id="14" name="TextBox 13"/>
+          <p:cNvSpPr txBox="1"/>
+          <p:nvPr/>
+        </p:nvSpPr>
+        <p:spPr>
+          <a:xfrm>
+            <a:off x="5018459" y="4770461"/>
+            <a:ext cx="583814" cy="369332"/>
+          </a:xfrm>
+          <a:prstGeom prst="rect">
+            <a:avLst/>
+          </a:prstGeom>
+          <a:noFill/>
+        </p:spPr>
+        <p:txBody>
+          <a:bodyPr wrap="none" rtlCol="0">
+            <a:spAutoFit/>
+          </a:bodyPr>
+          <a:lstStyle/>
+          <a:p>
+            <a:r>
+              <a:rPr lang="fr-FR" dirty="0" smtClean="0"/>
+              <a:t>88%</a:t>
+            </a:r>
+            <a:endParaRPr lang="en-US" dirty="0"/>
+          </a:p>
+        </p:txBody>
+      </p:sp>
+      <p:sp>
+        <p:nvSpPr>
+          <p:cNvPr id="15" name="TextBox 14"/>
+          <p:cNvSpPr txBox="1"/>
+          <p:nvPr/>
+        </p:nvSpPr>
+        <p:spPr>
+          <a:xfrm>
+            <a:off x="6905235" y="4822172"/>
+            <a:ext cx="583814" cy="369332"/>
+          </a:xfrm>
+          <a:prstGeom prst="rect">
+            <a:avLst/>
+          </a:prstGeom>
+          <a:noFill/>
+        </p:spPr>
+        <p:txBody>
+          <a:bodyPr wrap="none" rtlCol="0">
+            <a:spAutoFit/>
+          </a:bodyPr>
+          <a:lstStyle/>
+          <a:p>
+            <a:r>
+              <a:rPr lang="fr-FR" dirty="0" smtClean="0"/>
+              <a:t>78%</a:t>
+            </a:r>
+            <a:endParaRPr lang="en-US" dirty="0"/>
+          </a:p>
+        </p:txBody>
+      </p:sp>
+      <p:sp>
+        <p:nvSpPr>
+          <p:cNvPr id="16" name="TextBox 15"/>
+          <p:cNvSpPr txBox="1"/>
+          <p:nvPr/>
+        </p:nvSpPr>
+        <p:spPr>
+          <a:xfrm>
+            <a:off x="7668344" y="4822172"/>
+            <a:ext cx="583814" cy="369332"/>
+          </a:xfrm>
+          <a:prstGeom prst="rect">
+            <a:avLst/>
+          </a:prstGeom>
+          <a:noFill/>
+        </p:spPr>
+        <p:txBody>
+          <a:bodyPr wrap="none" rtlCol="0">
+            <a:spAutoFit/>
+          </a:bodyPr>
+          <a:lstStyle/>
+          <a:p>
+            <a:r>
+              <a:rPr lang="fr-FR" dirty="0" smtClean="0"/>
+              <a:t>93%</a:t>
+            </a:r>
+            <a:endParaRPr lang="en-US" dirty="0"/>
+          </a:p>
+        </p:txBody>
+      </p:sp>
+    </p:spTree>
+    <p:extLst>
+      <p:ext uri="{BB962C8B-B14F-4D97-AF65-F5344CB8AC3E}">
+        <p14:creationId xmlns:p14="http://schemas.microsoft.com/office/powerpoint/2010/main" val="3655806474"/>
+      </p:ext>
+    </p:extLst>
+  </p:cSld>
+  <p:clrMapOvr>
+    <a:masterClrMapping/>
+  </p:clrMapOvr>
+  <p:timing>
+    <p:tnLst>
+      <p:par>
+        <p:cTn id="1" dur="indefinite" restart="never" nodeType="tmRoot"/>
+      </p:par>
+    </p:tnLst>
+  </p:timing>
+</p:sld>
+</file>
+
+<file path=ppt/slides/slide22.xml><?xml version="1.0" encoding="utf-8"?>
+<p:sld xmlns:a="http://schemas.openxmlformats.org/drawingml/2006/main" xmlns:r="http://schemas.openxmlformats.org/officeDocument/2006/relationships" xmlns:p="http://schemas.openxmlformats.org/presentationml/2006/main">
+  <p:cSld>
+    <p:spTree>
+      <p:nvGrpSpPr>
+        <p:cNvPr id="1" name=""/>
+        <p:cNvGrpSpPr/>
+        <p:nvPr/>
+      </p:nvGrpSpPr>
+      <p:grpSpPr>
+        <a:xfrm>
+          <a:off x="0" y="0"/>
+          <a:ext cx="0" cy="0"/>
+          <a:chOff x="0" y="0"/>
+          <a:chExt cx="0" cy="0"/>
+        </a:xfrm>
+      </p:grpSpPr>
+      <p:sp>
+        <p:nvSpPr>
+          <p:cNvPr id="2" name="Title 1"/>
+          <p:cNvSpPr>
+            <a:spLocks noGrp="1"/>
+          </p:cNvSpPr>
+          <p:nvPr>
+            <p:ph type="title"/>
+          </p:nvPr>
+        </p:nvSpPr>
+        <p:spPr/>
+        <p:txBody>
+          <a:bodyPr/>
+          <a:lstStyle/>
+          <a:p>
+            <a:r>
+              <a:rPr lang="fr-FR" dirty="0" smtClean="0"/>
+              <a:t>Stations étudiées</a:t>
+            </a:r>
+            <a:endParaRPr lang="en-US" dirty="0"/>
+          </a:p>
+        </p:txBody>
+      </p:sp>
+      <p:graphicFrame>
+        <p:nvGraphicFramePr>
+          <p:cNvPr id="6" name="Object 5"/>
+          <p:cNvGraphicFramePr>
+            <a:graphicFrameLocks noChangeAspect="1"/>
+          </p:cNvGraphicFramePr>
+          <p:nvPr>
+            <p:extLst>
+              <p:ext uri="{D42A27DB-BD31-4B8C-83A1-F6EECF244321}">
+                <p14:modId xmlns:p14="http://schemas.microsoft.com/office/powerpoint/2010/main" val="1483928682"/>
+              </p:ext>
+            </p:extLst>
+          </p:nvPr>
+        </p:nvGraphicFramePr>
+        <p:xfrm>
+          <a:off x="539552" y="1851670"/>
+          <a:ext cx="2447925" cy="1152525"/>
+        </p:xfrm>
+        <a:graphic>
+          <a:graphicData uri="http://schemas.openxmlformats.org/presentationml/2006/ole">
+            <mc:AlternateContent xmlns:mc="http://schemas.openxmlformats.org/markup-compatibility/2006">
+              <mc:Choice xmlns:v="urn:schemas-microsoft-com:vml" Requires="v">
+                <p:oleObj spid="_x0000_s1290" name="Worksheet" r:id="rId3" imgW="2447851" imgH="1152630" progId="Excel.Sheet.12">
+                  <p:embed/>
+                </p:oleObj>
+              </mc:Choice>
+              <mc:Fallback>
+                <p:oleObj name="Worksheet" r:id="rId3" imgW="2447851" imgH="1152630" progId="Excel.Sheet.12">
+                  <p:embed/>
+                  <p:pic>
+                    <p:nvPicPr>
+                      <p:cNvPr id="0" name=""/>
+                      <p:cNvPicPr/>
+                      <p:nvPr/>
+                    </p:nvPicPr>
+                    <p:blipFill>
+                      <a:blip r:embed="rId4"/>
+                      <a:stretch>
+                        <a:fillRect/>
+                      </a:stretch>
+                    </p:blipFill>
+                    <p:spPr>
+                      <a:xfrm>
+                        <a:off x="539552" y="1851670"/>
+                        <a:ext cx="2447925" cy="1152525"/>
+                      </a:xfrm>
+                      <a:prstGeom prst="rect">
+                        <a:avLst/>
+                      </a:prstGeom>
+                    </p:spPr>
+                  </p:pic>
+                </p:oleObj>
+              </mc:Fallback>
+            </mc:AlternateContent>
+          </a:graphicData>
+        </a:graphic>
+      </p:graphicFrame>
+      <p:graphicFrame>
+        <p:nvGraphicFramePr>
+          <p:cNvPr id="7" name="Object 6"/>
+          <p:cNvGraphicFramePr>
+            <a:graphicFrameLocks noChangeAspect="1"/>
+          </p:cNvGraphicFramePr>
+          <p:nvPr>
+            <p:extLst>
+              <p:ext uri="{D42A27DB-BD31-4B8C-83A1-F6EECF244321}">
+                <p14:modId xmlns:p14="http://schemas.microsoft.com/office/powerpoint/2010/main" val="3900466050"/>
+              </p:ext>
+            </p:extLst>
+          </p:nvPr>
+        </p:nvGraphicFramePr>
+        <p:xfrm>
+          <a:off x="3348038" y="2376488"/>
+          <a:ext cx="2447925" cy="390525"/>
+        </p:xfrm>
+        <a:graphic>
+          <a:graphicData uri="http://schemas.openxmlformats.org/presentationml/2006/ole">
+            <mc:AlternateContent xmlns:mc="http://schemas.openxmlformats.org/markup-compatibility/2006">
+              <mc:Choice xmlns:v="urn:schemas-microsoft-com:vml" Requires="v">
+                <p:oleObj spid="_x0000_s1291" name="Worksheet" r:id="rId5" imgW="2447851" imgH="390420" progId="Excel.Sheet.12">
+                  <p:embed/>
+                </p:oleObj>
+              </mc:Choice>
+              <mc:Fallback>
+                <p:oleObj name="Worksheet" r:id="rId5" imgW="2447851" imgH="390420" progId="Excel.Sheet.12">
+                  <p:embed/>
+                  <p:pic>
+                    <p:nvPicPr>
+                      <p:cNvPr id="0" name=""/>
+                      <p:cNvPicPr/>
+                      <p:nvPr/>
+                    </p:nvPicPr>
+                    <p:blipFill>
+                      <a:blip r:embed="rId6"/>
+                      <a:stretch>
+                        <a:fillRect/>
+                      </a:stretch>
+                    </p:blipFill>
+                    <p:spPr>
+                      <a:xfrm>
+                        <a:off x="3348038" y="2376488"/>
+                        <a:ext cx="2447925" cy="390525"/>
+                      </a:xfrm>
+                      <a:prstGeom prst="rect">
+                        <a:avLst/>
+                      </a:prstGeom>
+                    </p:spPr>
+                  </p:pic>
+                </p:oleObj>
+              </mc:Fallback>
+            </mc:AlternateContent>
+          </a:graphicData>
+        </a:graphic>
+      </p:graphicFrame>
+      <p:graphicFrame>
+        <p:nvGraphicFramePr>
+          <p:cNvPr id="8" name="Object 7"/>
+          <p:cNvGraphicFramePr>
+            <a:graphicFrameLocks noChangeAspect="1"/>
+          </p:cNvGraphicFramePr>
+          <p:nvPr>
+            <p:extLst>
+              <p:ext uri="{D42A27DB-BD31-4B8C-83A1-F6EECF244321}">
+                <p14:modId xmlns:p14="http://schemas.microsoft.com/office/powerpoint/2010/main" val="3024608846"/>
+              </p:ext>
+            </p:extLst>
+          </p:nvPr>
+        </p:nvGraphicFramePr>
+        <p:xfrm>
+          <a:off x="6084168" y="2355726"/>
+          <a:ext cx="2447925" cy="390525"/>
+        </p:xfrm>
+        <a:graphic>
+          <a:graphicData uri="http://schemas.openxmlformats.org/presentationml/2006/ole">
+            <mc:AlternateContent xmlns:mc="http://schemas.openxmlformats.org/markup-compatibility/2006">
+              <mc:Choice xmlns:v="urn:schemas-microsoft-com:vml" Requires="v">
+                <p:oleObj spid="_x0000_s1292" name="Worksheet" r:id="rId7" imgW="2447851" imgH="390420" progId="Excel.Sheet.12">
+                  <p:embed/>
+                </p:oleObj>
+              </mc:Choice>
+              <mc:Fallback>
+                <p:oleObj name="Worksheet" r:id="rId7" imgW="2447851" imgH="390420" progId="Excel.Sheet.12">
+                  <p:embed/>
+                  <p:pic>
+                    <p:nvPicPr>
+                      <p:cNvPr id="0" name=""/>
+                      <p:cNvPicPr/>
+                      <p:nvPr/>
+                    </p:nvPicPr>
+                    <p:blipFill>
+                      <a:blip r:embed="rId8"/>
+                      <a:stretch>
+                        <a:fillRect/>
+                      </a:stretch>
+                    </p:blipFill>
+                    <p:spPr>
+                      <a:xfrm>
+                        <a:off x="6084168" y="2355726"/>
+                        <a:ext cx="2447925" cy="390525"/>
+                      </a:xfrm>
+                      <a:prstGeom prst="rect">
+                        <a:avLst/>
+                      </a:prstGeom>
+                    </p:spPr>
+                  </p:pic>
+                </p:oleObj>
+              </mc:Fallback>
+            </mc:AlternateContent>
+          </a:graphicData>
+        </a:graphic>
+      </p:graphicFrame>
+      <p:sp>
+        <p:nvSpPr>
+          <p:cNvPr id="9" name="TextBox 8"/>
+          <p:cNvSpPr txBox="1"/>
+          <p:nvPr/>
+        </p:nvSpPr>
+        <p:spPr>
+          <a:xfrm>
+            <a:off x="519673" y="1059582"/>
+            <a:ext cx="1618264" cy="369332"/>
+          </a:xfrm>
+          <a:prstGeom prst="rect">
+            <a:avLst/>
+          </a:prstGeom>
+          <a:noFill/>
+        </p:spPr>
+        <p:txBody>
+          <a:bodyPr wrap="none" rtlCol="0">
+            <a:spAutoFit/>
+          </a:bodyPr>
+          <a:lstStyle/>
+          <a:p>
+            <a:r>
+              <a:rPr lang="fr-FR" dirty="0" smtClean="0"/>
+              <a:t>À proximité de:</a:t>
+            </a:r>
+            <a:endParaRPr lang="en-US" dirty="0"/>
+          </a:p>
+        </p:txBody>
+      </p:sp>
+      <p:sp>
+        <p:nvSpPr>
+          <p:cNvPr id="10" name="TextBox 9"/>
+          <p:cNvSpPr txBox="1"/>
+          <p:nvPr/>
+        </p:nvSpPr>
+        <p:spPr>
+          <a:xfrm>
+            <a:off x="827584" y="1441282"/>
+            <a:ext cx="1865704" cy="369332"/>
+          </a:xfrm>
+          <a:prstGeom prst="rect">
+            <a:avLst/>
+          </a:prstGeom>
+          <a:noFill/>
+        </p:spPr>
+        <p:txBody>
+          <a:bodyPr wrap="none" rtlCol="0">
+            <a:spAutoFit/>
+          </a:bodyPr>
+          <a:lstStyle/>
+          <a:p>
+            <a:r>
+              <a:rPr lang="fr-FR" dirty="0" smtClean="0"/>
+              <a:t>8, bd Saint Michel</a:t>
+            </a:r>
+            <a:endParaRPr lang="en-US" dirty="0"/>
+          </a:p>
+        </p:txBody>
+      </p:sp>
+      <p:sp>
+        <p:nvSpPr>
+          <p:cNvPr id="11" name="TextBox 10"/>
+          <p:cNvSpPr txBox="1"/>
+          <p:nvPr/>
+        </p:nvSpPr>
+        <p:spPr>
+          <a:xfrm>
+            <a:off x="3563888" y="1441282"/>
+            <a:ext cx="2021131" cy="369332"/>
+          </a:xfrm>
+          <a:prstGeom prst="rect">
+            <a:avLst/>
+          </a:prstGeom>
+          <a:noFill/>
+        </p:spPr>
+        <p:txBody>
+          <a:bodyPr wrap="none" rtlCol="0">
+            <a:spAutoFit/>
+          </a:bodyPr>
+          <a:lstStyle/>
+          <a:p>
+            <a:r>
+              <a:rPr lang="fr-FR" dirty="0" smtClean="0"/>
+              <a:t>88, rue de la </a:t>
+            </a:r>
+            <a:r>
+              <a:rPr lang="fr-FR" dirty="0" err="1" smtClean="0"/>
+              <a:t>Vilette</a:t>
+            </a:r>
+            <a:endParaRPr lang="en-US" dirty="0"/>
+          </a:p>
+        </p:txBody>
+      </p:sp>
+      <p:sp>
+        <p:nvSpPr>
+          <p:cNvPr id="12" name="TextBox 11"/>
+          <p:cNvSpPr txBox="1"/>
+          <p:nvPr/>
+        </p:nvSpPr>
+        <p:spPr>
+          <a:xfrm>
+            <a:off x="6310600" y="1410330"/>
+            <a:ext cx="1357744" cy="369332"/>
+          </a:xfrm>
+          <a:prstGeom prst="rect">
+            <a:avLst/>
+          </a:prstGeom>
+          <a:noFill/>
+        </p:spPr>
+        <p:txBody>
+          <a:bodyPr wrap="none" rtlCol="0">
+            <a:spAutoFit/>
+          </a:bodyPr>
+          <a:lstStyle/>
+          <a:p>
+            <a:r>
+              <a:rPr lang="fr-FR" dirty="0" err="1" smtClean="0"/>
+              <a:t>MontMartre</a:t>
+            </a:r>
+            <a:endParaRPr lang="en-US" dirty="0"/>
+          </a:p>
+        </p:txBody>
+      </p:sp>
+      <p:graphicFrame>
+        <p:nvGraphicFramePr>
+          <p:cNvPr id="13" name="Object 12"/>
+          <p:cNvGraphicFramePr>
+            <a:graphicFrameLocks noChangeAspect="1"/>
+          </p:cNvGraphicFramePr>
+          <p:nvPr>
+            <p:extLst>
+              <p:ext uri="{D42A27DB-BD31-4B8C-83A1-F6EECF244321}">
+                <p14:modId xmlns:p14="http://schemas.microsoft.com/office/powerpoint/2010/main" val="2074598280"/>
+              </p:ext>
+            </p:extLst>
+          </p:nvPr>
+        </p:nvGraphicFramePr>
+        <p:xfrm>
+          <a:off x="536473" y="3723878"/>
+          <a:ext cx="2447925" cy="771525"/>
+        </p:xfrm>
+        <a:graphic>
+          <a:graphicData uri="http://schemas.openxmlformats.org/presentationml/2006/ole">
+            <mc:AlternateContent xmlns:mc="http://schemas.openxmlformats.org/markup-compatibility/2006">
+              <mc:Choice xmlns:v="urn:schemas-microsoft-com:vml" Requires="v">
+                <p:oleObj spid="_x0000_s1293" name="Worksheet" r:id="rId9" imgW="2447851" imgH="771660" progId="Excel.Sheet.12">
+                  <p:embed/>
+                </p:oleObj>
+              </mc:Choice>
+              <mc:Fallback>
+                <p:oleObj name="Worksheet" r:id="rId9" imgW="2447851" imgH="771660" progId="Excel.Sheet.12">
+                  <p:embed/>
+                  <p:pic>
+                    <p:nvPicPr>
+                      <p:cNvPr id="0" name=""/>
+                      <p:cNvPicPr/>
+                      <p:nvPr/>
+                    </p:nvPicPr>
+                    <p:blipFill>
+                      <a:blip r:embed="rId10"/>
+                      <a:stretch>
+                        <a:fillRect/>
+                      </a:stretch>
+                    </p:blipFill>
+                    <p:spPr>
+                      <a:xfrm>
+                        <a:off x="536473" y="3723878"/>
+                        <a:ext cx="2447925" cy="771525"/>
+                      </a:xfrm>
+                      <a:prstGeom prst="rect">
+                        <a:avLst/>
+                      </a:prstGeom>
+                    </p:spPr>
+                  </p:pic>
+                </p:oleObj>
+              </mc:Fallback>
+            </mc:AlternateContent>
+          </a:graphicData>
+        </a:graphic>
+      </p:graphicFrame>
+      <p:sp>
+        <p:nvSpPr>
+          <p:cNvPr id="14" name="TextBox 13"/>
+          <p:cNvSpPr txBox="1"/>
+          <p:nvPr/>
+        </p:nvSpPr>
+        <p:spPr>
+          <a:xfrm>
+            <a:off x="827584" y="3291830"/>
+            <a:ext cx="1452898" cy="369332"/>
+          </a:xfrm>
+          <a:prstGeom prst="rect">
+            <a:avLst/>
+          </a:prstGeom>
+          <a:noFill/>
+        </p:spPr>
+        <p:txBody>
+          <a:bodyPr wrap="none" rtlCol="0">
+            <a:spAutoFit/>
+          </a:bodyPr>
+          <a:lstStyle/>
+          <a:p>
+            <a:r>
+              <a:rPr lang="fr-FR" dirty="0" smtClean="0"/>
+              <a:t>Gare du Nord</a:t>
+            </a:r>
+            <a:endParaRPr lang="en-US" dirty="0"/>
+          </a:p>
+        </p:txBody>
+      </p:sp>
+    </p:spTree>
+    <p:extLst>
+      <p:ext uri="{BB962C8B-B14F-4D97-AF65-F5344CB8AC3E}">
+        <p14:creationId xmlns:p14="http://schemas.microsoft.com/office/powerpoint/2010/main" val="3416802583"/>
+      </p:ext>
+    </p:extLst>
+  </p:cSld>
+  <p:clrMapOvr>
+    <a:masterClrMapping/>
+  </p:clrMapOvr>
+  <p:timing>
+    <p:tnLst>
+      <p:par>
+        <p:cTn id="1" dur="indefinite" restart="never" nodeType="tmRoot"/>
+      </p:par>
+    </p:tnLst>
+  </p:timing>
+</p:sld>
+</file>
+
+<file path=ppt/slides/slide23.xml><?xml version="1.0" encoding="utf-8"?>
+<p:sld xmlns:a="http://schemas.openxmlformats.org/drawingml/2006/main" xmlns:r="http://schemas.openxmlformats.org/officeDocument/2006/relationships" xmlns:p="http://schemas.openxmlformats.org/presentationml/2006/main">
+  <p:cSld>
+    <p:spTree>
+      <p:nvGrpSpPr>
+        <p:cNvPr id="1" name=""/>
+        <p:cNvGrpSpPr/>
+        <p:nvPr/>
+      </p:nvGrpSpPr>
+      <p:grpSpPr>
+        <a:xfrm>
+          <a:off x="0" y="0"/>
+          <a:ext cx="0" cy="0"/>
+          <a:chOff x="0" y="0"/>
+          <a:chExt cx="0" cy="0"/>
+        </a:xfrm>
+      </p:grpSpPr>
+      <p:sp>
+        <p:nvSpPr>
+          <p:cNvPr id="2" name="Title 1"/>
+          <p:cNvSpPr>
+            <a:spLocks noGrp="1"/>
+          </p:cNvSpPr>
+          <p:nvPr>
+            <p:ph type="title"/>
+          </p:nvPr>
+        </p:nvSpPr>
+        <p:spPr/>
+        <p:txBody>
+          <a:bodyPr>
+            <a:normAutofit fontScale="90000"/>
+          </a:bodyPr>
+          <a:lstStyle/>
+          <a:p>
+            <a:r>
+              <a:rPr lang="fr-FR" dirty="0" smtClean="0"/>
+              <a:t>Illustration mise en forme des données</a:t>
+            </a:r>
+            <a:endParaRPr lang="en-US" dirty="0"/>
+          </a:p>
+        </p:txBody>
+      </p:sp>
+      <p:sp>
+        <p:nvSpPr>
+          <p:cNvPr id="3" name="Content Placeholder 2"/>
+          <p:cNvSpPr>
+            <a:spLocks noGrp="1"/>
+          </p:cNvSpPr>
+          <p:nvPr>
+            <p:ph idx="1"/>
+          </p:nvPr>
+        </p:nvSpPr>
+        <p:spPr>
+          <a:xfrm>
+            <a:off x="457200" y="1200151"/>
+            <a:ext cx="2818656" cy="3394472"/>
+          </a:xfrm>
+        </p:spPr>
+        <p:txBody>
+          <a:bodyPr>
+            <a:normAutofit fontScale="85000" lnSpcReduction="10000"/>
+          </a:bodyPr>
+          <a:lstStyle/>
+          <a:p>
+            <a:r>
+              <a:rPr lang="fr-FR" dirty="0" smtClean="0"/>
+              <a:t>Pour une station</a:t>
+            </a:r>
+          </a:p>
+          <a:p>
+            <a:r>
+              <a:rPr lang="fr-FR" dirty="0" smtClean="0"/>
+              <a:t>Noir: </a:t>
+            </a:r>
+            <a:r>
+              <a:rPr lang="fr-FR" dirty="0" err="1" smtClean="0"/>
+              <a:t>available_bikes</a:t>
+            </a:r>
+            <a:endParaRPr lang="fr-FR" dirty="0" smtClean="0"/>
+          </a:p>
+          <a:p>
+            <a:r>
+              <a:rPr lang="fr-FR" dirty="0" smtClean="0"/>
+              <a:t>Rouge: </a:t>
+            </a:r>
+            <a:r>
+              <a:rPr lang="fr-FR" dirty="0" err="1" smtClean="0"/>
+              <a:t>available_bikes_minusH</a:t>
+            </a:r>
+            <a:r>
+              <a:rPr lang="fr-FR" dirty="0" smtClean="0"/>
+              <a:t> (X=3)</a:t>
+            </a:r>
+            <a:endParaRPr lang="en-US" dirty="0"/>
+          </a:p>
+        </p:txBody>
+      </p:sp>
+      <p:pic>
+        <p:nvPicPr>
+          <p:cNvPr id="4098" name="Picture 2"/>
+          <p:cNvPicPr>
+            <a:picLocks noChangeAspect="1" noChangeArrowheads="1"/>
+          </p:cNvPicPr>
+          <p:nvPr/>
+        </p:nvPicPr>
+        <p:blipFill>
+          <a:blip r:embed="rId2">
+            <a:extLst>
+              <a:ext uri="{28A0092B-C50C-407E-A947-70E740481C1C}">
+                <a14:useLocalDpi xmlns:a14="http://schemas.microsoft.com/office/drawing/2010/main" val="0"/>
+              </a:ext>
+            </a:extLst>
+          </a:blip>
+          <a:srcRect/>
+          <a:stretch>
+            <a:fillRect/>
+          </a:stretch>
+        </p:blipFill>
+        <p:spPr bwMode="auto">
+          <a:xfrm>
+            <a:off x="3491880" y="1203598"/>
+            <a:ext cx="5577170" cy="3600000"/>
+          </a:xfrm>
+          <a:prstGeom prst="rect">
+            <a:avLst/>
+          </a:prstGeom>
+          <a:noFill/>
+          <a:ln>
+            <a:noFill/>
+          </a:ln>
+          <a:extLst>
+            <a:ext uri="{909E8E84-426E-40DD-AFC4-6F175D3DCCD1}">
+              <a14:hiddenFill xmlns:a14="http://schemas.microsoft.com/office/drawing/2010/main">
+                <a:solidFill>
+                  <a:schemeClr val="accent1"/>
+                </a:solidFill>
+              </a14:hiddenFill>
+            </a:ext>
+            <a:ext uri="{91240B29-F687-4F45-9708-019B960494DF}">
+              <a14:hiddenLine xmlns:a14="http://schemas.microsoft.com/office/drawing/2010/main" w="9525">
+                <a:solidFill>
+                  <a:schemeClr val="tx1"/>
+                </a:solidFill>
+                <a:miter lim="800000"/>
+                <a:headEnd/>
+                <a:tailEnd/>
+              </a14:hiddenLine>
+            </a:ext>
+          </a:extLst>
+        </p:spPr>
+      </p:pic>
+      <p:sp>
+        <p:nvSpPr>
+          <p:cNvPr id="4" name="TextBox 3"/>
+          <p:cNvSpPr txBox="1"/>
+          <p:nvPr/>
+        </p:nvSpPr>
+        <p:spPr>
+          <a:xfrm>
+            <a:off x="107505" y="3786594"/>
+            <a:ext cx="3312368" cy="1200329"/>
+          </a:xfrm>
+          <a:prstGeom prst="rect">
+            <a:avLst/>
+          </a:prstGeom>
+          <a:noFill/>
+        </p:spPr>
+        <p:txBody>
+          <a:bodyPr wrap="square" rtlCol="0">
+            <a:spAutoFit/>
+          </a:bodyPr>
+          <a:lstStyle/>
+          <a:p>
+            <a:r>
+              <a:rPr lang="fr-FR" dirty="0" smtClean="0"/>
+              <a:t>(affichage en fonction du numéro du jour dans le mois, c’est pourquoi il peut y avoir plusieurs valeurs pour la même heure)</a:t>
+            </a:r>
+            <a:endParaRPr lang="en-US" dirty="0"/>
+          </a:p>
+        </p:txBody>
+      </p:sp>
+      <p:cxnSp>
+        <p:nvCxnSpPr>
+          <p:cNvPr id="6" name="Straight Arrow Connector 5"/>
+          <p:cNvCxnSpPr/>
+          <p:nvPr/>
+        </p:nvCxnSpPr>
+        <p:spPr>
+          <a:xfrm>
+            <a:off x="5940152" y="3291830"/>
+            <a:ext cx="379766" cy="0"/>
+          </a:xfrm>
+          <a:prstGeom prst="straightConnector1">
+            <a:avLst/>
+          </a:prstGeom>
+          <a:ln w="57150">
+            <a:solidFill>
+              <a:srgbClr val="FF0000"/>
+            </a:solidFill>
+            <a:tailEnd type="arrow"/>
+          </a:ln>
+        </p:spPr>
+        <p:style>
+          <a:lnRef idx="1">
+            <a:schemeClr val="accent1"/>
+          </a:lnRef>
+          <a:fillRef idx="0">
+            <a:schemeClr val="accent1"/>
+          </a:fillRef>
+          <a:effectRef idx="0">
+            <a:schemeClr val="accent1"/>
+          </a:effectRef>
+          <a:fontRef idx="minor">
+            <a:schemeClr val="tx1"/>
+          </a:fontRef>
+        </p:style>
+      </p:cxnSp>
+    </p:spTree>
+    <p:extLst>
+      <p:ext uri="{BB962C8B-B14F-4D97-AF65-F5344CB8AC3E}">
+        <p14:creationId xmlns:p14="http://schemas.microsoft.com/office/powerpoint/2010/main" val="57559147"/>
+      </p:ext>
+    </p:extLst>
+  </p:cSld>
+  <p:clrMapOvr>
+    <a:masterClrMapping/>
+  </p:clrMapOvr>
+</p:sld>
+</file>
+
+<file path=ppt/slides/slide24.xml><?xml version="1.0" encoding="utf-8"?>
+<p:sld xmlns:a="http://schemas.openxmlformats.org/drawingml/2006/main" xmlns:r="http://schemas.openxmlformats.org/officeDocument/2006/relationships" xmlns:p="http://schemas.openxmlformats.org/presentationml/2006/main">
+  <p:cSld>
+    <p:spTree>
+      <p:nvGrpSpPr>
+        <p:cNvPr id="1" name=""/>
+        <p:cNvGrpSpPr/>
+        <p:nvPr/>
+      </p:nvGrpSpPr>
+      <p:grpSpPr>
+        <a:xfrm>
+          <a:off x="0" y="0"/>
+          <a:ext cx="0" cy="0"/>
+          <a:chOff x="0" y="0"/>
+          <a:chExt cx="0" cy="0"/>
+        </a:xfrm>
+      </p:grpSpPr>
+      <p:sp>
+        <p:nvSpPr>
+          <p:cNvPr id="2" name="Title 1"/>
+          <p:cNvSpPr>
+            <a:spLocks noGrp="1"/>
+          </p:cNvSpPr>
+          <p:nvPr>
+            <p:ph type="title"/>
+          </p:nvPr>
+        </p:nvSpPr>
+        <p:spPr/>
+        <p:txBody>
+          <a:bodyPr>
+            <a:normAutofit fontScale="90000"/>
+          </a:bodyPr>
+          <a:lstStyle/>
+          <a:p>
+            <a:r>
+              <a:rPr lang="fr-FR" dirty="0" smtClean="0"/>
+              <a:t>Illustration mise en forme des données</a:t>
+            </a:r>
+            <a:endParaRPr lang="en-US" dirty="0"/>
+          </a:p>
+        </p:txBody>
+      </p:sp>
+      <p:sp>
+        <p:nvSpPr>
+          <p:cNvPr id="3" name="Content Placeholder 2"/>
+          <p:cNvSpPr>
+            <a:spLocks noGrp="1"/>
+          </p:cNvSpPr>
+          <p:nvPr>
+            <p:ph idx="1"/>
+          </p:nvPr>
+        </p:nvSpPr>
+        <p:spPr>
+          <a:xfrm>
+            <a:off x="107504" y="1200151"/>
+            <a:ext cx="3456384" cy="3394472"/>
+          </a:xfrm>
+        </p:spPr>
+        <p:txBody>
+          <a:bodyPr>
+            <a:normAutofit/>
+          </a:bodyPr>
+          <a:lstStyle/>
+          <a:p>
+            <a:r>
+              <a:rPr lang="fr-FR" sz="2400" dirty="0" smtClean="0"/>
+              <a:t>Pour une station</a:t>
+            </a:r>
+          </a:p>
+          <a:p>
+            <a:r>
+              <a:rPr lang="fr-FR" sz="2400" dirty="0" smtClean="0"/>
+              <a:t>Noir: </a:t>
+            </a:r>
+            <a:r>
+              <a:rPr lang="fr-FR" sz="2400" dirty="0" err="1" smtClean="0"/>
+              <a:t>available_bikes</a:t>
+            </a:r>
+            <a:endParaRPr lang="fr-FR" sz="2400" dirty="0" smtClean="0"/>
+          </a:p>
+          <a:p>
+            <a:r>
+              <a:rPr lang="fr-FR" sz="2400" dirty="0" smtClean="0"/>
+              <a:t>Rouge: </a:t>
+            </a:r>
+            <a:r>
+              <a:rPr lang="fr-FR" sz="2400" dirty="0" err="1" smtClean="0"/>
+              <a:t>available_bikes_minusW</a:t>
+            </a:r>
+            <a:endParaRPr lang="en-US" sz="2400" dirty="0"/>
+          </a:p>
+        </p:txBody>
+      </p:sp>
+      <p:pic>
+        <p:nvPicPr>
+          <p:cNvPr id="5122" name="Picture 2"/>
+          <p:cNvPicPr>
+            <a:picLocks noChangeAspect="1" noChangeArrowheads="1"/>
+          </p:cNvPicPr>
+          <p:nvPr/>
+        </p:nvPicPr>
+        <p:blipFill>
+          <a:blip r:embed="rId2">
+            <a:extLst>
+              <a:ext uri="{28A0092B-C50C-407E-A947-70E740481C1C}">
+                <a14:useLocalDpi xmlns:a14="http://schemas.microsoft.com/office/drawing/2010/main" val="0"/>
+              </a:ext>
+            </a:extLst>
+          </a:blip>
+          <a:srcRect/>
+          <a:stretch>
+            <a:fillRect/>
+          </a:stretch>
+        </p:blipFill>
+        <p:spPr bwMode="auto">
+          <a:xfrm>
+            <a:off x="3491880" y="1140804"/>
+            <a:ext cx="5577170" cy="3600000"/>
+          </a:xfrm>
+          <a:prstGeom prst="rect">
+            <a:avLst/>
+          </a:prstGeom>
+          <a:noFill/>
+          <a:ln>
+            <a:noFill/>
+          </a:ln>
+          <a:extLst>
+            <a:ext uri="{909E8E84-426E-40DD-AFC4-6F175D3DCCD1}">
+              <a14:hiddenFill xmlns:a14="http://schemas.microsoft.com/office/drawing/2010/main">
+                <a:solidFill>
+                  <a:schemeClr val="accent1"/>
+                </a:solidFill>
+              </a14:hiddenFill>
+            </a:ext>
+            <a:ext uri="{91240B29-F687-4F45-9708-019B960494DF}">
+              <a14:hiddenLine xmlns:a14="http://schemas.microsoft.com/office/drawing/2010/main" w="9525">
+                <a:solidFill>
+                  <a:schemeClr val="tx1"/>
+                </a:solidFill>
+                <a:miter lim="800000"/>
+                <a:headEnd/>
+                <a:tailEnd/>
+              </a14:hiddenLine>
+            </a:ext>
+          </a:extLst>
+        </p:spPr>
+      </p:pic>
+      <p:cxnSp>
+        <p:nvCxnSpPr>
+          <p:cNvPr id="5" name="Straight Arrow Connector 4"/>
+          <p:cNvCxnSpPr/>
+          <p:nvPr/>
+        </p:nvCxnSpPr>
+        <p:spPr>
+          <a:xfrm flipH="1" flipV="1">
+            <a:off x="4932040" y="2643758"/>
+            <a:ext cx="1348425" cy="864096"/>
+          </a:xfrm>
+          <a:prstGeom prst="straightConnector1">
+            <a:avLst/>
+          </a:prstGeom>
+          <a:ln w="57150">
+            <a:solidFill>
+              <a:srgbClr val="FF0000"/>
+            </a:solidFill>
+            <a:tailEnd type="arrow"/>
+          </a:ln>
+        </p:spPr>
+        <p:style>
+          <a:lnRef idx="1">
+            <a:schemeClr val="accent1"/>
+          </a:lnRef>
+          <a:fillRef idx="0">
+            <a:schemeClr val="accent1"/>
+          </a:fillRef>
+          <a:effectRef idx="0">
+            <a:schemeClr val="accent1"/>
+          </a:effectRef>
+          <a:fontRef idx="minor">
+            <a:schemeClr val="tx1"/>
+          </a:fontRef>
+        </p:style>
+      </p:cxnSp>
+      <p:sp>
+        <p:nvSpPr>
+          <p:cNvPr id="8" name="TextBox 7"/>
+          <p:cNvSpPr txBox="1"/>
+          <p:nvPr/>
+        </p:nvSpPr>
+        <p:spPr>
+          <a:xfrm>
+            <a:off x="107505" y="3786594"/>
+            <a:ext cx="3312368" cy="1200329"/>
+          </a:xfrm>
+          <a:prstGeom prst="rect">
+            <a:avLst/>
+          </a:prstGeom>
+          <a:noFill/>
+        </p:spPr>
+        <p:txBody>
+          <a:bodyPr wrap="square" rtlCol="0">
+            <a:spAutoFit/>
+          </a:bodyPr>
+          <a:lstStyle/>
+          <a:p>
+            <a:r>
+              <a:rPr lang="fr-FR" dirty="0" smtClean="0"/>
+              <a:t>(affichage en fonction du numéro du jour dans le mois, c’est pourquoi il peut y avoir plusieurs valeurs pour la même heure)</a:t>
+            </a:r>
+            <a:endParaRPr lang="en-US" dirty="0"/>
+          </a:p>
+        </p:txBody>
+      </p:sp>
+    </p:spTree>
+    <p:extLst>
+      <p:ext uri="{BB962C8B-B14F-4D97-AF65-F5344CB8AC3E}">
+        <p14:creationId xmlns:p14="http://schemas.microsoft.com/office/powerpoint/2010/main" val="3945379847"/>
+      </p:ext>
+    </p:extLst>
+  </p:cSld>
+  <p:clrMapOvr>
+    <a:masterClrMapping/>
+  </p:clrMapOvr>
 </p:sld>
 </file>
 
@@ -10982,6 +16171,13 @@
   <p:clrMapOvr>
     <a:masterClrMapping/>
   </p:clrMapOvr>
+  <p:timing>
+    <p:tnLst>
+      <p:par>
+        <p:cTn id="1" dur="indefinite" restart="never" nodeType="tmRoot"/>
+      </p:par>
+    </p:tnLst>
+  </p:timing>
 </p:sld>
 </file>
 
@@ -11216,6 +16412,13 @@
   <p:clrMapOvr>
     <a:masterClrMapping/>
   </p:clrMapOvr>
+  <p:timing>
+    <p:tnLst>
+      <p:par>
+        <p:cTn id="1" dur="indefinite" restart="never" nodeType="tmRoot"/>
+      </p:par>
+    </p:tnLst>
+  </p:timing>
 </p:sld>
 </file>
 
